--- a/doc/02_SlideShare/01.ネタ/4_スマホアプリ開発/dairy.pptx
+++ b/doc/02_SlideShare/01.ネタ/4_スマホアプリ開発/dairy.pptx
@@ -6,11 +6,15 @@
   </p:sldMasterIdLst>
   <p:sldIdLst>
     <p:sldId id="256" r:id="rId2"/>
-    <p:sldId id="257" r:id="rId3"/>
-    <p:sldId id="258" r:id="rId4"/>
-    <p:sldId id="259" r:id="rId5"/>
-    <p:sldId id="260" r:id="rId6"/>
-    <p:sldId id="261" r:id="rId7"/>
+    <p:sldId id="262" r:id="rId3"/>
+    <p:sldId id="257" r:id="rId4"/>
+    <p:sldId id="258" r:id="rId5"/>
+    <p:sldId id="259" r:id="rId6"/>
+    <p:sldId id="260" r:id="rId7"/>
+    <p:sldId id="261" r:id="rId8"/>
+    <p:sldId id="263" r:id="rId9"/>
+    <p:sldId id="264" r:id="rId10"/>
+    <p:sldId id="265" r:id="rId11"/>
   </p:sldIdLst>
   <p:sldSz cx="12192000" cy="6858000"/>
   <p:notesSz cx="6858000" cy="9144000"/>
@@ -206,7 +210,7 @@
           <a:p>
             <a:fld id="{2FA7D4A1-D6E2-4B97-8DF5-43A2A6E9364B}" type="datetimeFigureOut">
               <a:rPr kumimoji="1" lang="ja-JP" altLang="en-US" smtClean="0"/>
-              <a:t>2019/3/6</a:t>
+              <a:t>2019/3/9</a:t>
             </a:fld>
             <a:endParaRPr kumimoji="1" lang="ja-JP" altLang="en-US"/>
           </a:p>
@@ -310,39 +314,39 @@
               <a:defRPr/>
             </a:pPr>
             <a:r>
-              <a:rPr lang="ja-JP" altLang="en-US" dirty="0" smtClean="0"/>
+              <a:rPr lang="ja-JP" altLang="en-US" dirty="0"/>
               <a:t>～</a:t>
             </a:r>
             <a:r>
-              <a:rPr lang="en-US" altLang="ja-JP" dirty="0" smtClean="0"/>
+              <a:rPr lang="en-US" altLang="ja-JP" dirty="0"/>
               <a:t>【</a:t>
             </a:r>
             <a:r>
-              <a:rPr lang="ja-JP" altLang="en-US" dirty="0" smtClean="0"/>
+              <a:rPr lang="ja-JP" altLang="en-US" dirty="0"/>
               <a:t>開催日（</a:t>
             </a:r>
             <a:r>
-              <a:rPr lang="en-US" altLang="ja-JP" dirty="0" smtClean="0"/>
+              <a:rPr lang="en-US" altLang="ja-JP" dirty="0"/>
               <a:t>YYYY/M/D</a:t>
             </a:r>
             <a:r>
-              <a:rPr lang="ja-JP" altLang="en-US" dirty="0" smtClean="0"/>
+              <a:rPr lang="ja-JP" altLang="en-US" dirty="0"/>
               <a:t>形式）</a:t>
             </a:r>
             <a:r>
-              <a:rPr lang="en-US" altLang="ja-JP" dirty="0" smtClean="0"/>
+              <a:rPr lang="en-US" altLang="ja-JP" dirty="0"/>
               <a:t>】</a:t>
             </a:r>
             <a:r>
-              <a:rPr lang="ja-JP" altLang="en-US" dirty="0" smtClean="0"/>
+              <a:rPr lang="ja-JP" altLang="en-US" dirty="0"/>
               <a:t>第</a:t>
             </a:r>
             <a:r>
-              <a:rPr lang="en-US" altLang="ja-JP" dirty="0" smtClean="0"/>
+              <a:rPr lang="en-US" altLang="ja-JP" dirty="0"/>
               <a:t>X</a:t>
             </a:r>
             <a:r>
-              <a:rPr lang="ja-JP" altLang="en-US" dirty="0" smtClean="0"/>
+              <a:rPr lang="ja-JP" altLang="en-US" dirty="0"/>
               <a:t>会勉強会まとめ資料～</a:t>
             </a:r>
           </a:p>
@@ -389,7 +393,7 @@
           <a:p>
             <a:pPr algn="l"/>
             <a:r>
-              <a:rPr kumimoji="1" lang="ja-JP" altLang="en-US" sz="4000" dirty="0" smtClean="0">
+              <a:rPr kumimoji="1" lang="ja-JP" altLang="en-US" sz="4000" dirty="0">
                 <a:solidFill>
                   <a:schemeClr val="tx1"/>
                 </a:solidFill>
@@ -398,13 +402,6 @@
               </a:rPr>
               <a:t>勉強会まとめ資料</a:t>
             </a:r>
-            <a:endParaRPr kumimoji="1" lang="ja-JP" altLang="en-US" sz="4000" dirty="0">
-              <a:solidFill>
-                <a:schemeClr val="tx1"/>
-              </a:solidFill>
-              <a:latin typeface="Meiryo UI" panose="020B0604030504040204" pitchFamily="50" charset="-128"/>
-              <a:ea typeface="Meiryo UI" panose="020B0604030504040204" pitchFamily="50" charset="-128"/>
-            </a:endParaRPr>
           </a:p>
         </p:txBody>
       </p:sp>
@@ -465,7 +462,7 @@
               <a:defRPr/>
             </a:pPr>
             <a:r>
-              <a:rPr kumimoji="1" lang="ja-JP" altLang="en-US" sz="2000" dirty="0" smtClean="0">
+              <a:rPr kumimoji="1" lang="ja-JP" altLang="en-US" sz="2000" dirty="0">
                 <a:solidFill>
                   <a:schemeClr val="tx1"/>
                 </a:solidFill>
@@ -517,13 +514,6 @@
   <p:clrMapOvr>
     <a:masterClrMapping/>
   </p:clrMapOvr>
-  <p:timing>
-    <p:tnLst>
-      <p:par>
-        <p:cTn id="1" dur="indefinite" restart="never" nodeType="tmRoot"/>
-      </p:par>
-    </p:tnLst>
-  </p:timing>
 </p:sldLayout>
 </file>
 
@@ -560,10 +550,9 @@
           <a:lstStyle/>
           <a:p>
             <a:r>
-              <a:rPr kumimoji="1" lang="ja-JP" altLang="en-US" smtClean="0"/>
+              <a:rPr kumimoji="1" lang="ja-JP" altLang="en-US"/>
               <a:t>マスター タイトルの書式設定</a:t>
             </a:r>
-            <a:endParaRPr kumimoji="1" lang="ja-JP" altLang="en-US"/>
           </a:p>
         </p:txBody>
       </p:sp>
@@ -589,70 +578,69 @@
           <a:p>
             <a:pPr lvl="0"/>
             <a:r>
-              <a:rPr kumimoji="1" lang="ja-JP" altLang="en-US" dirty="0" smtClean="0"/>
+              <a:rPr kumimoji="1" lang="ja-JP" altLang="en-US" dirty="0"/>
               <a:t>マスター テキストの書式設定</a:t>
             </a:r>
           </a:p>
           <a:p>
             <a:pPr lvl="1"/>
             <a:r>
-              <a:rPr kumimoji="1" lang="ja-JP" altLang="en-US" dirty="0" smtClean="0"/>
+              <a:rPr kumimoji="1" lang="ja-JP" altLang="en-US" dirty="0"/>
               <a:t>第 </a:t>
             </a:r>
             <a:r>
-              <a:rPr kumimoji="1" lang="en-US" altLang="ja-JP" dirty="0" smtClean="0"/>
+              <a:rPr kumimoji="1" lang="en-US" altLang="ja-JP" dirty="0"/>
               <a:t>2 </a:t>
             </a:r>
             <a:r>
-              <a:rPr kumimoji="1" lang="ja-JP" altLang="en-US" dirty="0" smtClean="0"/>
+              <a:rPr kumimoji="1" lang="ja-JP" altLang="en-US" dirty="0"/>
               <a:t>レベル</a:t>
             </a:r>
           </a:p>
           <a:p>
             <a:pPr lvl="2"/>
             <a:r>
-              <a:rPr kumimoji="1" lang="ja-JP" altLang="en-US" dirty="0" smtClean="0"/>
+              <a:rPr kumimoji="1" lang="ja-JP" altLang="en-US" dirty="0"/>
               <a:t>第 </a:t>
             </a:r>
             <a:r>
-              <a:rPr kumimoji="1" lang="en-US" altLang="ja-JP" dirty="0" smtClean="0"/>
+              <a:rPr kumimoji="1" lang="en-US" altLang="ja-JP" dirty="0"/>
               <a:t>3 </a:t>
             </a:r>
             <a:r>
-              <a:rPr kumimoji="1" lang="ja-JP" altLang="en-US" dirty="0" smtClean="0"/>
+              <a:rPr kumimoji="1" lang="ja-JP" altLang="en-US" dirty="0"/>
               <a:t>レベル</a:t>
             </a:r>
           </a:p>
           <a:p>
             <a:pPr lvl="3"/>
             <a:r>
-              <a:rPr kumimoji="1" lang="ja-JP" altLang="en-US" dirty="0" smtClean="0"/>
+              <a:rPr kumimoji="1" lang="ja-JP" altLang="en-US" dirty="0"/>
               <a:t>第 </a:t>
             </a:r>
             <a:r>
-              <a:rPr kumimoji="1" lang="en-US" altLang="ja-JP" dirty="0" smtClean="0"/>
+              <a:rPr kumimoji="1" lang="en-US" altLang="ja-JP" dirty="0"/>
               <a:t>4 </a:t>
             </a:r>
             <a:r>
-              <a:rPr kumimoji="1" lang="ja-JP" altLang="en-US" dirty="0" smtClean="0"/>
+              <a:rPr kumimoji="1" lang="ja-JP" altLang="en-US" dirty="0"/>
               <a:t>レベル</a:t>
             </a:r>
           </a:p>
           <a:p>
             <a:pPr lvl="4"/>
             <a:r>
-              <a:rPr kumimoji="1" lang="ja-JP" altLang="en-US" dirty="0" smtClean="0"/>
+              <a:rPr kumimoji="1" lang="ja-JP" altLang="en-US" dirty="0"/>
               <a:t>第 </a:t>
             </a:r>
             <a:r>
-              <a:rPr kumimoji="1" lang="en-US" altLang="ja-JP" dirty="0" smtClean="0"/>
+              <a:rPr kumimoji="1" lang="en-US" altLang="ja-JP" dirty="0"/>
               <a:t>5 </a:t>
             </a:r>
             <a:r>
-              <a:rPr kumimoji="1" lang="ja-JP" altLang="en-US" dirty="0" smtClean="0"/>
+              <a:rPr kumimoji="1" lang="ja-JP" altLang="en-US" dirty="0"/>
               <a:t>レベル</a:t>
             </a:r>
-            <a:endParaRPr kumimoji="1" lang="ja-JP" altLang="en-US" dirty="0"/>
           </a:p>
         </p:txBody>
       </p:sp>
@@ -673,7 +661,7 @@
           <a:p>
             <a:fld id="{2FA7D4A1-D6E2-4B97-8DF5-43A2A6E9364B}" type="datetimeFigureOut">
               <a:rPr kumimoji="1" lang="ja-JP" altLang="en-US" smtClean="0"/>
-              <a:t>2019/3/6</a:t>
+              <a:t>2019/3/9</a:t>
             </a:fld>
             <a:endParaRPr kumimoji="1" lang="ja-JP" altLang="en-US"/>
           </a:p>
@@ -791,70 +779,69 @@
           <a:p>
             <a:pPr lvl="0"/>
             <a:r>
-              <a:rPr kumimoji="1" lang="ja-JP" altLang="en-US" dirty="0" smtClean="0"/>
+              <a:rPr kumimoji="1" lang="ja-JP" altLang="en-US" dirty="0"/>
               <a:t>マスター テキストの書式設定</a:t>
             </a:r>
           </a:p>
           <a:p>
             <a:pPr lvl="1"/>
             <a:r>
-              <a:rPr kumimoji="1" lang="ja-JP" altLang="en-US" dirty="0" smtClean="0"/>
+              <a:rPr kumimoji="1" lang="ja-JP" altLang="en-US" dirty="0"/>
               <a:t>第 </a:t>
             </a:r>
             <a:r>
-              <a:rPr kumimoji="1" lang="en-US" altLang="ja-JP" dirty="0" smtClean="0"/>
+              <a:rPr kumimoji="1" lang="en-US" altLang="ja-JP" dirty="0"/>
               <a:t>2 </a:t>
             </a:r>
             <a:r>
-              <a:rPr kumimoji="1" lang="ja-JP" altLang="en-US" dirty="0" smtClean="0"/>
+              <a:rPr kumimoji="1" lang="ja-JP" altLang="en-US" dirty="0"/>
               <a:t>レベル</a:t>
             </a:r>
           </a:p>
           <a:p>
             <a:pPr lvl="2"/>
             <a:r>
-              <a:rPr kumimoji="1" lang="ja-JP" altLang="en-US" dirty="0" smtClean="0"/>
+              <a:rPr kumimoji="1" lang="ja-JP" altLang="en-US" dirty="0"/>
               <a:t>第 </a:t>
             </a:r>
             <a:r>
-              <a:rPr kumimoji="1" lang="en-US" altLang="ja-JP" dirty="0" smtClean="0"/>
+              <a:rPr kumimoji="1" lang="en-US" altLang="ja-JP" dirty="0"/>
               <a:t>3 </a:t>
             </a:r>
             <a:r>
-              <a:rPr kumimoji="1" lang="ja-JP" altLang="en-US" dirty="0" smtClean="0"/>
+              <a:rPr kumimoji="1" lang="ja-JP" altLang="en-US" dirty="0"/>
               <a:t>レベル</a:t>
             </a:r>
           </a:p>
           <a:p>
             <a:pPr lvl="3"/>
             <a:r>
-              <a:rPr kumimoji="1" lang="ja-JP" altLang="en-US" dirty="0" smtClean="0"/>
+              <a:rPr kumimoji="1" lang="ja-JP" altLang="en-US" dirty="0"/>
               <a:t>第 </a:t>
             </a:r>
             <a:r>
-              <a:rPr kumimoji="1" lang="en-US" altLang="ja-JP" dirty="0" smtClean="0"/>
+              <a:rPr kumimoji="1" lang="en-US" altLang="ja-JP" dirty="0"/>
               <a:t>4 </a:t>
             </a:r>
             <a:r>
-              <a:rPr kumimoji="1" lang="ja-JP" altLang="en-US" dirty="0" smtClean="0"/>
+              <a:rPr kumimoji="1" lang="ja-JP" altLang="en-US" dirty="0"/>
               <a:t>レベル</a:t>
             </a:r>
           </a:p>
           <a:p>
             <a:pPr lvl="4"/>
             <a:r>
-              <a:rPr kumimoji="1" lang="ja-JP" altLang="en-US" dirty="0" smtClean="0"/>
+              <a:rPr kumimoji="1" lang="ja-JP" altLang="en-US" dirty="0"/>
               <a:t>第 </a:t>
             </a:r>
             <a:r>
-              <a:rPr kumimoji="1" lang="en-US" altLang="ja-JP" dirty="0" smtClean="0"/>
+              <a:rPr kumimoji="1" lang="en-US" altLang="ja-JP" dirty="0"/>
               <a:t>5 </a:t>
             </a:r>
             <a:r>
-              <a:rPr kumimoji="1" lang="ja-JP" altLang="en-US" dirty="0" smtClean="0"/>
+              <a:rPr kumimoji="1" lang="ja-JP" altLang="en-US" dirty="0"/>
               <a:t>レベル</a:t>
             </a:r>
-            <a:endParaRPr kumimoji="1" lang="ja-JP" altLang="en-US" dirty="0"/>
           </a:p>
         </p:txBody>
       </p:sp>
@@ -868,13 +855,6 @@
   <p:clrMapOvr>
     <a:masterClrMapping/>
   </p:clrMapOvr>
-  <p:timing>
-    <p:tnLst>
-      <p:par>
-        <p:cTn id="1" dur="indefinite" restart="never" nodeType="tmRoot"/>
-      </p:par>
-    </p:tnLst>
-  </p:timing>
 </p:sldLayout>
 </file>
 
@@ -911,10 +891,9 @@
           <a:lstStyle/>
           <a:p>
             <a:r>
-              <a:rPr kumimoji="1" lang="ja-JP" altLang="en-US" smtClean="0"/>
+              <a:rPr kumimoji="1" lang="ja-JP" altLang="en-US"/>
               <a:t>マスター タイトルの書式設定</a:t>
             </a:r>
-            <a:endParaRPr kumimoji="1" lang="ja-JP" altLang="en-US"/>
           </a:p>
         </p:txBody>
       </p:sp>
@@ -940,70 +919,69 @@
           <a:p>
             <a:pPr lvl="0"/>
             <a:r>
-              <a:rPr kumimoji="1" lang="ja-JP" altLang="en-US" smtClean="0"/>
+              <a:rPr kumimoji="1" lang="ja-JP" altLang="en-US"/>
               <a:t>マスター テキストの書式設定</a:t>
             </a:r>
           </a:p>
           <a:p>
             <a:pPr lvl="1"/>
             <a:r>
-              <a:rPr kumimoji="1" lang="ja-JP" altLang="en-US" smtClean="0"/>
+              <a:rPr kumimoji="1" lang="ja-JP" altLang="en-US"/>
               <a:t>第 </a:t>
             </a:r>
             <a:r>
-              <a:rPr kumimoji="1" lang="en-US" altLang="ja-JP" smtClean="0"/>
+              <a:rPr kumimoji="1" lang="en-US" altLang="ja-JP"/>
               <a:t>2 </a:t>
             </a:r>
             <a:r>
-              <a:rPr kumimoji="1" lang="ja-JP" altLang="en-US" smtClean="0"/>
+              <a:rPr kumimoji="1" lang="ja-JP" altLang="en-US"/>
               <a:t>レベル</a:t>
             </a:r>
           </a:p>
           <a:p>
             <a:pPr lvl="2"/>
             <a:r>
-              <a:rPr kumimoji="1" lang="ja-JP" altLang="en-US" smtClean="0"/>
+              <a:rPr kumimoji="1" lang="ja-JP" altLang="en-US"/>
               <a:t>第 </a:t>
             </a:r>
             <a:r>
-              <a:rPr kumimoji="1" lang="en-US" altLang="ja-JP" smtClean="0"/>
+              <a:rPr kumimoji="1" lang="en-US" altLang="ja-JP"/>
               <a:t>3 </a:t>
             </a:r>
             <a:r>
-              <a:rPr kumimoji="1" lang="ja-JP" altLang="en-US" smtClean="0"/>
+              <a:rPr kumimoji="1" lang="ja-JP" altLang="en-US"/>
               <a:t>レベル</a:t>
             </a:r>
           </a:p>
           <a:p>
             <a:pPr lvl="3"/>
             <a:r>
-              <a:rPr kumimoji="1" lang="ja-JP" altLang="en-US" smtClean="0"/>
+              <a:rPr kumimoji="1" lang="ja-JP" altLang="en-US"/>
               <a:t>第 </a:t>
             </a:r>
             <a:r>
-              <a:rPr kumimoji="1" lang="en-US" altLang="ja-JP" smtClean="0"/>
+              <a:rPr kumimoji="1" lang="en-US" altLang="ja-JP"/>
               <a:t>4 </a:t>
             </a:r>
             <a:r>
-              <a:rPr kumimoji="1" lang="ja-JP" altLang="en-US" smtClean="0"/>
+              <a:rPr kumimoji="1" lang="ja-JP" altLang="en-US"/>
               <a:t>レベル</a:t>
             </a:r>
           </a:p>
           <a:p>
             <a:pPr lvl="4"/>
             <a:r>
-              <a:rPr kumimoji="1" lang="ja-JP" altLang="en-US" smtClean="0"/>
+              <a:rPr kumimoji="1" lang="ja-JP" altLang="en-US"/>
               <a:t>第 </a:t>
             </a:r>
             <a:r>
-              <a:rPr kumimoji="1" lang="en-US" altLang="ja-JP" smtClean="0"/>
+              <a:rPr kumimoji="1" lang="en-US" altLang="ja-JP"/>
               <a:t>5 </a:t>
             </a:r>
             <a:r>
-              <a:rPr kumimoji="1" lang="ja-JP" altLang="en-US" smtClean="0"/>
+              <a:rPr kumimoji="1" lang="ja-JP" altLang="en-US"/>
               <a:t>レベル</a:t>
             </a:r>
-            <a:endParaRPr kumimoji="1" lang="ja-JP" altLang="en-US"/>
           </a:p>
         </p:txBody>
       </p:sp>
@@ -1029,70 +1007,69 @@
           <a:p>
             <a:pPr lvl="0"/>
             <a:r>
-              <a:rPr kumimoji="1" lang="ja-JP" altLang="en-US" smtClean="0"/>
+              <a:rPr kumimoji="1" lang="ja-JP" altLang="en-US"/>
               <a:t>マスター テキストの書式設定</a:t>
             </a:r>
           </a:p>
           <a:p>
             <a:pPr lvl="1"/>
             <a:r>
-              <a:rPr kumimoji="1" lang="ja-JP" altLang="en-US" smtClean="0"/>
+              <a:rPr kumimoji="1" lang="ja-JP" altLang="en-US"/>
               <a:t>第 </a:t>
             </a:r>
             <a:r>
-              <a:rPr kumimoji="1" lang="en-US" altLang="ja-JP" smtClean="0"/>
+              <a:rPr kumimoji="1" lang="en-US" altLang="ja-JP"/>
               <a:t>2 </a:t>
             </a:r>
             <a:r>
-              <a:rPr kumimoji="1" lang="ja-JP" altLang="en-US" smtClean="0"/>
+              <a:rPr kumimoji="1" lang="ja-JP" altLang="en-US"/>
               <a:t>レベル</a:t>
             </a:r>
           </a:p>
           <a:p>
             <a:pPr lvl="2"/>
             <a:r>
-              <a:rPr kumimoji="1" lang="ja-JP" altLang="en-US" smtClean="0"/>
+              <a:rPr kumimoji="1" lang="ja-JP" altLang="en-US"/>
               <a:t>第 </a:t>
             </a:r>
             <a:r>
-              <a:rPr kumimoji="1" lang="en-US" altLang="ja-JP" smtClean="0"/>
+              <a:rPr kumimoji="1" lang="en-US" altLang="ja-JP"/>
               <a:t>3 </a:t>
             </a:r>
             <a:r>
-              <a:rPr kumimoji="1" lang="ja-JP" altLang="en-US" smtClean="0"/>
+              <a:rPr kumimoji="1" lang="ja-JP" altLang="en-US"/>
               <a:t>レベル</a:t>
             </a:r>
           </a:p>
           <a:p>
             <a:pPr lvl="3"/>
             <a:r>
-              <a:rPr kumimoji="1" lang="ja-JP" altLang="en-US" smtClean="0"/>
+              <a:rPr kumimoji="1" lang="ja-JP" altLang="en-US"/>
               <a:t>第 </a:t>
             </a:r>
             <a:r>
-              <a:rPr kumimoji="1" lang="en-US" altLang="ja-JP" smtClean="0"/>
+              <a:rPr kumimoji="1" lang="en-US" altLang="ja-JP"/>
               <a:t>4 </a:t>
             </a:r>
             <a:r>
-              <a:rPr kumimoji="1" lang="ja-JP" altLang="en-US" smtClean="0"/>
+              <a:rPr kumimoji="1" lang="ja-JP" altLang="en-US"/>
               <a:t>レベル</a:t>
             </a:r>
           </a:p>
           <a:p>
             <a:pPr lvl="4"/>
             <a:r>
-              <a:rPr kumimoji="1" lang="ja-JP" altLang="en-US" smtClean="0"/>
+              <a:rPr kumimoji="1" lang="ja-JP" altLang="en-US"/>
               <a:t>第 </a:t>
             </a:r>
             <a:r>
-              <a:rPr kumimoji="1" lang="en-US" altLang="ja-JP" smtClean="0"/>
+              <a:rPr kumimoji="1" lang="en-US" altLang="ja-JP"/>
               <a:t>5 </a:t>
             </a:r>
             <a:r>
-              <a:rPr kumimoji="1" lang="ja-JP" altLang="en-US" smtClean="0"/>
+              <a:rPr kumimoji="1" lang="ja-JP" altLang="en-US"/>
               <a:t>レベル</a:t>
             </a:r>
-            <a:endParaRPr kumimoji="1" lang="ja-JP" altLang="en-US"/>
           </a:p>
         </p:txBody>
       </p:sp>
@@ -1113,7 +1090,7 @@
           <a:p>
             <a:fld id="{2FA7D4A1-D6E2-4B97-8DF5-43A2A6E9364B}" type="datetimeFigureOut">
               <a:rPr kumimoji="1" lang="ja-JP" altLang="en-US" smtClean="0"/>
-              <a:t>2019/3/6</a:t>
+              <a:t>2019/3/9</a:t>
             </a:fld>
             <a:endParaRPr kumimoji="1" lang="ja-JP" altLang="en-US"/>
           </a:p>
@@ -1171,13 +1148,6 @@
   <p:clrMapOvr>
     <a:masterClrMapping/>
   </p:clrMapOvr>
-  <p:timing>
-    <p:tnLst>
-      <p:par>
-        <p:cTn id="1" dur="indefinite" restart="never" nodeType="tmRoot"/>
-      </p:par>
-    </p:tnLst>
-  </p:timing>
 </p:sldLayout>
 </file>
 
@@ -1214,10 +1184,9 @@
           <a:lstStyle/>
           <a:p>
             <a:r>
-              <a:rPr kumimoji="1" lang="ja-JP" altLang="en-US" smtClean="0"/>
+              <a:rPr kumimoji="1" lang="ja-JP" altLang="en-US"/>
               <a:t>マスター タイトルの書式設定</a:t>
             </a:r>
-            <a:endParaRPr kumimoji="1" lang="ja-JP" altLang="en-US"/>
           </a:p>
         </p:txBody>
       </p:sp>
@@ -1238,7 +1207,7 @@
           <a:p>
             <a:fld id="{2FA7D4A1-D6E2-4B97-8DF5-43A2A6E9364B}" type="datetimeFigureOut">
               <a:rPr kumimoji="1" lang="ja-JP" altLang="en-US" smtClean="0"/>
-              <a:t>2019/3/6</a:t>
+              <a:t>2019/3/9</a:t>
             </a:fld>
             <a:endParaRPr kumimoji="1" lang="ja-JP" altLang="en-US"/>
           </a:p>
@@ -1326,70 +1295,69 @@
           <a:p>
             <a:pPr lvl="0"/>
             <a:r>
-              <a:rPr kumimoji="1" lang="ja-JP" altLang="en-US" dirty="0" smtClean="0"/>
+              <a:rPr kumimoji="1" lang="ja-JP" altLang="en-US" dirty="0"/>
               <a:t>マスター テキストの書式設定</a:t>
             </a:r>
           </a:p>
           <a:p>
             <a:pPr lvl="1"/>
             <a:r>
-              <a:rPr kumimoji="1" lang="ja-JP" altLang="en-US" dirty="0" smtClean="0"/>
+              <a:rPr kumimoji="1" lang="ja-JP" altLang="en-US" dirty="0"/>
               <a:t>第 </a:t>
             </a:r>
             <a:r>
-              <a:rPr kumimoji="1" lang="en-US" altLang="ja-JP" dirty="0" smtClean="0"/>
+              <a:rPr kumimoji="1" lang="en-US" altLang="ja-JP" dirty="0"/>
               <a:t>2 </a:t>
             </a:r>
             <a:r>
-              <a:rPr kumimoji="1" lang="ja-JP" altLang="en-US" dirty="0" smtClean="0"/>
+              <a:rPr kumimoji="1" lang="ja-JP" altLang="en-US" dirty="0"/>
               <a:t>レベル</a:t>
             </a:r>
           </a:p>
           <a:p>
             <a:pPr lvl="2"/>
             <a:r>
-              <a:rPr kumimoji="1" lang="ja-JP" altLang="en-US" dirty="0" smtClean="0"/>
+              <a:rPr kumimoji="1" lang="ja-JP" altLang="en-US" dirty="0"/>
               <a:t>第 </a:t>
             </a:r>
             <a:r>
-              <a:rPr kumimoji="1" lang="en-US" altLang="ja-JP" dirty="0" smtClean="0"/>
+              <a:rPr kumimoji="1" lang="en-US" altLang="ja-JP" dirty="0"/>
               <a:t>3 </a:t>
             </a:r>
             <a:r>
-              <a:rPr kumimoji="1" lang="ja-JP" altLang="en-US" dirty="0" smtClean="0"/>
+              <a:rPr kumimoji="1" lang="ja-JP" altLang="en-US" dirty="0"/>
               <a:t>レベル</a:t>
             </a:r>
           </a:p>
           <a:p>
             <a:pPr lvl="3"/>
             <a:r>
-              <a:rPr kumimoji="1" lang="ja-JP" altLang="en-US" dirty="0" smtClean="0"/>
+              <a:rPr kumimoji="1" lang="ja-JP" altLang="en-US" dirty="0"/>
               <a:t>第 </a:t>
             </a:r>
             <a:r>
-              <a:rPr kumimoji="1" lang="en-US" altLang="ja-JP" dirty="0" smtClean="0"/>
+              <a:rPr kumimoji="1" lang="en-US" altLang="ja-JP" dirty="0"/>
               <a:t>4 </a:t>
             </a:r>
             <a:r>
-              <a:rPr kumimoji="1" lang="ja-JP" altLang="en-US" dirty="0" smtClean="0"/>
+              <a:rPr kumimoji="1" lang="ja-JP" altLang="en-US" dirty="0"/>
               <a:t>レベル</a:t>
             </a:r>
           </a:p>
           <a:p>
             <a:pPr lvl="4"/>
             <a:r>
-              <a:rPr kumimoji="1" lang="ja-JP" altLang="en-US" dirty="0" smtClean="0"/>
+              <a:rPr kumimoji="1" lang="ja-JP" altLang="en-US" dirty="0"/>
               <a:t>第 </a:t>
             </a:r>
             <a:r>
-              <a:rPr kumimoji="1" lang="en-US" altLang="ja-JP" dirty="0" smtClean="0"/>
+              <a:rPr kumimoji="1" lang="en-US" altLang="ja-JP" dirty="0"/>
               <a:t>5 </a:t>
             </a:r>
             <a:r>
-              <a:rPr kumimoji="1" lang="ja-JP" altLang="en-US" dirty="0" smtClean="0"/>
+              <a:rPr kumimoji="1" lang="ja-JP" altLang="en-US" dirty="0"/>
               <a:t>レベル</a:t>
             </a:r>
-            <a:endParaRPr kumimoji="1" lang="ja-JP" altLang="en-US" dirty="0"/>
           </a:p>
         </p:txBody>
       </p:sp>
@@ -1403,13 +1371,6 @@
   <p:clrMapOvr>
     <a:masterClrMapping/>
   </p:clrMapOvr>
-  <p:timing>
-    <p:tnLst>
-      <p:par>
-        <p:cTn id="1" dur="indefinite" restart="never" nodeType="tmRoot"/>
-      </p:par>
-    </p:tnLst>
-  </p:timing>
 </p:sldLayout>
 </file>
 
@@ -1446,10 +1407,9 @@
           <a:lstStyle/>
           <a:p>
             <a:r>
-              <a:rPr kumimoji="1" lang="ja-JP" altLang="en-US" smtClean="0"/>
+              <a:rPr kumimoji="1" lang="ja-JP" altLang="en-US"/>
               <a:t>マスター タイトルの書式設定</a:t>
             </a:r>
-            <a:endParaRPr kumimoji="1" lang="ja-JP" altLang="en-US"/>
           </a:p>
         </p:txBody>
       </p:sp>
@@ -1470,7 +1430,7 @@
           <a:p>
             <a:fld id="{2FA7D4A1-D6E2-4B97-8DF5-43A2A6E9364B}" type="datetimeFigureOut">
               <a:rPr kumimoji="1" lang="ja-JP" altLang="en-US" smtClean="0"/>
-              <a:t>2019/3/6</a:t>
+              <a:t>2019/3/9</a:t>
             </a:fld>
             <a:endParaRPr kumimoji="1" lang="ja-JP" altLang="en-US"/>
           </a:p>
@@ -1577,7 +1537,7 @@
           <a:p>
             <a:pPr lvl="0"/>
             <a:r>
-              <a:rPr kumimoji="1" lang="ja-JP" altLang="en-US" smtClean="0"/>
+              <a:rPr kumimoji="1" lang="ja-JP" altLang="en-US"/>
               <a:t>マスター テキストの書式設定</a:t>
             </a:r>
           </a:p>
@@ -1654,13 +1614,6 @@
   <p:clrMapOvr>
     <a:masterClrMapping/>
   </p:clrMapOvr>
-  <p:timing>
-    <p:tnLst>
-      <p:par>
-        <p:cTn id="1" dur="indefinite" restart="never" nodeType="tmRoot"/>
-      </p:par>
-    </p:tnLst>
-  </p:timing>
 </p:sldLayout>
 </file>
 
@@ -1712,10 +1665,9 @@
           <a:lstStyle/>
           <a:p>
             <a:r>
-              <a:rPr kumimoji="1" lang="ja-JP" altLang="en-US" dirty="0" smtClean="0"/>
+              <a:rPr kumimoji="1" lang="ja-JP" altLang="en-US" dirty="0"/>
               <a:t>マスター タイトルの書式設定</a:t>
             </a:r>
-            <a:endParaRPr kumimoji="1" lang="ja-JP" altLang="en-US" dirty="0"/>
           </a:p>
         </p:txBody>
       </p:sp>
@@ -1746,70 +1698,69 @@
           <a:p>
             <a:pPr lvl="0"/>
             <a:r>
-              <a:rPr kumimoji="1" lang="ja-JP" altLang="en-US" dirty="0" smtClean="0"/>
+              <a:rPr kumimoji="1" lang="ja-JP" altLang="en-US" dirty="0"/>
               <a:t>マスター テキストの書式設定</a:t>
             </a:r>
           </a:p>
           <a:p>
             <a:pPr lvl="1"/>
             <a:r>
-              <a:rPr kumimoji="1" lang="ja-JP" altLang="en-US" dirty="0" smtClean="0"/>
+              <a:rPr kumimoji="1" lang="ja-JP" altLang="en-US" dirty="0"/>
               <a:t>第 </a:t>
             </a:r>
             <a:r>
-              <a:rPr kumimoji="1" lang="en-US" altLang="ja-JP" dirty="0" smtClean="0"/>
+              <a:rPr kumimoji="1" lang="en-US" altLang="ja-JP" dirty="0"/>
               <a:t>2 </a:t>
             </a:r>
             <a:r>
-              <a:rPr kumimoji="1" lang="ja-JP" altLang="en-US" dirty="0" smtClean="0"/>
+              <a:rPr kumimoji="1" lang="ja-JP" altLang="en-US" dirty="0"/>
               <a:t>レベル</a:t>
             </a:r>
           </a:p>
           <a:p>
             <a:pPr lvl="2"/>
             <a:r>
-              <a:rPr kumimoji="1" lang="ja-JP" altLang="en-US" dirty="0" smtClean="0"/>
+              <a:rPr kumimoji="1" lang="ja-JP" altLang="en-US" dirty="0"/>
               <a:t>第 </a:t>
             </a:r>
             <a:r>
-              <a:rPr kumimoji="1" lang="en-US" altLang="ja-JP" dirty="0" smtClean="0"/>
+              <a:rPr kumimoji="1" lang="en-US" altLang="ja-JP" dirty="0"/>
               <a:t>3 </a:t>
             </a:r>
             <a:r>
-              <a:rPr kumimoji="1" lang="ja-JP" altLang="en-US" dirty="0" smtClean="0"/>
+              <a:rPr kumimoji="1" lang="ja-JP" altLang="en-US" dirty="0"/>
               <a:t>レベル</a:t>
             </a:r>
           </a:p>
           <a:p>
             <a:pPr lvl="3"/>
             <a:r>
-              <a:rPr kumimoji="1" lang="ja-JP" altLang="en-US" dirty="0" smtClean="0"/>
+              <a:rPr kumimoji="1" lang="ja-JP" altLang="en-US" dirty="0"/>
               <a:t>第 </a:t>
             </a:r>
             <a:r>
-              <a:rPr kumimoji="1" lang="en-US" altLang="ja-JP" dirty="0" smtClean="0"/>
+              <a:rPr kumimoji="1" lang="en-US" altLang="ja-JP" dirty="0"/>
               <a:t>4 </a:t>
             </a:r>
             <a:r>
-              <a:rPr kumimoji="1" lang="ja-JP" altLang="en-US" dirty="0" smtClean="0"/>
+              <a:rPr kumimoji="1" lang="ja-JP" altLang="en-US" dirty="0"/>
               <a:t>レベル</a:t>
             </a:r>
           </a:p>
           <a:p>
             <a:pPr lvl="4"/>
             <a:r>
-              <a:rPr kumimoji="1" lang="ja-JP" altLang="en-US" dirty="0" smtClean="0"/>
+              <a:rPr kumimoji="1" lang="ja-JP" altLang="en-US" dirty="0"/>
               <a:t>第 </a:t>
             </a:r>
             <a:r>
-              <a:rPr kumimoji="1" lang="en-US" altLang="ja-JP" dirty="0" smtClean="0"/>
+              <a:rPr kumimoji="1" lang="en-US" altLang="ja-JP" dirty="0"/>
               <a:t>5 </a:t>
             </a:r>
             <a:r>
-              <a:rPr kumimoji="1" lang="ja-JP" altLang="en-US" dirty="0" smtClean="0"/>
+              <a:rPr kumimoji="1" lang="ja-JP" altLang="en-US" dirty="0"/>
               <a:t>レベル</a:t>
             </a:r>
-            <a:endParaRPr kumimoji="1" lang="ja-JP" altLang="en-US" dirty="0"/>
           </a:p>
         </p:txBody>
       </p:sp>
@@ -1848,7 +1799,7 @@
           <a:p>
             <a:fld id="{2FA7D4A1-D6E2-4B97-8DF5-43A2A6E9364B}" type="datetimeFigureOut">
               <a:rPr kumimoji="1" lang="ja-JP" altLang="en-US" smtClean="0"/>
-              <a:t>2019/3/6</a:t>
+              <a:t>2019/3/9</a:t>
             </a:fld>
             <a:endParaRPr kumimoji="1" lang="ja-JP" altLang="en-US"/>
           </a:p>
@@ -2007,13 +1958,6 @@
     <p:sldLayoutId id="2147483654" r:id="rId4"/>
     <p:sldLayoutId id="2147483658" r:id="rId5"/>
   </p:sldLayoutIdLst>
-  <p:timing>
-    <p:tnLst>
-      <p:par>
-        <p:cTn id="1" dur="indefinite" restart="never" nodeType="tmRoot"/>
-      </p:par>
-    </p:tnLst>
-  </p:timing>
   <p:txStyles>
     <p:titleStyle>
       <a:lvl1pPr algn="l" defTabSz="914400" rtl="0" eaLnBrk="1" latinLnBrk="0" hangingPunct="1">
@@ -2330,10 +2274,9 @@
           <a:lstStyle/>
           <a:p>
             <a:r>
-              <a:rPr kumimoji="1" lang="ja-JP" altLang="en-US" dirty="0" smtClean="0"/>
+              <a:rPr kumimoji="1" lang="ja-JP" altLang="en-US" dirty="0"/>
               <a:t>サンプルアプリ（日記アプリ）の作成</a:t>
             </a:r>
-            <a:endParaRPr kumimoji="1" lang="ja-JP" altLang="en-US" dirty="0"/>
           </a:p>
         </p:txBody>
       </p:sp>
@@ -2347,13 +2290,329 @@
   <p:clrMapOvr>
     <a:masterClrMapping/>
   </p:clrMapOvr>
-  <p:timing>
-    <p:tnLst>
-      <p:par>
-        <p:cTn id="1" dur="indefinite" restart="never" nodeType="tmRoot"/>
-      </p:par>
-    </p:tnLst>
-  </p:timing>
+</p:sld>
+</file>
+
+<file path=ppt/slides/slide10.xml><?xml version="1.0" encoding="utf-8"?>
+<p:sld xmlns:a="http://schemas.openxmlformats.org/drawingml/2006/main" xmlns:r="http://schemas.openxmlformats.org/officeDocument/2006/relationships" xmlns:p="http://schemas.openxmlformats.org/presentationml/2006/main">
+  <p:cSld>
+    <p:spTree>
+      <p:nvGrpSpPr>
+        <p:cNvPr id="1" name=""/>
+        <p:cNvGrpSpPr/>
+        <p:nvPr/>
+      </p:nvGrpSpPr>
+      <p:grpSpPr>
+        <a:xfrm>
+          <a:off x="0" y="0"/>
+          <a:ext cx="0" cy="0"/>
+          <a:chOff x="0" y="0"/>
+          <a:chExt cx="0" cy="0"/>
+        </a:xfrm>
+      </p:grpSpPr>
+      <p:sp>
+        <p:nvSpPr>
+          <p:cNvPr id="2" name="タイトル 1"/>
+          <p:cNvSpPr>
+            <a:spLocks noGrp="1"/>
+          </p:cNvSpPr>
+          <p:nvPr>
+            <p:ph type="title"/>
+          </p:nvPr>
+        </p:nvSpPr>
+        <p:spPr/>
+        <p:txBody>
+          <a:bodyPr/>
+          <a:lstStyle/>
+          <a:p>
+            <a:r>
+              <a:rPr lang="ja-JP" altLang="en-US" dirty="0"/>
+              <a:t>２－</a:t>
+            </a:r>
+            <a:r>
+              <a:rPr lang="en-US" altLang="ja-JP" dirty="0"/>
+              <a:t>3</a:t>
+            </a:r>
+            <a:r>
+              <a:rPr lang="ja-JP" altLang="en-US" dirty="0" err="1"/>
+              <a:t>．</a:t>
+            </a:r>
+            <a:r>
+              <a:rPr lang="ja-JP" altLang="en-US" dirty="0"/>
+              <a:t>アプリ概要</a:t>
+            </a:r>
+            <a:endParaRPr kumimoji="1" lang="ja-JP" altLang="en-US" dirty="0"/>
+          </a:p>
+        </p:txBody>
+      </p:sp>
+      <p:sp>
+        <p:nvSpPr>
+          <p:cNvPr id="7" name="コンテンツ プレースホルダー 5"/>
+          <p:cNvSpPr txBox="1">
+            <a:spLocks/>
+          </p:cNvSpPr>
+          <p:nvPr/>
+        </p:nvSpPr>
+        <p:spPr>
+          <a:xfrm>
+            <a:off x="406400" y="1138961"/>
+            <a:ext cx="11379200" cy="1151478"/>
+          </a:xfrm>
+          <a:prstGeom prst="rect">
+            <a:avLst/>
+          </a:prstGeom>
+        </p:spPr>
+        <p:txBody>
+          <a:bodyPr vert="horz" lIns="91440" tIns="45720" rIns="91440" bIns="45720" rtlCol="0">
+            <a:normAutofit lnSpcReduction="10000"/>
+          </a:bodyPr>
+          <a:lstStyle>
+            <a:lvl1pPr marL="228600" indent="-228600" algn="l" defTabSz="914400" rtl="0" eaLnBrk="1" latinLnBrk="0" hangingPunct="1">
+              <a:lnSpc>
+                <a:spcPct val="90000"/>
+              </a:lnSpc>
+              <a:spcBef>
+                <a:spcPts val="1000"/>
+              </a:spcBef>
+              <a:buFont typeface="Arial" panose="020B0604020202020204" pitchFamily="34" charset="0"/>
+              <a:buChar char="•"/>
+              <a:defRPr kumimoji="1" sz="2000" kern="1200">
+                <a:solidFill>
+                  <a:schemeClr val="tx1"/>
+                </a:solidFill>
+                <a:latin typeface="Meiryo UI" panose="020B0604030504040204" pitchFamily="50" charset="-128"/>
+                <a:ea typeface="Meiryo UI" panose="020B0604030504040204" pitchFamily="50" charset="-128"/>
+                <a:cs typeface="+mn-cs"/>
+              </a:defRPr>
+            </a:lvl1pPr>
+            <a:lvl2pPr marL="685800" indent="-228600" algn="l" defTabSz="914400" rtl="0" eaLnBrk="1" latinLnBrk="0" hangingPunct="1">
+              <a:lnSpc>
+                <a:spcPct val="90000"/>
+              </a:lnSpc>
+              <a:spcBef>
+                <a:spcPts val="500"/>
+              </a:spcBef>
+              <a:buFont typeface="Arial" panose="020B0604020202020204" pitchFamily="34" charset="0"/>
+              <a:buChar char="•"/>
+              <a:defRPr kumimoji="1" sz="1800" kern="1200">
+                <a:solidFill>
+                  <a:schemeClr val="tx1"/>
+                </a:solidFill>
+                <a:latin typeface="Meiryo UI" panose="020B0604030504040204" pitchFamily="50" charset="-128"/>
+                <a:ea typeface="Meiryo UI" panose="020B0604030504040204" pitchFamily="50" charset="-128"/>
+                <a:cs typeface="+mn-cs"/>
+              </a:defRPr>
+            </a:lvl2pPr>
+            <a:lvl3pPr marL="1143000" indent="-228600" algn="l" defTabSz="914400" rtl="0" eaLnBrk="1" latinLnBrk="0" hangingPunct="1">
+              <a:lnSpc>
+                <a:spcPct val="90000"/>
+              </a:lnSpc>
+              <a:spcBef>
+                <a:spcPts val="500"/>
+              </a:spcBef>
+              <a:buFont typeface="Arial" panose="020B0604020202020204" pitchFamily="34" charset="0"/>
+              <a:buChar char="•"/>
+              <a:defRPr kumimoji="1" sz="1600" kern="1200">
+                <a:solidFill>
+                  <a:schemeClr val="tx1"/>
+                </a:solidFill>
+                <a:latin typeface="Meiryo UI" panose="020B0604030504040204" pitchFamily="50" charset="-128"/>
+                <a:ea typeface="Meiryo UI" panose="020B0604030504040204" pitchFamily="50" charset="-128"/>
+                <a:cs typeface="+mn-cs"/>
+              </a:defRPr>
+            </a:lvl3pPr>
+            <a:lvl4pPr marL="1600200" indent="-228600" algn="l" defTabSz="914400" rtl="0" eaLnBrk="1" latinLnBrk="0" hangingPunct="1">
+              <a:lnSpc>
+                <a:spcPct val="90000"/>
+              </a:lnSpc>
+              <a:spcBef>
+                <a:spcPts val="500"/>
+              </a:spcBef>
+              <a:buFont typeface="Arial" panose="020B0604020202020204" pitchFamily="34" charset="0"/>
+              <a:buChar char="•"/>
+              <a:defRPr kumimoji="1" sz="1400" kern="1200">
+                <a:solidFill>
+                  <a:schemeClr val="tx1"/>
+                </a:solidFill>
+                <a:latin typeface="Meiryo UI" panose="020B0604030504040204" pitchFamily="50" charset="-128"/>
+                <a:ea typeface="Meiryo UI" panose="020B0604030504040204" pitchFamily="50" charset="-128"/>
+                <a:cs typeface="+mn-cs"/>
+              </a:defRPr>
+            </a:lvl4pPr>
+            <a:lvl5pPr marL="2057400" indent="-228600" algn="l" defTabSz="914400" rtl="0" eaLnBrk="1" latinLnBrk="0" hangingPunct="1">
+              <a:lnSpc>
+                <a:spcPct val="90000"/>
+              </a:lnSpc>
+              <a:spcBef>
+                <a:spcPts val="500"/>
+              </a:spcBef>
+              <a:buFont typeface="Arial" panose="020B0604020202020204" pitchFamily="34" charset="0"/>
+              <a:buChar char="•"/>
+              <a:defRPr kumimoji="1" sz="1200" kern="1200">
+                <a:solidFill>
+                  <a:schemeClr val="tx1"/>
+                </a:solidFill>
+                <a:latin typeface="Meiryo UI" panose="020B0604030504040204" pitchFamily="50" charset="-128"/>
+                <a:ea typeface="Meiryo UI" panose="020B0604030504040204" pitchFamily="50" charset="-128"/>
+                <a:cs typeface="+mn-cs"/>
+              </a:defRPr>
+            </a:lvl5pPr>
+            <a:lvl6pPr marL="2514600" indent="-228600" algn="l" defTabSz="914400" rtl="0" eaLnBrk="1" latinLnBrk="0" hangingPunct="1">
+              <a:lnSpc>
+                <a:spcPct val="90000"/>
+              </a:lnSpc>
+              <a:spcBef>
+                <a:spcPts val="500"/>
+              </a:spcBef>
+              <a:buFont typeface="Arial" panose="020B0604020202020204" pitchFamily="34" charset="0"/>
+              <a:buChar char="•"/>
+              <a:defRPr kumimoji="1" sz="1800" kern="1200">
+                <a:solidFill>
+                  <a:schemeClr val="tx1"/>
+                </a:solidFill>
+                <a:latin typeface="+mn-lt"/>
+                <a:ea typeface="+mn-ea"/>
+                <a:cs typeface="+mn-cs"/>
+              </a:defRPr>
+            </a:lvl6pPr>
+            <a:lvl7pPr marL="2971800" indent="-228600" algn="l" defTabSz="914400" rtl="0" eaLnBrk="1" latinLnBrk="0" hangingPunct="1">
+              <a:lnSpc>
+                <a:spcPct val="90000"/>
+              </a:lnSpc>
+              <a:spcBef>
+                <a:spcPts val="500"/>
+              </a:spcBef>
+              <a:buFont typeface="Arial" panose="020B0604020202020204" pitchFamily="34" charset="0"/>
+              <a:buChar char="•"/>
+              <a:defRPr kumimoji="1" sz="1800" kern="1200">
+                <a:solidFill>
+                  <a:schemeClr val="tx1"/>
+                </a:solidFill>
+                <a:latin typeface="+mn-lt"/>
+                <a:ea typeface="+mn-ea"/>
+                <a:cs typeface="+mn-cs"/>
+              </a:defRPr>
+            </a:lvl7pPr>
+            <a:lvl8pPr marL="3429000" indent="-228600" algn="l" defTabSz="914400" rtl="0" eaLnBrk="1" latinLnBrk="0" hangingPunct="1">
+              <a:lnSpc>
+                <a:spcPct val="90000"/>
+              </a:lnSpc>
+              <a:spcBef>
+                <a:spcPts val="500"/>
+              </a:spcBef>
+              <a:buFont typeface="Arial" panose="020B0604020202020204" pitchFamily="34" charset="0"/>
+              <a:buChar char="•"/>
+              <a:defRPr kumimoji="1" sz="1800" kern="1200">
+                <a:solidFill>
+                  <a:schemeClr val="tx1"/>
+                </a:solidFill>
+                <a:latin typeface="+mn-lt"/>
+                <a:ea typeface="+mn-ea"/>
+                <a:cs typeface="+mn-cs"/>
+              </a:defRPr>
+            </a:lvl8pPr>
+            <a:lvl9pPr marL="3886200" indent="-228600" algn="l" defTabSz="914400" rtl="0" eaLnBrk="1" latinLnBrk="0" hangingPunct="1">
+              <a:lnSpc>
+                <a:spcPct val="90000"/>
+              </a:lnSpc>
+              <a:spcBef>
+                <a:spcPts val="500"/>
+              </a:spcBef>
+              <a:buFont typeface="Arial" panose="020B0604020202020204" pitchFamily="34" charset="0"/>
+              <a:buChar char="•"/>
+              <a:defRPr kumimoji="1" sz="1800" kern="1200">
+                <a:solidFill>
+                  <a:schemeClr val="tx1"/>
+                </a:solidFill>
+                <a:latin typeface="+mn-lt"/>
+                <a:ea typeface="+mn-ea"/>
+                <a:cs typeface="+mn-cs"/>
+              </a:defRPr>
+            </a:lvl9pPr>
+          </a:lstStyle>
+          <a:p>
+            <a:pPr marL="0" indent="0">
+              <a:buFont typeface="Arial" panose="020B0604020202020204" pitchFamily="34" charset="0"/>
+              <a:buNone/>
+            </a:pPr>
+            <a:r>
+              <a:rPr lang="en-US" altLang="ja-JP" dirty="0"/>
+              <a:t>【</a:t>
+            </a:r>
+            <a:r>
+              <a:rPr lang="ja-JP" altLang="en-US" dirty="0"/>
+              <a:t>データ永続化</a:t>
+            </a:r>
+            <a:r>
+              <a:rPr lang="en-US" altLang="ja-JP" dirty="0"/>
+              <a:t>】</a:t>
+            </a:r>
+          </a:p>
+          <a:p>
+            <a:pPr marL="0" indent="0">
+              <a:buFont typeface="Arial" panose="020B0604020202020204" pitchFamily="34" charset="0"/>
+              <a:buNone/>
+            </a:pPr>
+            <a:r>
+              <a:rPr lang="ja-JP" altLang="en-US" dirty="0"/>
+              <a:t>　このアプリではデータの永続化を</a:t>
+            </a:r>
+            <a:r>
+              <a:rPr lang="en-US" altLang="ja-JP" dirty="0"/>
+              <a:t>expo</a:t>
+            </a:r>
+            <a:r>
+              <a:rPr lang="ja-JP" altLang="en-US" dirty="0"/>
+              <a:t>に最初から同梱されている</a:t>
+            </a:r>
+            <a:r>
+              <a:rPr lang="en-US" altLang="ja-JP" dirty="0" err="1"/>
+              <a:t>SQLlite</a:t>
+            </a:r>
+            <a:r>
+              <a:rPr lang="ja-JP" altLang="en-US" dirty="0"/>
+              <a:t>のデータベースを使用します。</a:t>
+            </a:r>
+            <a:endParaRPr lang="en-US" altLang="ja-JP" dirty="0"/>
+          </a:p>
+          <a:p>
+            <a:pPr marL="0" indent="0">
+              <a:buFont typeface="Arial" panose="020B0604020202020204" pitchFamily="34" charset="0"/>
+              <a:buNone/>
+            </a:pPr>
+            <a:r>
+              <a:rPr lang="ja-JP" altLang="en-US" dirty="0"/>
+              <a:t>　このデータベースは</a:t>
+            </a:r>
+            <a:r>
+              <a:rPr lang="en-US" altLang="ja-JP" dirty="0"/>
+              <a:t>RDB</a:t>
+            </a:r>
+            <a:r>
+              <a:rPr lang="ja-JP" altLang="en-US" dirty="0"/>
+              <a:t>ベースでアプリ組み込み型のデータベースです。</a:t>
+            </a:r>
+            <a:endParaRPr lang="en-US" altLang="ja-JP" dirty="0"/>
+          </a:p>
+          <a:p>
+            <a:pPr marL="0" indent="0">
+              <a:buFont typeface="Arial" panose="020B0604020202020204" pitchFamily="34" charset="0"/>
+              <a:buNone/>
+            </a:pPr>
+            <a:endParaRPr lang="en-US" altLang="ja-JP" dirty="0"/>
+          </a:p>
+        </p:txBody>
+      </p:sp>
+    </p:spTree>
+    <p:extLst>
+      <p:ext uri="{BB962C8B-B14F-4D97-AF65-F5344CB8AC3E}">
+        <p14:creationId xmlns:p14="http://schemas.microsoft.com/office/powerpoint/2010/main" val="1601087116"/>
+      </p:ext>
+    </p:extLst>
+  </p:cSld>
+  <p:clrMapOvr>
+    <a:masterClrMapping/>
+  </p:clrMapOvr>
 </p:sld>
 </file>
 
@@ -2376,7 +2635,7 @@
       </p:grpSpPr>
       <p:sp>
         <p:nvSpPr>
-          <p:cNvPr id="5" name="タイトル 4"/>
+          <p:cNvPr id="2" name="タイトル 1"/>
           <p:cNvSpPr>
             <a:spLocks noGrp="1"/>
           </p:cNvSpPr>
@@ -2390,8 +2649,8 @@
           <a:lstStyle/>
           <a:p>
             <a:r>
-              <a:rPr kumimoji="1" lang="ja-JP" altLang="en-US" dirty="0" smtClean="0"/>
-              <a:t>目次</a:t>
+              <a:rPr lang="ja-JP" altLang="en-US" dirty="0"/>
+              <a:t>前書き</a:t>
             </a:r>
             <a:endParaRPr kumimoji="1" lang="ja-JP" altLang="en-US" dirty="0"/>
           </a:p>
@@ -2399,59 +2658,537 @@
       </p:sp>
       <p:sp>
         <p:nvSpPr>
-          <p:cNvPr id="6" name="コンテンツ プレースホルダー 5"/>
-          <p:cNvSpPr>
-            <a:spLocks noGrp="1"/>
+          <p:cNvPr id="7" name="コンテンツ プレースホルダー 5"/>
+          <p:cNvSpPr txBox="1">
+            <a:spLocks/>
           </p:cNvSpPr>
-          <p:nvPr>
-            <p:ph idx="1"/>
-          </p:nvPr>
+          <p:nvPr/>
         </p:nvSpPr>
         <p:spPr>
           <a:xfrm>
-            <a:off x="431800" y="1187356"/>
-            <a:ext cx="11379200" cy="4921344"/>
+            <a:off x="406400" y="1405292"/>
+            <a:ext cx="11379200" cy="2323330"/>
           </a:xfrm>
+          <a:prstGeom prst="rect">
+            <a:avLst/>
+          </a:prstGeom>
         </p:spPr>
         <p:txBody>
-          <a:bodyPr/>
-          <a:lstStyle/>
+          <a:bodyPr vert="horz" lIns="91440" tIns="45720" rIns="91440" bIns="45720" rtlCol="0">
+            <a:normAutofit/>
+          </a:bodyPr>
+          <a:lstStyle>
+            <a:lvl1pPr marL="228600" indent="-228600" algn="l" defTabSz="914400" rtl="0" eaLnBrk="1" latinLnBrk="0" hangingPunct="1">
+              <a:lnSpc>
+                <a:spcPct val="90000"/>
+              </a:lnSpc>
+              <a:spcBef>
+                <a:spcPts val="1000"/>
+              </a:spcBef>
+              <a:buFont typeface="Arial" panose="020B0604020202020204" pitchFamily="34" charset="0"/>
+              <a:buChar char="•"/>
+              <a:defRPr kumimoji="1" sz="2000" kern="1200">
+                <a:solidFill>
+                  <a:schemeClr val="tx1"/>
+                </a:solidFill>
+                <a:latin typeface="Meiryo UI" panose="020B0604030504040204" pitchFamily="50" charset="-128"/>
+                <a:ea typeface="Meiryo UI" panose="020B0604030504040204" pitchFamily="50" charset="-128"/>
+                <a:cs typeface="+mn-cs"/>
+              </a:defRPr>
+            </a:lvl1pPr>
+            <a:lvl2pPr marL="685800" indent="-228600" algn="l" defTabSz="914400" rtl="0" eaLnBrk="1" latinLnBrk="0" hangingPunct="1">
+              <a:lnSpc>
+                <a:spcPct val="90000"/>
+              </a:lnSpc>
+              <a:spcBef>
+                <a:spcPts val="500"/>
+              </a:spcBef>
+              <a:buFont typeface="Arial" panose="020B0604020202020204" pitchFamily="34" charset="0"/>
+              <a:buChar char="•"/>
+              <a:defRPr kumimoji="1" sz="1800" kern="1200">
+                <a:solidFill>
+                  <a:schemeClr val="tx1"/>
+                </a:solidFill>
+                <a:latin typeface="Meiryo UI" panose="020B0604030504040204" pitchFamily="50" charset="-128"/>
+                <a:ea typeface="Meiryo UI" panose="020B0604030504040204" pitchFamily="50" charset="-128"/>
+                <a:cs typeface="+mn-cs"/>
+              </a:defRPr>
+            </a:lvl2pPr>
+            <a:lvl3pPr marL="1143000" indent="-228600" algn="l" defTabSz="914400" rtl="0" eaLnBrk="1" latinLnBrk="0" hangingPunct="1">
+              <a:lnSpc>
+                <a:spcPct val="90000"/>
+              </a:lnSpc>
+              <a:spcBef>
+                <a:spcPts val="500"/>
+              </a:spcBef>
+              <a:buFont typeface="Arial" panose="020B0604020202020204" pitchFamily="34" charset="0"/>
+              <a:buChar char="•"/>
+              <a:defRPr kumimoji="1" sz="1600" kern="1200">
+                <a:solidFill>
+                  <a:schemeClr val="tx1"/>
+                </a:solidFill>
+                <a:latin typeface="Meiryo UI" panose="020B0604030504040204" pitchFamily="50" charset="-128"/>
+                <a:ea typeface="Meiryo UI" panose="020B0604030504040204" pitchFamily="50" charset="-128"/>
+                <a:cs typeface="+mn-cs"/>
+              </a:defRPr>
+            </a:lvl3pPr>
+            <a:lvl4pPr marL="1600200" indent="-228600" algn="l" defTabSz="914400" rtl="0" eaLnBrk="1" latinLnBrk="0" hangingPunct="1">
+              <a:lnSpc>
+                <a:spcPct val="90000"/>
+              </a:lnSpc>
+              <a:spcBef>
+                <a:spcPts val="500"/>
+              </a:spcBef>
+              <a:buFont typeface="Arial" panose="020B0604020202020204" pitchFamily="34" charset="0"/>
+              <a:buChar char="•"/>
+              <a:defRPr kumimoji="1" sz="1400" kern="1200">
+                <a:solidFill>
+                  <a:schemeClr val="tx1"/>
+                </a:solidFill>
+                <a:latin typeface="Meiryo UI" panose="020B0604030504040204" pitchFamily="50" charset="-128"/>
+                <a:ea typeface="Meiryo UI" panose="020B0604030504040204" pitchFamily="50" charset="-128"/>
+                <a:cs typeface="+mn-cs"/>
+              </a:defRPr>
+            </a:lvl4pPr>
+            <a:lvl5pPr marL="2057400" indent="-228600" algn="l" defTabSz="914400" rtl="0" eaLnBrk="1" latinLnBrk="0" hangingPunct="1">
+              <a:lnSpc>
+                <a:spcPct val="90000"/>
+              </a:lnSpc>
+              <a:spcBef>
+                <a:spcPts val="500"/>
+              </a:spcBef>
+              <a:buFont typeface="Arial" panose="020B0604020202020204" pitchFamily="34" charset="0"/>
+              <a:buChar char="•"/>
+              <a:defRPr kumimoji="1" sz="1200" kern="1200">
+                <a:solidFill>
+                  <a:schemeClr val="tx1"/>
+                </a:solidFill>
+                <a:latin typeface="Meiryo UI" panose="020B0604030504040204" pitchFamily="50" charset="-128"/>
+                <a:ea typeface="Meiryo UI" panose="020B0604030504040204" pitchFamily="50" charset="-128"/>
+                <a:cs typeface="+mn-cs"/>
+              </a:defRPr>
+            </a:lvl5pPr>
+            <a:lvl6pPr marL="2514600" indent="-228600" algn="l" defTabSz="914400" rtl="0" eaLnBrk="1" latinLnBrk="0" hangingPunct="1">
+              <a:lnSpc>
+                <a:spcPct val="90000"/>
+              </a:lnSpc>
+              <a:spcBef>
+                <a:spcPts val="500"/>
+              </a:spcBef>
+              <a:buFont typeface="Arial" panose="020B0604020202020204" pitchFamily="34" charset="0"/>
+              <a:buChar char="•"/>
+              <a:defRPr kumimoji="1" sz="1800" kern="1200">
+                <a:solidFill>
+                  <a:schemeClr val="tx1"/>
+                </a:solidFill>
+                <a:latin typeface="+mn-lt"/>
+                <a:ea typeface="+mn-ea"/>
+                <a:cs typeface="+mn-cs"/>
+              </a:defRPr>
+            </a:lvl6pPr>
+            <a:lvl7pPr marL="2971800" indent="-228600" algn="l" defTabSz="914400" rtl="0" eaLnBrk="1" latinLnBrk="0" hangingPunct="1">
+              <a:lnSpc>
+                <a:spcPct val="90000"/>
+              </a:lnSpc>
+              <a:spcBef>
+                <a:spcPts val="500"/>
+              </a:spcBef>
+              <a:buFont typeface="Arial" panose="020B0604020202020204" pitchFamily="34" charset="0"/>
+              <a:buChar char="•"/>
+              <a:defRPr kumimoji="1" sz="1800" kern="1200">
+                <a:solidFill>
+                  <a:schemeClr val="tx1"/>
+                </a:solidFill>
+                <a:latin typeface="+mn-lt"/>
+                <a:ea typeface="+mn-ea"/>
+                <a:cs typeface="+mn-cs"/>
+              </a:defRPr>
+            </a:lvl7pPr>
+            <a:lvl8pPr marL="3429000" indent="-228600" algn="l" defTabSz="914400" rtl="0" eaLnBrk="1" latinLnBrk="0" hangingPunct="1">
+              <a:lnSpc>
+                <a:spcPct val="90000"/>
+              </a:lnSpc>
+              <a:spcBef>
+                <a:spcPts val="500"/>
+              </a:spcBef>
+              <a:buFont typeface="Arial" panose="020B0604020202020204" pitchFamily="34" charset="0"/>
+              <a:buChar char="•"/>
+              <a:defRPr kumimoji="1" sz="1800" kern="1200">
+                <a:solidFill>
+                  <a:schemeClr val="tx1"/>
+                </a:solidFill>
+                <a:latin typeface="+mn-lt"/>
+                <a:ea typeface="+mn-ea"/>
+                <a:cs typeface="+mn-cs"/>
+              </a:defRPr>
+            </a:lvl8pPr>
+            <a:lvl9pPr marL="3886200" indent="-228600" algn="l" defTabSz="914400" rtl="0" eaLnBrk="1" latinLnBrk="0" hangingPunct="1">
+              <a:lnSpc>
+                <a:spcPct val="90000"/>
+              </a:lnSpc>
+              <a:spcBef>
+                <a:spcPts val="500"/>
+              </a:spcBef>
+              <a:buFont typeface="Arial" panose="020B0604020202020204" pitchFamily="34" charset="0"/>
+              <a:buChar char="•"/>
+              <a:defRPr kumimoji="1" sz="1800" kern="1200">
+                <a:solidFill>
+                  <a:schemeClr val="tx1"/>
+                </a:solidFill>
+                <a:latin typeface="+mn-lt"/>
+                <a:ea typeface="+mn-ea"/>
+                <a:cs typeface="+mn-cs"/>
+              </a:defRPr>
+            </a:lvl9pPr>
+          </a:lstStyle>
           <a:p>
             <a:pPr marL="0" indent="0">
+              <a:buFont typeface="Arial" panose="020B0604020202020204" pitchFamily="34" charset="0"/>
               <a:buNone/>
             </a:pPr>
             <a:r>
-              <a:rPr lang="ja-JP" altLang="en-US" dirty="0" smtClean="0"/>
-              <a:t>１．</a:t>
-            </a:r>
-            <a:r>
-              <a:rPr kumimoji="1" lang="ja-JP" altLang="en-US" dirty="0" smtClean="0"/>
-              <a:t>　プロジェクト作成</a:t>
-            </a:r>
-            <a:endParaRPr lang="en-US" altLang="ja-JP" dirty="0"/>
+              <a:rPr lang="en-US" altLang="ja-JP" dirty="0"/>
+              <a:t>【</a:t>
+            </a:r>
+            <a:r>
+              <a:rPr lang="ja-JP" altLang="en-US" dirty="0"/>
+              <a:t>概要</a:t>
+            </a:r>
+            <a:r>
+              <a:rPr lang="en-US" altLang="ja-JP" dirty="0"/>
+              <a:t>】</a:t>
+            </a:r>
           </a:p>
           <a:p>
             <a:pPr marL="0" indent="0">
+              <a:buFont typeface="Arial" panose="020B0604020202020204" pitchFamily="34" charset="0"/>
               <a:buNone/>
             </a:pPr>
             <a:r>
-              <a:rPr kumimoji="1" lang="ja-JP" altLang="en-US" dirty="0" smtClean="0"/>
-              <a:t>２．　</a:t>
-            </a:r>
-            <a:endParaRPr kumimoji="1" lang="en-US" altLang="ja-JP" dirty="0" smtClean="0"/>
+              <a:rPr lang="ja-JP" altLang="en-US" dirty="0"/>
+              <a:t>このスライドでは、</a:t>
+            </a:r>
+            <a:r>
+              <a:rPr lang="en-US" altLang="ja-JP" dirty="0" err="1"/>
+              <a:t>ReactNative</a:t>
+            </a:r>
+            <a:r>
+              <a:rPr lang="ja-JP" altLang="en-US" dirty="0"/>
+              <a:t>の独学で勉強して結果を整理し、簡単な日記アプリを作成していきます。</a:t>
+            </a:r>
+            <a:endParaRPr lang="en-US" altLang="ja-JP" dirty="0"/>
           </a:p>
           <a:p>
             <a:pPr marL="0" indent="0">
+              <a:buFont typeface="Arial" panose="020B0604020202020204" pitchFamily="34" charset="0"/>
               <a:buNone/>
             </a:pPr>
-            <a:endParaRPr kumimoji="1" lang="ja-JP" altLang="en-US" dirty="0"/>
+            <a:endParaRPr lang="en-US" altLang="ja-JP" dirty="0"/>
+          </a:p>
+          <a:p>
+            <a:pPr marL="0" indent="0">
+              <a:buFont typeface="Arial" panose="020B0604020202020204" pitchFamily="34" charset="0"/>
+              <a:buNone/>
+            </a:pPr>
+            <a:r>
+              <a:rPr lang="en-US" altLang="ja-JP" dirty="0" err="1"/>
+              <a:t>ReactNative</a:t>
+            </a:r>
+            <a:r>
+              <a:rPr lang="ja-JP" altLang="en-US" dirty="0"/>
+              <a:t>は</a:t>
+            </a:r>
+            <a:r>
+              <a:rPr lang="en-US" altLang="ja-JP" dirty="0"/>
+              <a:t>React</a:t>
+            </a:r>
+            <a:r>
+              <a:rPr lang="ja-JP" altLang="en-US" dirty="0"/>
+              <a:t>ベースでスマホアプリを作成可能なフレームワークです。</a:t>
+            </a:r>
+            <a:endParaRPr lang="en-US" altLang="ja-JP" dirty="0"/>
+          </a:p>
+          <a:p>
+            <a:pPr marL="0" indent="0">
+              <a:buFont typeface="Arial" panose="020B0604020202020204" pitchFamily="34" charset="0"/>
+              <a:buNone/>
+            </a:pPr>
+            <a:r>
+              <a:rPr lang="en-US" altLang="ja-JP" dirty="0"/>
+              <a:t>JavaScript</a:t>
+            </a:r>
+            <a:r>
+              <a:rPr lang="ja-JP" altLang="en-US" dirty="0"/>
+              <a:t>と</a:t>
+            </a:r>
+            <a:r>
+              <a:rPr lang="en-US" altLang="ja-JP" dirty="0"/>
+              <a:t>React</a:t>
+            </a:r>
+            <a:r>
+              <a:rPr lang="ja-JP" altLang="en-US" dirty="0"/>
+              <a:t>の知識があれば作成可能なため、</a:t>
+            </a:r>
+            <a:r>
+              <a:rPr lang="en-US" altLang="ja-JP" dirty="0"/>
+              <a:t>React</a:t>
+            </a:r>
+            <a:r>
+              <a:rPr lang="ja-JP" altLang="en-US" dirty="0"/>
+              <a:t>の知識があれば学習コストが少なくてすみます。</a:t>
+            </a:r>
+            <a:endParaRPr lang="en-US" altLang="ja-JP" dirty="0"/>
+          </a:p>
+          <a:p>
+            <a:pPr marL="0" indent="0">
+              <a:buFont typeface="Arial" panose="020B0604020202020204" pitchFamily="34" charset="0"/>
+              <a:buNone/>
+            </a:pPr>
+            <a:endParaRPr lang="en-US" altLang="ja-JP" dirty="0"/>
+          </a:p>
+        </p:txBody>
+      </p:sp>
+      <p:sp>
+        <p:nvSpPr>
+          <p:cNvPr id="4" name="コンテンツ プレースホルダー 5">
+            <a:extLst>
+              <a:ext uri="{FF2B5EF4-FFF2-40B4-BE49-F238E27FC236}">
+                <a16:creationId xmlns:a16="http://schemas.microsoft.com/office/drawing/2014/main" id="{E406079E-17EF-45E7-8138-EA3592E021F8}"/>
+              </a:ext>
+            </a:extLst>
+          </p:cNvPr>
+          <p:cNvSpPr txBox="1">
+            <a:spLocks/>
+          </p:cNvSpPr>
+          <p:nvPr/>
+        </p:nvSpPr>
+        <p:spPr>
+          <a:xfrm>
+            <a:off x="431799" y="4793942"/>
+            <a:ext cx="11379200" cy="1112298"/>
+          </a:xfrm>
+          <a:prstGeom prst="rect">
+            <a:avLst/>
+          </a:prstGeom>
+        </p:spPr>
+        <p:txBody>
+          <a:bodyPr vert="horz" lIns="91440" tIns="45720" rIns="91440" bIns="45720" rtlCol="0">
+            <a:normAutofit/>
+          </a:bodyPr>
+          <a:lstStyle>
+            <a:lvl1pPr marL="228600" indent="-228600" algn="l" defTabSz="914400" rtl="0" eaLnBrk="1" latinLnBrk="0" hangingPunct="1">
+              <a:lnSpc>
+                <a:spcPct val="90000"/>
+              </a:lnSpc>
+              <a:spcBef>
+                <a:spcPts val="1000"/>
+              </a:spcBef>
+              <a:buFont typeface="Arial" panose="020B0604020202020204" pitchFamily="34" charset="0"/>
+              <a:buChar char="•"/>
+              <a:defRPr kumimoji="1" sz="2000" kern="1200">
+                <a:solidFill>
+                  <a:schemeClr val="tx1"/>
+                </a:solidFill>
+                <a:latin typeface="Meiryo UI" panose="020B0604030504040204" pitchFamily="50" charset="-128"/>
+                <a:ea typeface="Meiryo UI" panose="020B0604030504040204" pitchFamily="50" charset="-128"/>
+                <a:cs typeface="+mn-cs"/>
+              </a:defRPr>
+            </a:lvl1pPr>
+            <a:lvl2pPr marL="685800" indent="-228600" algn="l" defTabSz="914400" rtl="0" eaLnBrk="1" latinLnBrk="0" hangingPunct="1">
+              <a:lnSpc>
+                <a:spcPct val="90000"/>
+              </a:lnSpc>
+              <a:spcBef>
+                <a:spcPts val="500"/>
+              </a:spcBef>
+              <a:buFont typeface="Arial" panose="020B0604020202020204" pitchFamily="34" charset="0"/>
+              <a:buChar char="•"/>
+              <a:defRPr kumimoji="1" sz="1800" kern="1200">
+                <a:solidFill>
+                  <a:schemeClr val="tx1"/>
+                </a:solidFill>
+                <a:latin typeface="Meiryo UI" panose="020B0604030504040204" pitchFamily="50" charset="-128"/>
+                <a:ea typeface="Meiryo UI" panose="020B0604030504040204" pitchFamily="50" charset="-128"/>
+                <a:cs typeface="+mn-cs"/>
+              </a:defRPr>
+            </a:lvl2pPr>
+            <a:lvl3pPr marL="1143000" indent="-228600" algn="l" defTabSz="914400" rtl="0" eaLnBrk="1" latinLnBrk="0" hangingPunct="1">
+              <a:lnSpc>
+                <a:spcPct val="90000"/>
+              </a:lnSpc>
+              <a:spcBef>
+                <a:spcPts val="500"/>
+              </a:spcBef>
+              <a:buFont typeface="Arial" panose="020B0604020202020204" pitchFamily="34" charset="0"/>
+              <a:buChar char="•"/>
+              <a:defRPr kumimoji="1" sz="1600" kern="1200">
+                <a:solidFill>
+                  <a:schemeClr val="tx1"/>
+                </a:solidFill>
+                <a:latin typeface="Meiryo UI" panose="020B0604030504040204" pitchFamily="50" charset="-128"/>
+                <a:ea typeface="Meiryo UI" panose="020B0604030504040204" pitchFamily="50" charset="-128"/>
+                <a:cs typeface="+mn-cs"/>
+              </a:defRPr>
+            </a:lvl3pPr>
+            <a:lvl4pPr marL="1600200" indent="-228600" algn="l" defTabSz="914400" rtl="0" eaLnBrk="1" latinLnBrk="0" hangingPunct="1">
+              <a:lnSpc>
+                <a:spcPct val="90000"/>
+              </a:lnSpc>
+              <a:spcBef>
+                <a:spcPts val="500"/>
+              </a:spcBef>
+              <a:buFont typeface="Arial" panose="020B0604020202020204" pitchFamily="34" charset="0"/>
+              <a:buChar char="•"/>
+              <a:defRPr kumimoji="1" sz="1400" kern="1200">
+                <a:solidFill>
+                  <a:schemeClr val="tx1"/>
+                </a:solidFill>
+                <a:latin typeface="Meiryo UI" panose="020B0604030504040204" pitchFamily="50" charset="-128"/>
+                <a:ea typeface="Meiryo UI" panose="020B0604030504040204" pitchFamily="50" charset="-128"/>
+                <a:cs typeface="+mn-cs"/>
+              </a:defRPr>
+            </a:lvl4pPr>
+            <a:lvl5pPr marL="2057400" indent="-228600" algn="l" defTabSz="914400" rtl="0" eaLnBrk="1" latinLnBrk="0" hangingPunct="1">
+              <a:lnSpc>
+                <a:spcPct val="90000"/>
+              </a:lnSpc>
+              <a:spcBef>
+                <a:spcPts val="500"/>
+              </a:spcBef>
+              <a:buFont typeface="Arial" panose="020B0604020202020204" pitchFamily="34" charset="0"/>
+              <a:buChar char="•"/>
+              <a:defRPr kumimoji="1" sz="1200" kern="1200">
+                <a:solidFill>
+                  <a:schemeClr val="tx1"/>
+                </a:solidFill>
+                <a:latin typeface="Meiryo UI" panose="020B0604030504040204" pitchFamily="50" charset="-128"/>
+                <a:ea typeface="Meiryo UI" panose="020B0604030504040204" pitchFamily="50" charset="-128"/>
+                <a:cs typeface="+mn-cs"/>
+              </a:defRPr>
+            </a:lvl5pPr>
+            <a:lvl6pPr marL="2514600" indent="-228600" algn="l" defTabSz="914400" rtl="0" eaLnBrk="1" latinLnBrk="0" hangingPunct="1">
+              <a:lnSpc>
+                <a:spcPct val="90000"/>
+              </a:lnSpc>
+              <a:spcBef>
+                <a:spcPts val="500"/>
+              </a:spcBef>
+              <a:buFont typeface="Arial" panose="020B0604020202020204" pitchFamily="34" charset="0"/>
+              <a:buChar char="•"/>
+              <a:defRPr kumimoji="1" sz="1800" kern="1200">
+                <a:solidFill>
+                  <a:schemeClr val="tx1"/>
+                </a:solidFill>
+                <a:latin typeface="+mn-lt"/>
+                <a:ea typeface="+mn-ea"/>
+                <a:cs typeface="+mn-cs"/>
+              </a:defRPr>
+            </a:lvl6pPr>
+            <a:lvl7pPr marL="2971800" indent="-228600" algn="l" defTabSz="914400" rtl="0" eaLnBrk="1" latinLnBrk="0" hangingPunct="1">
+              <a:lnSpc>
+                <a:spcPct val="90000"/>
+              </a:lnSpc>
+              <a:spcBef>
+                <a:spcPts val="500"/>
+              </a:spcBef>
+              <a:buFont typeface="Arial" panose="020B0604020202020204" pitchFamily="34" charset="0"/>
+              <a:buChar char="•"/>
+              <a:defRPr kumimoji="1" sz="1800" kern="1200">
+                <a:solidFill>
+                  <a:schemeClr val="tx1"/>
+                </a:solidFill>
+                <a:latin typeface="+mn-lt"/>
+                <a:ea typeface="+mn-ea"/>
+                <a:cs typeface="+mn-cs"/>
+              </a:defRPr>
+            </a:lvl7pPr>
+            <a:lvl8pPr marL="3429000" indent="-228600" algn="l" defTabSz="914400" rtl="0" eaLnBrk="1" latinLnBrk="0" hangingPunct="1">
+              <a:lnSpc>
+                <a:spcPct val="90000"/>
+              </a:lnSpc>
+              <a:spcBef>
+                <a:spcPts val="500"/>
+              </a:spcBef>
+              <a:buFont typeface="Arial" panose="020B0604020202020204" pitchFamily="34" charset="0"/>
+              <a:buChar char="•"/>
+              <a:defRPr kumimoji="1" sz="1800" kern="1200">
+                <a:solidFill>
+                  <a:schemeClr val="tx1"/>
+                </a:solidFill>
+                <a:latin typeface="+mn-lt"/>
+                <a:ea typeface="+mn-ea"/>
+                <a:cs typeface="+mn-cs"/>
+              </a:defRPr>
+            </a:lvl8pPr>
+            <a:lvl9pPr marL="3886200" indent="-228600" algn="l" defTabSz="914400" rtl="0" eaLnBrk="1" latinLnBrk="0" hangingPunct="1">
+              <a:lnSpc>
+                <a:spcPct val="90000"/>
+              </a:lnSpc>
+              <a:spcBef>
+                <a:spcPts val="500"/>
+              </a:spcBef>
+              <a:buFont typeface="Arial" panose="020B0604020202020204" pitchFamily="34" charset="0"/>
+              <a:buChar char="•"/>
+              <a:defRPr kumimoji="1" sz="1800" kern="1200">
+                <a:solidFill>
+                  <a:schemeClr val="tx1"/>
+                </a:solidFill>
+                <a:latin typeface="+mn-lt"/>
+                <a:ea typeface="+mn-ea"/>
+                <a:cs typeface="+mn-cs"/>
+              </a:defRPr>
+            </a:lvl9pPr>
+          </a:lstStyle>
+          <a:p>
+            <a:pPr marL="0" indent="0">
+              <a:buFont typeface="Arial" panose="020B0604020202020204" pitchFamily="34" charset="0"/>
+              <a:buNone/>
+            </a:pPr>
+            <a:r>
+              <a:rPr lang="en-US" altLang="ja-JP" dirty="0"/>
+              <a:t>【</a:t>
+            </a:r>
+            <a:r>
+              <a:rPr lang="ja-JP" altLang="en-US" dirty="0"/>
+              <a:t>対象者</a:t>
+            </a:r>
+            <a:r>
+              <a:rPr lang="en-US" altLang="ja-JP" dirty="0"/>
+              <a:t>】</a:t>
+            </a:r>
+          </a:p>
+          <a:p>
+            <a:pPr marL="0" indent="0">
+              <a:buFont typeface="Arial" panose="020B0604020202020204" pitchFamily="34" charset="0"/>
+              <a:buNone/>
+            </a:pPr>
+            <a:r>
+              <a:rPr lang="ja-JP" altLang="en-US" dirty="0"/>
+              <a:t>このスライドはプログラミングの経験はあるが、</a:t>
+            </a:r>
+            <a:r>
+              <a:rPr lang="en-US" altLang="ja-JP" dirty="0" err="1"/>
+              <a:t>ReactNative</a:t>
+            </a:r>
+            <a:r>
+              <a:rPr lang="ja-JP" altLang="en-US" dirty="0"/>
+              <a:t>の経験がない人が対象者になります。</a:t>
+            </a:r>
+            <a:endParaRPr lang="en-US" altLang="ja-JP" dirty="0"/>
+          </a:p>
+          <a:p>
+            <a:pPr marL="0" indent="0">
+              <a:buFont typeface="Arial" panose="020B0604020202020204" pitchFamily="34" charset="0"/>
+              <a:buNone/>
+            </a:pPr>
+            <a:endParaRPr lang="en-US" altLang="ja-JP" dirty="0"/>
           </a:p>
         </p:txBody>
       </p:sp>
     </p:spTree>
     <p:extLst>
       <p:ext uri="{BB962C8B-B14F-4D97-AF65-F5344CB8AC3E}">
-        <p14:creationId xmlns:p14="http://schemas.microsoft.com/office/powerpoint/2010/main" val="197907813"/>
+        <p14:creationId xmlns:p14="http://schemas.microsoft.com/office/powerpoint/2010/main" val="3428112194"/>
       </p:ext>
     </p:extLst>
   </p:cSld>
@@ -2480,7 +3217,7 @@
       </p:grpSpPr>
       <p:sp>
         <p:nvSpPr>
-          <p:cNvPr id="2" name="タイトル 1"/>
+          <p:cNvPr id="5" name="タイトル 4"/>
           <p:cNvSpPr>
             <a:spLocks noGrp="1"/>
           </p:cNvSpPr>
@@ -2494,16 +3231,15 @@
           <a:lstStyle/>
           <a:p>
             <a:r>
-              <a:rPr lang="ja-JP" altLang="en-US" dirty="0" smtClean="0"/>
-              <a:t>１－１．プロジェクト作成</a:t>
-            </a:r>
-            <a:endParaRPr kumimoji="1" lang="ja-JP" altLang="en-US" dirty="0"/>
-          </a:p>
-        </p:txBody>
-      </p:sp>
-      <p:sp>
-        <p:nvSpPr>
-          <p:cNvPr id="3" name="コンテンツ プレースホルダー 2"/>
+              <a:rPr kumimoji="1" lang="ja-JP" altLang="en-US" dirty="0"/>
+              <a:t>目次</a:t>
+            </a:r>
+          </a:p>
+        </p:txBody>
+      </p:sp>
+      <p:sp>
+        <p:nvSpPr>
+          <p:cNvPr id="6" name="コンテンツ プレースホルダー 5"/>
           <p:cNvSpPr>
             <a:spLocks noGrp="1"/>
           </p:cNvSpPr>
@@ -2513,15 +3249,9 @@
         </p:nvSpPr>
         <p:spPr>
           <a:xfrm>
-            <a:off x="791563" y="4471858"/>
-            <a:ext cx="11019436" cy="849651"/>
+            <a:off x="431800" y="1187356"/>
+            <a:ext cx="11379200" cy="4921344"/>
           </a:xfrm>
-          <a:solidFill>
-            <a:schemeClr val="tx1">
-              <a:lumMod val="75000"/>
-              <a:lumOff val="25000"/>
-            </a:schemeClr>
-          </a:solidFill>
         </p:spPr>
         <p:txBody>
           <a:bodyPr/>
@@ -2531,585 +3261,37 @@
               <a:buNone/>
             </a:pPr>
             <a:r>
-              <a:rPr lang="en-US" altLang="ja-JP" dirty="0" err="1" smtClean="0">
-                <a:solidFill>
-                  <a:schemeClr val="bg1"/>
-                </a:solidFill>
-              </a:rPr>
-              <a:t>npm</a:t>
-            </a:r>
-            <a:r>
-              <a:rPr lang="en-US" altLang="ja-JP" dirty="0" smtClean="0">
-                <a:solidFill>
-                  <a:schemeClr val="bg1"/>
-                </a:solidFill>
-              </a:rPr>
-              <a:t> install –g expo-cli</a:t>
-            </a:r>
+              <a:rPr lang="ja-JP" altLang="en-US" dirty="0"/>
+              <a:t>１．</a:t>
+            </a:r>
+            <a:r>
+              <a:rPr kumimoji="1" lang="ja-JP" altLang="en-US" dirty="0"/>
+              <a:t>　プロジェクト作成</a:t>
+            </a:r>
+            <a:endParaRPr lang="en-US" altLang="ja-JP" dirty="0"/>
           </a:p>
           <a:p>
             <a:pPr marL="0" indent="0">
               <a:buNone/>
             </a:pPr>
             <a:r>
-              <a:rPr lang="en-US" altLang="ja-JP" dirty="0">
-                <a:solidFill>
-                  <a:schemeClr val="bg1"/>
-                </a:solidFill>
-              </a:rPr>
-              <a:t>y</a:t>
-            </a:r>
-            <a:r>
-              <a:rPr lang="en-US" altLang="ja-JP" dirty="0" smtClean="0">
-                <a:solidFill>
-                  <a:schemeClr val="bg1"/>
-                </a:solidFill>
-              </a:rPr>
-              <a:t>arn add –global expo-cli</a:t>
-            </a:r>
-          </a:p>
-        </p:txBody>
-      </p:sp>
-      <p:sp>
-        <p:nvSpPr>
-          <p:cNvPr id="4" name="コンテンツ プレースホルダー 3"/>
-          <p:cNvSpPr>
-            <a:spLocks noGrp="1"/>
-          </p:cNvSpPr>
-          <p:nvPr>
-            <p:ph sz="quarter" idx="13"/>
-          </p:nvPr>
-        </p:nvSpPr>
-        <p:spPr/>
-        <p:txBody>
-          <a:bodyPr/>
-          <a:lstStyle/>
+              <a:rPr kumimoji="1" lang="ja-JP" altLang="en-US" dirty="0"/>
+              <a:t>２．　アプリ概要</a:t>
+            </a:r>
+            <a:endParaRPr kumimoji="1" lang="en-US" altLang="ja-JP" dirty="0"/>
+          </a:p>
           <a:p>
             <a:pPr marL="0" indent="0">
               <a:buNone/>
             </a:pPr>
-            <a:r>
-              <a:rPr kumimoji="1" lang="en-US" altLang="ja-JP" dirty="0" smtClean="0"/>
-              <a:t>【</a:t>
-            </a:r>
-            <a:r>
-              <a:rPr kumimoji="1" lang="ja-JP" altLang="en-US" dirty="0" smtClean="0"/>
-              <a:t>前提事項</a:t>
-            </a:r>
-            <a:r>
-              <a:rPr kumimoji="1" lang="en-US" altLang="ja-JP" dirty="0" smtClean="0"/>
-              <a:t>】</a:t>
-            </a:r>
-          </a:p>
-          <a:p>
-            <a:pPr marL="0" indent="0">
-              <a:buNone/>
-            </a:pPr>
-            <a:r>
-              <a:rPr lang="en-US" altLang="ja-JP" dirty="0" smtClean="0"/>
-              <a:t>Node.js</a:t>
-            </a:r>
-            <a:r>
-              <a:rPr lang="ja-JP" altLang="en-US" dirty="0" smtClean="0"/>
-              <a:t>がインストールされ、</a:t>
-            </a:r>
-            <a:r>
-              <a:rPr lang="en-US" altLang="ja-JP" dirty="0" err="1" smtClean="0"/>
-              <a:t>npm</a:t>
-            </a:r>
-            <a:r>
-              <a:rPr lang="ja-JP" altLang="en-US" dirty="0" smtClean="0"/>
-              <a:t>または</a:t>
-            </a:r>
-            <a:r>
-              <a:rPr lang="en-US" altLang="ja-JP" dirty="0" smtClean="0"/>
-              <a:t>yarn</a:t>
-            </a:r>
-            <a:r>
-              <a:rPr lang="ja-JP" altLang="en-US" dirty="0" smtClean="0"/>
-              <a:t>のパッケージマネージャがある前提です。</a:t>
-            </a:r>
             <a:endParaRPr kumimoji="1" lang="ja-JP" altLang="en-US" dirty="0"/>
-          </a:p>
-        </p:txBody>
-      </p:sp>
-      <p:sp>
-        <p:nvSpPr>
-          <p:cNvPr id="5" name="コンテンツ プレースホルダー 5"/>
-          <p:cNvSpPr txBox="1">
-            <a:spLocks/>
-          </p:cNvSpPr>
-          <p:nvPr/>
-        </p:nvSpPr>
-        <p:spPr>
-          <a:xfrm>
-            <a:off x="431800" y="2008682"/>
-            <a:ext cx="11379200" cy="854439"/>
-          </a:xfrm>
-          <a:prstGeom prst="rect">
-            <a:avLst/>
-          </a:prstGeom>
-        </p:spPr>
-        <p:txBody>
-          <a:bodyPr vert="horz" lIns="91440" tIns="45720" rIns="91440" bIns="45720" rtlCol="0">
-            <a:normAutofit/>
-          </a:bodyPr>
-          <a:lstStyle>
-            <a:lvl1pPr marL="228600" indent="-228600" algn="l" defTabSz="914400" rtl="0" eaLnBrk="1" latinLnBrk="0" hangingPunct="1">
-              <a:lnSpc>
-                <a:spcPct val="90000"/>
-              </a:lnSpc>
-              <a:spcBef>
-                <a:spcPts val="1000"/>
-              </a:spcBef>
-              <a:buFont typeface="Arial" panose="020B0604020202020204" pitchFamily="34" charset="0"/>
-              <a:buChar char="•"/>
-              <a:defRPr kumimoji="1" sz="2000" kern="1200">
-                <a:solidFill>
-                  <a:schemeClr val="tx1"/>
-                </a:solidFill>
-                <a:latin typeface="Meiryo UI" panose="020B0604030504040204" pitchFamily="50" charset="-128"/>
-                <a:ea typeface="Meiryo UI" panose="020B0604030504040204" pitchFamily="50" charset="-128"/>
-                <a:cs typeface="+mn-cs"/>
-              </a:defRPr>
-            </a:lvl1pPr>
-            <a:lvl2pPr marL="685800" indent="-228600" algn="l" defTabSz="914400" rtl="0" eaLnBrk="1" latinLnBrk="0" hangingPunct="1">
-              <a:lnSpc>
-                <a:spcPct val="90000"/>
-              </a:lnSpc>
-              <a:spcBef>
-                <a:spcPts val="500"/>
-              </a:spcBef>
-              <a:buFont typeface="Arial" panose="020B0604020202020204" pitchFamily="34" charset="0"/>
-              <a:buChar char="•"/>
-              <a:defRPr kumimoji="1" sz="1800" kern="1200">
-                <a:solidFill>
-                  <a:schemeClr val="tx1"/>
-                </a:solidFill>
-                <a:latin typeface="Meiryo UI" panose="020B0604030504040204" pitchFamily="50" charset="-128"/>
-                <a:ea typeface="Meiryo UI" panose="020B0604030504040204" pitchFamily="50" charset="-128"/>
-                <a:cs typeface="+mn-cs"/>
-              </a:defRPr>
-            </a:lvl2pPr>
-            <a:lvl3pPr marL="1143000" indent="-228600" algn="l" defTabSz="914400" rtl="0" eaLnBrk="1" latinLnBrk="0" hangingPunct="1">
-              <a:lnSpc>
-                <a:spcPct val="90000"/>
-              </a:lnSpc>
-              <a:spcBef>
-                <a:spcPts val="500"/>
-              </a:spcBef>
-              <a:buFont typeface="Arial" panose="020B0604020202020204" pitchFamily="34" charset="0"/>
-              <a:buChar char="•"/>
-              <a:defRPr kumimoji="1" sz="1600" kern="1200">
-                <a:solidFill>
-                  <a:schemeClr val="tx1"/>
-                </a:solidFill>
-                <a:latin typeface="Meiryo UI" panose="020B0604030504040204" pitchFamily="50" charset="-128"/>
-                <a:ea typeface="Meiryo UI" panose="020B0604030504040204" pitchFamily="50" charset="-128"/>
-                <a:cs typeface="+mn-cs"/>
-              </a:defRPr>
-            </a:lvl3pPr>
-            <a:lvl4pPr marL="1600200" indent="-228600" algn="l" defTabSz="914400" rtl="0" eaLnBrk="1" latinLnBrk="0" hangingPunct="1">
-              <a:lnSpc>
-                <a:spcPct val="90000"/>
-              </a:lnSpc>
-              <a:spcBef>
-                <a:spcPts val="500"/>
-              </a:spcBef>
-              <a:buFont typeface="Arial" panose="020B0604020202020204" pitchFamily="34" charset="0"/>
-              <a:buChar char="•"/>
-              <a:defRPr kumimoji="1" sz="1400" kern="1200">
-                <a:solidFill>
-                  <a:schemeClr val="tx1"/>
-                </a:solidFill>
-                <a:latin typeface="Meiryo UI" panose="020B0604030504040204" pitchFamily="50" charset="-128"/>
-                <a:ea typeface="Meiryo UI" panose="020B0604030504040204" pitchFamily="50" charset="-128"/>
-                <a:cs typeface="+mn-cs"/>
-              </a:defRPr>
-            </a:lvl4pPr>
-            <a:lvl5pPr marL="2057400" indent="-228600" algn="l" defTabSz="914400" rtl="0" eaLnBrk="1" latinLnBrk="0" hangingPunct="1">
-              <a:lnSpc>
-                <a:spcPct val="90000"/>
-              </a:lnSpc>
-              <a:spcBef>
-                <a:spcPts val="500"/>
-              </a:spcBef>
-              <a:buFont typeface="Arial" panose="020B0604020202020204" pitchFamily="34" charset="0"/>
-              <a:buChar char="•"/>
-              <a:defRPr kumimoji="1" sz="1200" kern="1200">
-                <a:solidFill>
-                  <a:schemeClr val="tx1"/>
-                </a:solidFill>
-                <a:latin typeface="Meiryo UI" panose="020B0604030504040204" pitchFamily="50" charset="-128"/>
-                <a:ea typeface="Meiryo UI" panose="020B0604030504040204" pitchFamily="50" charset="-128"/>
-                <a:cs typeface="+mn-cs"/>
-              </a:defRPr>
-            </a:lvl5pPr>
-            <a:lvl6pPr marL="2514600" indent="-228600" algn="l" defTabSz="914400" rtl="0" eaLnBrk="1" latinLnBrk="0" hangingPunct="1">
-              <a:lnSpc>
-                <a:spcPct val="90000"/>
-              </a:lnSpc>
-              <a:spcBef>
-                <a:spcPts val="500"/>
-              </a:spcBef>
-              <a:buFont typeface="Arial" panose="020B0604020202020204" pitchFamily="34" charset="0"/>
-              <a:buChar char="•"/>
-              <a:defRPr kumimoji="1" sz="1800" kern="1200">
-                <a:solidFill>
-                  <a:schemeClr val="tx1"/>
-                </a:solidFill>
-                <a:latin typeface="+mn-lt"/>
-                <a:ea typeface="+mn-ea"/>
-                <a:cs typeface="+mn-cs"/>
-              </a:defRPr>
-            </a:lvl6pPr>
-            <a:lvl7pPr marL="2971800" indent="-228600" algn="l" defTabSz="914400" rtl="0" eaLnBrk="1" latinLnBrk="0" hangingPunct="1">
-              <a:lnSpc>
-                <a:spcPct val="90000"/>
-              </a:lnSpc>
-              <a:spcBef>
-                <a:spcPts val="500"/>
-              </a:spcBef>
-              <a:buFont typeface="Arial" panose="020B0604020202020204" pitchFamily="34" charset="0"/>
-              <a:buChar char="•"/>
-              <a:defRPr kumimoji="1" sz="1800" kern="1200">
-                <a:solidFill>
-                  <a:schemeClr val="tx1"/>
-                </a:solidFill>
-                <a:latin typeface="+mn-lt"/>
-                <a:ea typeface="+mn-ea"/>
-                <a:cs typeface="+mn-cs"/>
-              </a:defRPr>
-            </a:lvl7pPr>
-            <a:lvl8pPr marL="3429000" indent="-228600" algn="l" defTabSz="914400" rtl="0" eaLnBrk="1" latinLnBrk="0" hangingPunct="1">
-              <a:lnSpc>
-                <a:spcPct val="90000"/>
-              </a:lnSpc>
-              <a:spcBef>
-                <a:spcPts val="500"/>
-              </a:spcBef>
-              <a:buFont typeface="Arial" panose="020B0604020202020204" pitchFamily="34" charset="0"/>
-              <a:buChar char="•"/>
-              <a:defRPr kumimoji="1" sz="1800" kern="1200">
-                <a:solidFill>
-                  <a:schemeClr val="tx1"/>
-                </a:solidFill>
-                <a:latin typeface="+mn-lt"/>
-                <a:ea typeface="+mn-ea"/>
-                <a:cs typeface="+mn-cs"/>
-              </a:defRPr>
-            </a:lvl8pPr>
-            <a:lvl9pPr marL="3886200" indent="-228600" algn="l" defTabSz="914400" rtl="0" eaLnBrk="1" latinLnBrk="0" hangingPunct="1">
-              <a:lnSpc>
-                <a:spcPct val="90000"/>
-              </a:lnSpc>
-              <a:spcBef>
-                <a:spcPts val="500"/>
-              </a:spcBef>
-              <a:buFont typeface="Arial" panose="020B0604020202020204" pitchFamily="34" charset="0"/>
-              <a:buChar char="•"/>
-              <a:defRPr kumimoji="1" sz="1800" kern="1200">
-                <a:solidFill>
-                  <a:schemeClr val="tx1"/>
-                </a:solidFill>
-                <a:latin typeface="+mn-lt"/>
-                <a:ea typeface="+mn-ea"/>
-                <a:cs typeface="+mn-cs"/>
-              </a:defRPr>
-            </a:lvl9pPr>
-          </a:lstStyle>
-          <a:p>
-            <a:pPr marL="0" indent="0">
-              <a:buFont typeface="Arial" panose="020B0604020202020204" pitchFamily="34" charset="0"/>
-              <a:buNone/>
-            </a:pPr>
-            <a:r>
-              <a:rPr lang="ja-JP" altLang="en-US" dirty="0" smtClean="0"/>
-              <a:t>このサンプルアプリでは、</a:t>
-            </a:r>
-            <a:r>
-              <a:rPr lang="en-US" altLang="ja-JP" dirty="0" smtClean="0"/>
-              <a:t>Expo</a:t>
-            </a:r>
-            <a:r>
-              <a:rPr lang="ja-JP" altLang="en-US" dirty="0" smtClean="0"/>
-              <a:t>と言われる開発</a:t>
-            </a:r>
-            <a:r>
-              <a:rPr lang="en-US" altLang="ja-JP" dirty="0" smtClean="0"/>
-              <a:t>/build</a:t>
-            </a:r>
-            <a:r>
-              <a:rPr lang="ja-JP" altLang="en-US" dirty="0"/>
-              <a:t>環境</a:t>
-            </a:r>
-            <a:r>
-              <a:rPr lang="ja-JP" altLang="en-US" dirty="0" smtClean="0"/>
-              <a:t>を導入して、</a:t>
-            </a:r>
-            <a:endParaRPr lang="en-US" altLang="ja-JP" dirty="0" smtClean="0"/>
-          </a:p>
-          <a:p>
-            <a:pPr marL="0" indent="0">
-              <a:buFont typeface="Arial" panose="020B0604020202020204" pitchFamily="34" charset="0"/>
-              <a:buNone/>
-            </a:pPr>
-            <a:r>
-              <a:rPr lang="en-US" altLang="ja-JP" dirty="0" err="1" smtClean="0"/>
-              <a:t>ReactNative</a:t>
-            </a:r>
-            <a:r>
-              <a:rPr lang="ja-JP" altLang="en-US" dirty="0" smtClean="0"/>
-              <a:t>のスマホアプリを開発していきます。　</a:t>
-            </a:r>
-            <a:endParaRPr lang="en-US" altLang="ja-JP" dirty="0" smtClean="0"/>
-          </a:p>
-        </p:txBody>
-      </p:sp>
-      <p:sp>
-        <p:nvSpPr>
-          <p:cNvPr id="6" name="コンテンツ プレースホルダー 5"/>
-          <p:cNvSpPr txBox="1">
-            <a:spLocks/>
-          </p:cNvSpPr>
-          <p:nvPr/>
-        </p:nvSpPr>
-        <p:spPr>
-          <a:xfrm>
-            <a:off x="431799" y="3265045"/>
-            <a:ext cx="11379200" cy="804888"/>
-          </a:xfrm>
-          <a:prstGeom prst="rect">
-            <a:avLst/>
-          </a:prstGeom>
-        </p:spPr>
-        <p:txBody>
-          <a:bodyPr vert="horz" lIns="91440" tIns="45720" rIns="91440" bIns="45720" rtlCol="0">
-            <a:normAutofit/>
-          </a:bodyPr>
-          <a:lstStyle>
-            <a:lvl1pPr marL="228600" indent="-228600" algn="l" defTabSz="914400" rtl="0" eaLnBrk="1" latinLnBrk="0" hangingPunct="1">
-              <a:lnSpc>
-                <a:spcPct val="90000"/>
-              </a:lnSpc>
-              <a:spcBef>
-                <a:spcPts val="1000"/>
-              </a:spcBef>
-              <a:buFont typeface="Arial" panose="020B0604020202020204" pitchFamily="34" charset="0"/>
-              <a:buChar char="•"/>
-              <a:defRPr kumimoji="1" sz="2000" kern="1200">
-                <a:solidFill>
-                  <a:schemeClr val="tx1"/>
-                </a:solidFill>
-                <a:latin typeface="Meiryo UI" panose="020B0604030504040204" pitchFamily="50" charset="-128"/>
-                <a:ea typeface="Meiryo UI" panose="020B0604030504040204" pitchFamily="50" charset="-128"/>
-                <a:cs typeface="+mn-cs"/>
-              </a:defRPr>
-            </a:lvl1pPr>
-            <a:lvl2pPr marL="685800" indent="-228600" algn="l" defTabSz="914400" rtl="0" eaLnBrk="1" latinLnBrk="0" hangingPunct="1">
-              <a:lnSpc>
-                <a:spcPct val="90000"/>
-              </a:lnSpc>
-              <a:spcBef>
-                <a:spcPts val="500"/>
-              </a:spcBef>
-              <a:buFont typeface="Arial" panose="020B0604020202020204" pitchFamily="34" charset="0"/>
-              <a:buChar char="•"/>
-              <a:defRPr kumimoji="1" sz="1800" kern="1200">
-                <a:solidFill>
-                  <a:schemeClr val="tx1"/>
-                </a:solidFill>
-                <a:latin typeface="Meiryo UI" panose="020B0604030504040204" pitchFamily="50" charset="-128"/>
-                <a:ea typeface="Meiryo UI" panose="020B0604030504040204" pitchFamily="50" charset="-128"/>
-                <a:cs typeface="+mn-cs"/>
-              </a:defRPr>
-            </a:lvl2pPr>
-            <a:lvl3pPr marL="1143000" indent="-228600" algn="l" defTabSz="914400" rtl="0" eaLnBrk="1" latinLnBrk="0" hangingPunct="1">
-              <a:lnSpc>
-                <a:spcPct val="90000"/>
-              </a:lnSpc>
-              <a:spcBef>
-                <a:spcPts val="500"/>
-              </a:spcBef>
-              <a:buFont typeface="Arial" panose="020B0604020202020204" pitchFamily="34" charset="0"/>
-              <a:buChar char="•"/>
-              <a:defRPr kumimoji="1" sz="1600" kern="1200">
-                <a:solidFill>
-                  <a:schemeClr val="tx1"/>
-                </a:solidFill>
-                <a:latin typeface="Meiryo UI" panose="020B0604030504040204" pitchFamily="50" charset="-128"/>
-                <a:ea typeface="Meiryo UI" panose="020B0604030504040204" pitchFamily="50" charset="-128"/>
-                <a:cs typeface="+mn-cs"/>
-              </a:defRPr>
-            </a:lvl3pPr>
-            <a:lvl4pPr marL="1600200" indent="-228600" algn="l" defTabSz="914400" rtl="0" eaLnBrk="1" latinLnBrk="0" hangingPunct="1">
-              <a:lnSpc>
-                <a:spcPct val="90000"/>
-              </a:lnSpc>
-              <a:spcBef>
-                <a:spcPts val="500"/>
-              </a:spcBef>
-              <a:buFont typeface="Arial" panose="020B0604020202020204" pitchFamily="34" charset="0"/>
-              <a:buChar char="•"/>
-              <a:defRPr kumimoji="1" sz="1400" kern="1200">
-                <a:solidFill>
-                  <a:schemeClr val="tx1"/>
-                </a:solidFill>
-                <a:latin typeface="Meiryo UI" panose="020B0604030504040204" pitchFamily="50" charset="-128"/>
-                <a:ea typeface="Meiryo UI" panose="020B0604030504040204" pitchFamily="50" charset="-128"/>
-                <a:cs typeface="+mn-cs"/>
-              </a:defRPr>
-            </a:lvl4pPr>
-            <a:lvl5pPr marL="2057400" indent="-228600" algn="l" defTabSz="914400" rtl="0" eaLnBrk="1" latinLnBrk="0" hangingPunct="1">
-              <a:lnSpc>
-                <a:spcPct val="90000"/>
-              </a:lnSpc>
-              <a:spcBef>
-                <a:spcPts val="500"/>
-              </a:spcBef>
-              <a:buFont typeface="Arial" panose="020B0604020202020204" pitchFamily="34" charset="0"/>
-              <a:buChar char="•"/>
-              <a:defRPr kumimoji="1" sz="1200" kern="1200">
-                <a:solidFill>
-                  <a:schemeClr val="tx1"/>
-                </a:solidFill>
-                <a:latin typeface="Meiryo UI" panose="020B0604030504040204" pitchFamily="50" charset="-128"/>
-                <a:ea typeface="Meiryo UI" panose="020B0604030504040204" pitchFamily="50" charset="-128"/>
-                <a:cs typeface="+mn-cs"/>
-              </a:defRPr>
-            </a:lvl5pPr>
-            <a:lvl6pPr marL="2514600" indent="-228600" algn="l" defTabSz="914400" rtl="0" eaLnBrk="1" latinLnBrk="0" hangingPunct="1">
-              <a:lnSpc>
-                <a:spcPct val="90000"/>
-              </a:lnSpc>
-              <a:spcBef>
-                <a:spcPts val="500"/>
-              </a:spcBef>
-              <a:buFont typeface="Arial" panose="020B0604020202020204" pitchFamily="34" charset="0"/>
-              <a:buChar char="•"/>
-              <a:defRPr kumimoji="1" sz="1800" kern="1200">
-                <a:solidFill>
-                  <a:schemeClr val="tx1"/>
-                </a:solidFill>
-                <a:latin typeface="+mn-lt"/>
-                <a:ea typeface="+mn-ea"/>
-                <a:cs typeface="+mn-cs"/>
-              </a:defRPr>
-            </a:lvl6pPr>
-            <a:lvl7pPr marL="2971800" indent="-228600" algn="l" defTabSz="914400" rtl="0" eaLnBrk="1" latinLnBrk="0" hangingPunct="1">
-              <a:lnSpc>
-                <a:spcPct val="90000"/>
-              </a:lnSpc>
-              <a:spcBef>
-                <a:spcPts val="500"/>
-              </a:spcBef>
-              <a:buFont typeface="Arial" panose="020B0604020202020204" pitchFamily="34" charset="0"/>
-              <a:buChar char="•"/>
-              <a:defRPr kumimoji="1" sz="1800" kern="1200">
-                <a:solidFill>
-                  <a:schemeClr val="tx1"/>
-                </a:solidFill>
-                <a:latin typeface="+mn-lt"/>
-                <a:ea typeface="+mn-ea"/>
-                <a:cs typeface="+mn-cs"/>
-              </a:defRPr>
-            </a:lvl7pPr>
-            <a:lvl8pPr marL="3429000" indent="-228600" algn="l" defTabSz="914400" rtl="0" eaLnBrk="1" latinLnBrk="0" hangingPunct="1">
-              <a:lnSpc>
-                <a:spcPct val="90000"/>
-              </a:lnSpc>
-              <a:spcBef>
-                <a:spcPts val="500"/>
-              </a:spcBef>
-              <a:buFont typeface="Arial" panose="020B0604020202020204" pitchFamily="34" charset="0"/>
-              <a:buChar char="•"/>
-              <a:defRPr kumimoji="1" sz="1800" kern="1200">
-                <a:solidFill>
-                  <a:schemeClr val="tx1"/>
-                </a:solidFill>
-                <a:latin typeface="+mn-lt"/>
-                <a:ea typeface="+mn-ea"/>
-                <a:cs typeface="+mn-cs"/>
-              </a:defRPr>
-            </a:lvl8pPr>
-            <a:lvl9pPr marL="3886200" indent="-228600" algn="l" defTabSz="914400" rtl="0" eaLnBrk="1" latinLnBrk="0" hangingPunct="1">
-              <a:lnSpc>
-                <a:spcPct val="90000"/>
-              </a:lnSpc>
-              <a:spcBef>
-                <a:spcPts val="500"/>
-              </a:spcBef>
-              <a:buFont typeface="Arial" panose="020B0604020202020204" pitchFamily="34" charset="0"/>
-              <a:buChar char="•"/>
-              <a:defRPr kumimoji="1" sz="1800" kern="1200">
-                <a:solidFill>
-                  <a:schemeClr val="tx1"/>
-                </a:solidFill>
-                <a:latin typeface="+mn-lt"/>
-                <a:ea typeface="+mn-ea"/>
-                <a:cs typeface="+mn-cs"/>
-              </a:defRPr>
-            </a:lvl9pPr>
-          </a:lstStyle>
-          <a:p>
-            <a:pPr marL="0" indent="0">
-              <a:buFont typeface="Arial" panose="020B0604020202020204" pitchFamily="34" charset="0"/>
-              <a:buNone/>
-            </a:pPr>
-            <a:r>
-              <a:rPr lang="en-US" altLang="ja-JP" dirty="0" smtClean="0"/>
-              <a:t>【Expo</a:t>
-            </a:r>
-            <a:r>
-              <a:rPr lang="ja-JP" altLang="en-US" dirty="0" smtClean="0"/>
-              <a:t>導入コマンド</a:t>
-            </a:r>
-            <a:r>
-              <a:rPr lang="en-US" altLang="ja-JP" dirty="0" smtClean="0"/>
-              <a:t>】</a:t>
-            </a:r>
-          </a:p>
-          <a:p>
-            <a:pPr marL="0" indent="0">
-              <a:buFont typeface="Arial" panose="020B0604020202020204" pitchFamily="34" charset="0"/>
-              <a:buNone/>
-            </a:pPr>
-            <a:r>
-              <a:rPr lang="ja-JP" altLang="en-US" dirty="0" smtClean="0"/>
-              <a:t>　</a:t>
-            </a:r>
-            <a:r>
-              <a:rPr lang="en-US" altLang="ja-JP" sz="1400" dirty="0" err="1" smtClean="0"/>
-              <a:t>npm</a:t>
-            </a:r>
-            <a:r>
-              <a:rPr lang="ja-JP" altLang="en-US" sz="1400" dirty="0" smtClean="0"/>
-              <a:t>または</a:t>
-            </a:r>
-            <a:r>
-              <a:rPr lang="en-US" altLang="ja-JP" sz="1400" dirty="0" smtClean="0"/>
-              <a:t>yarn</a:t>
-            </a:r>
-            <a:r>
-              <a:rPr lang="ja-JP" altLang="en-US" sz="1400" dirty="0" smtClean="0"/>
-              <a:t>コマンドから</a:t>
-            </a:r>
-            <a:r>
-              <a:rPr lang="en-US" altLang="ja-JP" sz="1400" dirty="0" smtClean="0"/>
-              <a:t>expo</a:t>
-            </a:r>
-            <a:r>
-              <a:rPr lang="ja-JP" altLang="en-US" sz="1400" dirty="0" smtClean="0"/>
-              <a:t>を導入してください。</a:t>
-            </a:r>
-            <a:endParaRPr lang="en-US" altLang="ja-JP" sz="1400" dirty="0" smtClean="0"/>
           </a:p>
         </p:txBody>
       </p:sp>
     </p:spTree>
     <p:extLst>
       <p:ext uri="{BB962C8B-B14F-4D97-AF65-F5344CB8AC3E}">
-        <p14:creationId xmlns:p14="http://schemas.microsoft.com/office/powerpoint/2010/main" val="2366671179"/>
+        <p14:creationId xmlns:p14="http://schemas.microsoft.com/office/powerpoint/2010/main" val="197907813"/>
       </p:ext>
     </p:extLst>
   </p:cSld>
@@ -3152,8 +3334,8 @@
           <a:lstStyle/>
           <a:p>
             <a:r>
-              <a:rPr lang="ja-JP" altLang="en-US" dirty="0" smtClean="0"/>
-              <a:t>１－２．プロジェクト作成</a:t>
+              <a:rPr lang="ja-JP" altLang="en-US" dirty="0"/>
+              <a:t>１－１．プロジェクト作成</a:t>
             </a:r>
             <a:endParaRPr kumimoji="1" lang="ja-JP" altLang="en-US" dirty="0"/>
           </a:p>
@@ -3171,8 +3353,8 @@
         </p:nvSpPr>
         <p:spPr>
           <a:xfrm>
-            <a:off x="716612" y="2328265"/>
-            <a:ext cx="11019436" cy="3757742"/>
+            <a:off x="791563" y="4471858"/>
+            <a:ext cx="11019436" cy="849651"/>
           </a:xfrm>
           <a:solidFill>
             <a:schemeClr val="tx1">
@@ -3189,36 +3371,20 @@
               <a:buNone/>
             </a:pPr>
             <a:r>
+              <a:rPr lang="en-US" altLang="ja-JP" dirty="0" err="1">
+                <a:solidFill>
+                  <a:schemeClr val="bg1"/>
+                </a:solidFill>
+              </a:rPr>
+              <a:t>npm</a:t>
+            </a:r>
+            <a:r>
               <a:rPr lang="en-US" altLang="ja-JP" dirty="0">
                 <a:solidFill>
                   <a:schemeClr val="bg1"/>
                 </a:solidFill>
               </a:rPr>
-              <a:t>expo </a:t>
-            </a:r>
-            <a:r>
-              <a:rPr lang="en-US" altLang="ja-JP" dirty="0" err="1">
-                <a:solidFill>
-                  <a:schemeClr val="bg1"/>
-                </a:solidFill>
-              </a:rPr>
-              <a:t>init</a:t>
-            </a:r>
-            <a:r>
-              <a:rPr lang="en-US" altLang="ja-JP" dirty="0">
-                <a:solidFill>
-                  <a:schemeClr val="bg1"/>
-                </a:solidFill>
-              </a:rPr>
-              <a:t> </a:t>
-            </a:r>
-            <a:r>
-              <a:rPr lang="en-US" altLang="ja-JP" dirty="0" smtClean="0">
-                <a:solidFill>
-                  <a:schemeClr val="bg1"/>
-                </a:solidFill>
-              </a:rPr>
-              <a:t>dairy</a:t>
+              <a:t> install –g expo-cli</a:t>
             </a:r>
           </a:p>
           <a:p>
@@ -3226,69 +3392,305 @@
               <a:buNone/>
             </a:pPr>
             <a:r>
-              <a:rPr lang="en-US" altLang="ja-JP" dirty="0" smtClean="0">
+              <a:rPr lang="en-US" altLang="ja-JP" dirty="0">
                 <a:solidFill>
                   <a:schemeClr val="bg1"/>
                 </a:solidFill>
               </a:rPr>
-              <a:t>~</a:t>
-            </a:r>
-          </a:p>
+              <a:t>yarn add –global expo-cli</a:t>
+            </a:r>
+          </a:p>
+        </p:txBody>
+      </p:sp>
+      <p:sp>
+        <p:nvSpPr>
+          <p:cNvPr id="4" name="コンテンツ プレースホルダー 3"/>
+          <p:cNvSpPr>
+            <a:spLocks noGrp="1"/>
+          </p:cNvSpPr>
+          <p:nvPr>
+            <p:ph sz="quarter" idx="13"/>
+          </p:nvPr>
+        </p:nvSpPr>
+        <p:spPr/>
+        <p:txBody>
+          <a:bodyPr/>
+          <a:lstStyle/>
           <a:p>
             <a:pPr marL="0" indent="0">
               <a:buNone/>
             </a:pPr>
-            <a:endParaRPr lang="en-US" altLang="ja-JP" dirty="0">
-              <a:solidFill>
-                <a:schemeClr val="bg1"/>
-              </a:solidFill>
-            </a:endParaRPr>
+            <a:r>
+              <a:rPr kumimoji="1" lang="en-US" altLang="ja-JP" dirty="0"/>
+              <a:t>【</a:t>
+            </a:r>
+            <a:r>
+              <a:rPr kumimoji="1" lang="ja-JP" altLang="en-US" dirty="0"/>
+              <a:t>前提事項</a:t>
+            </a:r>
+            <a:r>
+              <a:rPr kumimoji="1" lang="en-US" altLang="ja-JP" dirty="0"/>
+              <a:t>】</a:t>
+            </a:r>
           </a:p>
           <a:p>
             <a:pPr marL="0" indent="0">
               <a:buNone/>
             </a:pPr>
-            <a:endParaRPr lang="en-US" altLang="ja-JP" dirty="0" smtClean="0">
-              <a:solidFill>
-                <a:schemeClr val="bg1"/>
-              </a:solidFill>
-            </a:endParaRPr>
-          </a:p>
+            <a:r>
+              <a:rPr lang="en-US" altLang="ja-JP" dirty="0"/>
+              <a:t>Node.js</a:t>
+            </a:r>
+            <a:r>
+              <a:rPr lang="ja-JP" altLang="en-US" dirty="0"/>
+              <a:t>がインストールされ、</a:t>
+            </a:r>
+            <a:r>
+              <a:rPr lang="en-US" altLang="ja-JP" dirty="0" err="1"/>
+              <a:t>npm</a:t>
+            </a:r>
+            <a:r>
+              <a:rPr lang="ja-JP" altLang="en-US" dirty="0"/>
+              <a:t>または</a:t>
+            </a:r>
+            <a:r>
+              <a:rPr lang="en-US" altLang="ja-JP" dirty="0"/>
+              <a:t>yarn</a:t>
+            </a:r>
+            <a:r>
+              <a:rPr lang="ja-JP" altLang="en-US" dirty="0"/>
+              <a:t>のパッケージマネージャがある前提です。</a:t>
+            </a:r>
+            <a:endParaRPr kumimoji="1" lang="ja-JP" altLang="en-US" dirty="0"/>
+          </a:p>
+        </p:txBody>
+      </p:sp>
+      <p:sp>
+        <p:nvSpPr>
+          <p:cNvPr id="5" name="コンテンツ プレースホルダー 5"/>
+          <p:cNvSpPr txBox="1">
+            <a:spLocks/>
+          </p:cNvSpPr>
+          <p:nvPr/>
+        </p:nvSpPr>
+        <p:spPr>
+          <a:xfrm>
+            <a:off x="431800" y="2008682"/>
+            <a:ext cx="11379200" cy="854439"/>
+          </a:xfrm>
+          <a:prstGeom prst="rect">
+            <a:avLst/>
+          </a:prstGeom>
+        </p:spPr>
+        <p:txBody>
+          <a:bodyPr vert="horz" lIns="91440" tIns="45720" rIns="91440" bIns="45720" rtlCol="0">
+            <a:normAutofit/>
+          </a:bodyPr>
+          <a:lstStyle>
+            <a:lvl1pPr marL="228600" indent="-228600" algn="l" defTabSz="914400" rtl="0" eaLnBrk="1" latinLnBrk="0" hangingPunct="1">
+              <a:lnSpc>
+                <a:spcPct val="90000"/>
+              </a:lnSpc>
+              <a:spcBef>
+                <a:spcPts val="1000"/>
+              </a:spcBef>
+              <a:buFont typeface="Arial" panose="020B0604020202020204" pitchFamily="34" charset="0"/>
+              <a:buChar char="•"/>
+              <a:defRPr kumimoji="1" sz="2000" kern="1200">
+                <a:solidFill>
+                  <a:schemeClr val="tx1"/>
+                </a:solidFill>
+                <a:latin typeface="Meiryo UI" panose="020B0604030504040204" pitchFamily="50" charset="-128"/>
+                <a:ea typeface="Meiryo UI" panose="020B0604030504040204" pitchFamily="50" charset="-128"/>
+                <a:cs typeface="+mn-cs"/>
+              </a:defRPr>
+            </a:lvl1pPr>
+            <a:lvl2pPr marL="685800" indent="-228600" algn="l" defTabSz="914400" rtl="0" eaLnBrk="1" latinLnBrk="0" hangingPunct="1">
+              <a:lnSpc>
+                <a:spcPct val="90000"/>
+              </a:lnSpc>
+              <a:spcBef>
+                <a:spcPts val="500"/>
+              </a:spcBef>
+              <a:buFont typeface="Arial" panose="020B0604020202020204" pitchFamily="34" charset="0"/>
+              <a:buChar char="•"/>
+              <a:defRPr kumimoji="1" sz="1800" kern="1200">
+                <a:solidFill>
+                  <a:schemeClr val="tx1"/>
+                </a:solidFill>
+                <a:latin typeface="Meiryo UI" panose="020B0604030504040204" pitchFamily="50" charset="-128"/>
+                <a:ea typeface="Meiryo UI" panose="020B0604030504040204" pitchFamily="50" charset="-128"/>
+                <a:cs typeface="+mn-cs"/>
+              </a:defRPr>
+            </a:lvl2pPr>
+            <a:lvl3pPr marL="1143000" indent="-228600" algn="l" defTabSz="914400" rtl="0" eaLnBrk="1" latinLnBrk="0" hangingPunct="1">
+              <a:lnSpc>
+                <a:spcPct val="90000"/>
+              </a:lnSpc>
+              <a:spcBef>
+                <a:spcPts val="500"/>
+              </a:spcBef>
+              <a:buFont typeface="Arial" panose="020B0604020202020204" pitchFamily="34" charset="0"/>
+              <a:buChar char="•"/>
+              <a:defRPr kumimoji="1" sz="1600" kern="1200">
+                <a:solidFill>
+                  <a:schemeClr val="tx1"/>
+                </a:solidFill>
+                <a:latin typeface="Meiryo UI" panose="020B0604030504040204" pitchFamily="50" charset="-128"/>
+                <a:ea typeface="Meiryo UI" panose="020B0604030504040204" pitchFamily="50" charset="-128"/>
+                <a:cs typeface="+mn-cs"/>
+              </a:defRPr>
+            </a:lvl3pPr>
+            <a:lvl4pPr marL="1600200" indent="-228600" algn="l" defTabSz="914400" rtl="0" eaLnBrk="1" latinLnBrk="0" hangingPunct="1">
+              <a:lnSpc>
+                <a:spcPct val="90000"/>
+              </a:lnSpc>
+              <a:spcBef>
+                <a:spcPts val="500"/>
+              </a:spcBef>
+              <a:buFont typeface="Arial" panose="020B0604020202020204" pitchFamily="34" charset="0"/>
+              <a:buChar char="•"/>
+              <a:defRPr kumimoji="1" sz="1400" kern="1200">
+                <a:solidFill>
+                  <a:schemeClr val="tx1"/>
+                </a:solidFill>
+                <a:latin typeface="Meiryo UI" panose="020B0604030504040204" pitchFamily="50" charset="-128"/>
+                <a:ea typeface="Meiryo UI" panose="020B0604030504040204" pitchFamily="50" charset="-128"/>
+                <a:cs typeface="+mn-cs"/>
+              </a:defRPr>
+            </a:lvl4pPr>
+            <a:lvl5pPr marL="2057400" indent="-228600" algn="l" defTabSz="914400" rtl="0" eaLnBrk="1" latinLnBrk="0" hangingPunct="1">
+              <a:lnSpc>
+                <a:spcPct val="90000"/>
+              </a:lnSpc>
+              <a:spcBef>
+                <a:spcPts val="500"/>
+              </a:spcBef>
+              <a:buFont typeface="Arial" panose="020B0604020202020204" pitchFamily="34" charset="0"/>
+              <a:buChar char="•"/>
+              <a:defRPr kumimoji="1" sz="1200" kern="1200">
+                <a:solidFill>
+                  <a:schemeClr val="tx1"/>
+                </a:solidFill>
+                <a:latin typeface="Meiryo UI" panose="020B0604030504040204" pitchFamily="50" charset="-128"/>
+                <a:ea typeface="Meiryo UI" panose="020B0604030504040204" pitchFamily="50" charset="-128"/>
+                <a:cs typeface="+mn-cs"/>
+              </a:defRPr>
+            </a:lvl5pPr>
+            <a:lvl6pPr marL="2514600" indent="-228600" algn="l" defTabSz="914400" rtl="0" eaLnBrk="1" latinLnBrk="0" hangingPunct="1">
+              <a:lnSpc>
+                <a:spcPct val="90000"/>
+              </a:lnSpc>
+              <a:spcBef>
+                <a:spcPts val="500"/>
+              </a:spcBef>
+              <a:buFont typeface="Arial" panose="020B0604020202020204" pitchFamily="34" charset="0"/>
+              <a:buChar char="•"/>
+              <a:defRPr kumimoji="1" sz="1800" kern="1200">
+                <a:solidFill>
+                  <a:schemeClr val="tx1"/>
+                </a:solidFill>
+                <a:latin typeface="+mn-lt"/>
+                <a:ea typeface="+mn-ea"/>
+                <a:cs typeface="+mn-cs"/>
+              </a:defRPr>
+            </a:lvl6pPr>
+            <a:lvl7pPr marL="2971800" indent="-228600" algn="l" defTabSz="914400" rtl="0" eaLnBrk="1" latinLnBrk="0" hangingPunct="1">
+              <a:lnSpc>
+                <a:spcPct val="90000"/>
+              </a:lnSpc>
+              <a:spcBef>
+                <a:spcPts val="500"/>
+              </a:spcBef>
+              <a:buFont typeface="Arial" panose="020B0604020202020204" pitchFamily="34" charset="0"/>
+              <a:buChar char="•"/>
+              <a:defRPr kumimoji="1" sz="1800" kern="1200">
+                <a:solidFill>
+                  <a:schemeClr val="tx1"/>
+                </a:solidFill>
+                <a:latin typeface="+mn-lt"/>
+                <a:ea typeface="+mn-ea"/>
+                <a:cs typeface="+mn-cs"/>
+              </a:defRPr>
+            </a:lvl7pPr>
+            <a:lvl8pPr marL="3429000" indent="-228600" algn="l" defTabSz="914400" rtl="0" eaLnBrk="1" latinLnBrk="0" hangingPunct="1">
+              <a:lnSpc>
+                <a:spcPct val="90000"/>
+              </a:lnSpc>
+              <a:spcBef>
+                <a:spcPts val="500"/>
+              </a:spcBef>
+              <a:buFont typeface="Arial" panose="020B0604020202020204" pitchFamily="34" charset="0"/>
+              <a:buChar char="•"/>
+              <a:defRPr kumimoji="1" sz="1800" kern="1200">
+                <a:solidFill>
+                  <a:schemeClr val="tx1"/>
+                </a:solidFill>
+                <a:latin typeface="+mn-lt"/>
+                <a:ea typeface="+mn-ea"/>
+                <a:cs typeface="+mn-cs"/>
+              </a:defRPr>
+            </a:lvl8pPr>
+            <a:lvl9pPr marL="3886200" indent="-228600" algn="l" defTabSz="914400" rtl="0" eaLnBrk="1" latinLnBrk="0" hangingPunct="1">
+              <a:lnSpc>
+                <a:spcPct val="90000"/>
+              </a:lnSpc>
+              <a:spcBef>
+                <a:spcPts val="500"/>
+              </a:spcBef>
+              <a:buFont typeface="Arial" panose="020B0604020202020204" pitchFamily="34" charset="0"/>
+              <a:buChar char="•"/>
+              <a:defRPr kumimoji="1" sz="1800" kern="1200">
+                <a:solidFill>
+                  <a:schemeClr val="tx1"/>
+                </a:solidFill>
+                <a:latin typeface="+mn-lt"/>
+                <a:ea typeface="+mn-ea"/>
+                <a:cs typeface="+mn-cs"/>
+              </a:defRPr>
+            </a:lvl9pPr>
+          </a:lstStyle>
           <a:p>
             <a:pPr marL="0" indent="0">
+              <a:buFont typeface="Arial" panose="020B0604020202020204" pitchFamily="34" charset="0"/>
               <a:buNone/>
             </a:pPr>
-            <a:endParaRPr lang="en-US" altLang="ja-JP" dirty="0">
-              <a:solidFill>
-                <a:schemeClr val="bg1"/>
-              </a:solidFill>
-            </a:endParaRPr>
+            <a:r>
+              <a:rPr lang="ja-JP" altLang="en-US" dirty="0"/>
+              <a:t>このサンプルアプリでは、</a:t>
+            </a:r>
+            <a:r>
+              <a:rPr lang="en-US" altLang="ja-JP" dirty="0"/>
+              <a:t>Expo</a:t>
+            </a:r>
+            <a:r>
+              <a:rPr lang="ja-JP" altLang="en-US" dirty="0"/>
+              <a:t>と言われる開発</a:t>
+            </a:r>
+            <a:r>
+              <a:rPr lang="en-US" altLang="ja-JP" dirty="0"/>
+              <a:t>/build</a:t>
+            </a:r>
+            <a:r>
+              <a:rPr lang="ja-JP" altLang="en-US" dirty="0"/>
+              <a:t>環境を導入して、</a:t>
+            </a:r>
+            <a:endParaRPr lang="en-US" altLang="ja-JP" dirty="0"/>
           </a:p>
           <a:p>
             <a:pPr marL="0" indent="0">
+              <a:buFont typeface="Arial" panose="020B0604020202020204" pitchFamily="34" charset="0"/>
               <a:buNone/>
             </a:pPr>
             <a:r>
-              <a:rPr lang="en-US" altLang="ja-JP" dirty="0" smtClean="0">
-                <a:solidFill>
-                  <a:schemeClr val="bg1"/>
-                </a:solidFill>
-              </a:rPr>
-              <a:t>~~~</a:t>
-            </a:r>
-          </a:p>
-          <a:p>
-            <a:pPr marL="0" indent="0">
-              <a:buNone/>
-            </a:pPr>
-            <a:r>
-              <a:rPr lang="en-US" altLang="ja-JP" dirty="0" smtClean="0">
-                <a:solidFill>
-                  <a:schemeClr val="bg1"/>
-                </a:solidFill>
-              </a:rPr>
-              <a:t>cd dairy</a:t>
-            </a:r>
+              <a:rPr lang="en-US" altLang="ja-JP" dirty="0" err="1"/>
+              <a:t>ReactNative</a:t>
+            </a:r>
+            <a:r>
+              <a:rPr lang="ja-JP" altLang="en-US" dirty="0"/>
+              <a:t>のスマホアプリを開発していきます。　</a:t>
+            </a:r>
+            <a:endParaRPr lang="en-US" altLang="ja-JP" dirty="0"/>
           </a:p>
         </p:txBody>
       </p:sp>
@@ -3302,7 +3704,7 @@
         </p:nvSpPr>
         <p:spPr>
           <a:xfrm>
-            <a:off x="431799" y="1151432"/>
+            <a:off x="431799" y="3265045"/>
             <a:ext cx="11379200" cy="804888"/>
           </a:xfrm>
           <a:prstGeom prst="rect">
@@ -3483,15 +3885,15 @@
               <a:buNone/>
             </a:pPr>
             <a:r>
-              <a:rPr lang="en-US" altLang="ja-JP" dirty="0" smtClean="0"/>
+              <a:rPr lang="en-US" altLang="ja-JP" dirty="0"/>
               <a:t>【Expo</a:t>
             </a:r>
             <a:r>
-              <a:rPr lang="ja-JP" altLang="en-US" dirty="0" smtClean="0"/>
-              <a:t>コマンドでプロジェクト作成</a:t>
-            </a:r>
-            <a:r>
-              <a:rPr lang="en-US" altLang="ja-JP" dirty="0" smtClean="0"/>
+              <a:rPr lang="ja-JP" altLang="en-US" dirty="0"/>
+              <a:t>導入コマンド</a:t>
+            </a:r>
+            <a:r>
+              <a:rPr lang="en-US" altLang="ja-JP" dirty="0"/>
               <a:t>】</a:t>
             </a:r>
           </a:p>
@@ -3501,17 +3903,41 @@
               <a:buNone/>
             </a:pPr>
             <a:r>
-              <a:rPr lang="ja-JP" altLang="en-US" dirty="0" smtClean="0"/>
-              <a:t>　以下のコマンドでプロジェクトを作成してください。また、プロジェクト構成の選択も同じものを作成してください。</a:t>
-            </a:r>
-            <a:endParaRPr lang="en-US" altLang="ja-JP" sz="1400" dirty="0" smtClean="0"/>
+              <a:rPr lang="ja-JP" altLang="en-US" dirty="0"/>
+              <a:t>　</a:t>
+            </a:r>
+            <a:r>
+              <a:rPr lang="en-US" altLang="ja-JP" sz="1400" dirty="0" err="1"/>
+              <a:t>npm</a:t>
+            </a:r>
+            <a:r>
+              <a:rPr lang="ja-JP" altLang="en-US" sz="1400" dirty="0"/>
+              <a:t>または</a:t>
+            </a:r>
+            <a:r>
+              <a:rPr lang="en-US" altLang="ja-JP" sz="1400" dirty="0"/>
+              <a:t>yarn</a:t>
+            </a:r>
+            <a:r>
+              <a:rPr lang="ja-JP" altLang="en-US" sz="1400" dirty="0"/>
+              <a:t>コマンドから</a:t>
+            </a:r>
+            <a:r>
+              <a:rPr lang="en-US" altLang="ja-JP" sz="1400" dirty="0"/>
+              <a:t>expo</a:t>
+            </a:r>
+            <a:r>
+              <a:rPr lang="ja-JP" altLang="en-US" sz="1400" dirty="0"/>
+              <a:t>を導入してください。</a:t>
+            </a:r>
+            <a:endParaRPr lang="en-US" altLang="ja-JP" sz="1400" dirty="0"/>
           </a:p>
         </p:txBody>
       </p:sp>
     </p:spTree>
     <p:extLst>
       <p:ext uri="{BB962C8B-B14F-4D97-AF65-F5344CB8AC3E}">
-        <p14:creationId xmlns:p14="http://schemas.microsoft.com/office/powerpoint/2010/main" val="1605116490"/>
+        <p14:creationId xmlns:p14="http://schemas.microsoft.com/office/powerpoint/2010/main" val="2366671179"/>
       </p:ext>
     </p:extLst>
   </p:cSld>
@@ -3554,20 +3980,8 @@
           <a:lstStyle/>
           <a:p>
             <a:r>
-              <a:rPr lang="ja-JP" altLang="en-US" dirty="0" smtClean="0"/>
-              <a:t>１－</a:t>
-            </a:r>
-            <a:r>
-              <a:rPr lang="en-US" altLang="ja-JP" dirty="0" smtClean="0"/>
-              <a:t>3</a:t>
-            </a:r>
-            <a:r>
-              <a:rPr lang="ja-JP" altLang="en-US" dirty="0" err="1" smtClean="0"/>
-              <a:t>．</a:t>
-            </a:r>
-            <a:r>
-              <a:rPr lang="ja-JP" altLang="en-US" dirty="0" smtClean="0"/>
-              <a:t>プロジェクト作成</a:t>
+              <a:rPr lang="ja-JP" altLang="en-US" dirty="0"/>
+              <a:t>１－２．プロジェクト作成</a:t>
             </a:r>
             <a:endParaRPr kumimoji="1" lang="ja-JP" altLang="en-US" dirty="0"/>
           </a:p>
@@ -3586,7 +4000,7 @@
         <p:spPr>
           <a:xfrm>
             <a:off x="716612" y="2328265"/>
-            <a:ext cx="11019436" cy="3757742"/>
+            <a:ext cx="11019436" cy="1444745"/>
           </a:xfrm>
           <a:solidFill>
             <a:schemeClr val="tx1">
@@ -3603,28 +4017,83 @@
               <a:buNone/>
             </a:pPr>
             <a:r>
-              <a:rPr lang="en-US" altLang="ja-JP" dirty="0" smtClean="0">
+              <a:rPr lang="en-US" altLang="ja-JP" dirty="0">
                 <a:solidFill>
                   <a:schemeClr val="bg1"/>
                 </a:solidFill>
               </a:rPr>
-              <a:t>expo</a:t>
-            </a:r>
-            <a:r>
-              <a:rPr lang="ja-JP" altLang="en-US" dirty="0" smtClean="0">
+              <a:t>expo </a:t>
+            </a:r>
+            <a:r>
+              <a:rPr lang="en-US" altLang="ja-JP" dirty="0" err="1">
                 <a:solidFill>
                   <a:schemeClr val="bg1"/>
                 </a:solidFill>
               </a:rPr>
-              <a:t>　</a:t>
-            </a:r>
-            <a:r>
-              <a:rPr lang="en-US" altLang="ja-JP" dirty="0" smtClean="0">
+              <a:t>init</a:t>
+            </a:r>
+            <a:r>
+              <a:rPr lang="en-US" altLang="ja-JP" dirty="0">
                 <a:solidFill>
                   <a:schemeClr val="bg1"/>
                 </a:solidFill>
               </a:rPr>
-              <a:t>start</a:t>
+              <a:t> dairy</a:t>
+            </a:r>
+          </a:p>
+          <a:p>
+            <a:pPr marL="0" indent="0">
+              <a:buNone/>
+            </a:pPr>
+            <a:r>
+              <a:rPr lang="en-US" altLang="ja-JP" dirty="0">
+                <a:solidFill>
+                  <a:schemeClr val="bg1"/>
+                </a:solidFill>
+              </a:rPr>
+              <a:t>tabs</a:t>
+            </a:r>
+            <a:r>
+              <a:rPr lang="ja-JP" altLang="en-US" dirty="0">
+                <a:solidFill>
+                  <a:schemeClr val="bg1"/>
+                </a:solidFill>
+              </a:rPr>
+              <a:t>　　</a:t>
+            </a:r>
+            <a:r>
+              <a:rPr lang="en-US" altLang="ja-JP" dirty="0">
+                <a:solidFill>
+                  <a:schemeClr val="bg1"/>
+                </a:solidFill>
+              </a:rPr>
+              <a:t>// tabs</a:t>
+            </a:r>
+            <a:r>
+              <a:rPr lang="ja-JP" altLang="en-US" dirty="0">
+                <a:solidFill>
+                  <a:schemeClr val="bg1"/>
+                </a:solidFill>
+              </a:rPr>
+              <a:t>を選択してください</a:t>
+            </a:r>
+            <a:endParaRPr lang="en-US" altLang="ja-JP" dirty="0">
+              <a:solidFill>
+                <a:schemeClr val="bg1"/>
+              </a:solidFill>
+            </a:endParaRPr>
+          </a:p>
+          <a:p>
+            <a:pPr marL="0" indent="0">
+              <a:buNone/>
+            </a:pPr>
+            <a:r>
+              <a:rPr lang="en-US" altLang="ja-JP" dirty="0">
+                <a:solidFill>
+                  <a:schemeClr val="bg1"/>
+                </a:solidFill>
+              </a:rPr>
+              <a:t>cd dairy</a:t>
             </a:r>
           </a:p>
         </p:txBody>
@@ -3820,15 +4289,15 @@
               <a:buNone/>
             </a:pPr>
             <a:r>
-              <a:rPr lang="en-US" altLang="ja-JP" dirty="0" smtClean="0"/>
-              <a:t>【</a:t>
-            </a:r>
-            <a:r>
-              <a:rPr lang="ja-JP" altLang="en-US" dirty="0" smtClean="0"/>
-              <a:t>プロジェクト起動＆初期画面の表示</a:t>
-            </a:r>
-            <a:r>
-              <a:rPr lang="en-US" altLang="ja-JP" dirty="0" smtClean="0"/>
+              <a:rPr lang="en-US" altLang="ja-JP" dirty="0"/>
+              <a:t>【Expo</a:t>
+            </a:r>
+            <a:r>
+              <a:rPr lang="ja-JP" altLang="en-US" dirty="0"/>
+              <a:t>コマンドでプロジェクト作成</a:t>
+            </a:r>
+            <a:r>
+              <a:rPr lang="en-US" altLang="ja-JP" dirty="0"/>
               <a:t>】</a:t>
             </a:r>
           </a:p>
@@ -3838,25 +4307,264 @@
               <a:buNone/>
             </a:pPr>
             <a:r>
-              <a:rPr lang="ja-JP" altLang="en-US" dirty="0" smtClean="0"/>
-              <a:t>　以下のコマンドでプロジェクトを起動して、</a:t>
-            </a:r>
-            <a:r>
-              <a:rPr lang="en-US" altLang="ja-JP" dirty="0" smtClean="0"/>
-              <a:t>QR</a:t>
-            </a:r>
-            <a:r>
-              <a:rPr lang="ja-JP" altLang="en-US" dirty="0" smtClean="0"/>
-              <a:t>コードが表示されれば成功です。</a:t>
-            </a:r>
-            <a:endParaRPr lang="en-US" altLang="ja-JP" dirty="0" smtClean="0"/>
+              <a:rPr lang="ja-JP" altLang="en-US" dirty="0"/>
+              <a:t>　以下のコマンドでプロジェクトを作成してください。</a:t>
+            </a:r>
+            <a:endParaRPr lang="en-US" altLang="ja-JP" sz="1400" dirty="0"/>
+          </a:p>
+        </p:txBody>
+      </p:sp>
+      <p:sp>
+        <p:nvSpPr>
+          <p:cNvPr id="5" name="コンテンツ プレースホルダー 5">
+            <a:extLst>
+              <a:ext uri="{FF2B5EF4-FFF2-40B4-BE49-F238E27FC236}">
+                <a16:creationId xmlns:a16="http://schemas.microsoft.com/office/drawing/2014/main" id="{137192A9-FD70-4651-8EE9-BFC479782C4A}"/>
+              </a:ext>
+            </a:extLst>
+          </p:cNvPr>
+          <p:cNvSpPr txBox="1">
+            <a:spLocks/>
+          </p:cNvSpPr>
+          <p:nvPr/>
+        </p:nvSpPr>
+        <p:spPr>
+          <a:xfrm>
+            <a:off x="431799" y="4144955"/>
+            <a:ext cx="11379200" cy="804888"/>
+          </a:xfrm>
+          <a:prstGeom prst="rect">
+            <a:avLst/>
+          </a:prstGeom>
+        </p:spPr>
+        <p:txBody>
+          <a:bodyPr vert="horz" lIns="91440" tIns="45720" rIns="91440" bIns="45720" rtlCol="0">
+            <a:normAutofit/>
+          </a:bodyPr>
+          <a:lstStyle>
+            <a:lvl1pPr marL="228600" indent="-228600" algn="l" defTabSz="914400" rtl="0" eaLnBrk="1" latinLnBrk="0" hangingPunct="1">
+              <a:lnSpc>
+                <a:spcPct val="90000"/>
+              </a:lnSpc>
+              <a:spcBef>
+                <a:spcPts val="1000"/>
+              </a:spcBef>
+              <a:buFont typeface="Arial" panose="020B0604020202020204" pitchFamily="34" charset="0"/>
+              <a:buChar char="•"/>
+              <a:defRPr kumimoji="1" sz="2000" kern="1200">
+                <a:solidFill>
+                  <a:schemeClr val="tx1"/>
+                </a:solidFill>
+                <a:latin typeface="Meiryo UI" panose="020B0604030504040204" pitchFamily="50" charset="-128"/>
+                <a:ea typeface="Meiryo UI" panose="020B0604030504040204" pitchFamily="50" charset="-128"/>
+                <a:cs typeface="+mn-cs"/>
+              </a:defRPr>
+            </a:lvl1pPr>
+            <a:lvl2pPr marL="685800" indent="-228600" algn="l" defTabSz="914400" rtl="0" eaLnBrk="1" latinLnBrk="0" hangingPunct="1">
+              <a:lnSpc>
+                <a:spcPct val="90000"/>
+              </a:lnSpc>
+              <a:spcBef>
+                <a:spcPts val="500"/>
+              </a:spcBef>
+              <a:buFont typeface="Arial" panose="020B0604020202020204" pitchFamily="34" charset="0"/>
+              <a:buChar char="•"/>
+              <a:defRPr kumimoji="1" sz="1800" kern="1200">
+                <a:solidFill>
+                  <a:schemeClr val="tx1"/>
+                </a:solidFill>
+                <a:latin typeface="Meiryo UI" panose="020B0604030504040204" pitchFamily="50" charset="-128"/>
+                <a:ea typeface="Meiryo UI" panose="020B0604030504040204" pitchFamily="50" charset="-128"/>
+                <a:cs typeface="+mn-cs"/>
+              </a:defRPr>
+            </a:lvl2pPr>
+            <a:lvl3pPr marL="1143000" indent="-228600" algn="l" defTabSz="914400" rtl="0" eaLnBrk="1" latinLnBrk="0" hangingPunct="1">
+              <a:lnSpc>
+                <a:spcPct val="90000"/>
+              </a:lnSpc>
+              <a:spcBef>
+                <a:spcPts val="500"/>
+              </a:spcBef>
+              <a:buFont typeface="Arial" panose="020B0604020202020204" pitchFamily="34" charset="0"/>
+              <a:buChar char="•"/>
+              <a:defRPr kumimoji="1" sz="1600" kern="1200">
+                <a:solidFill>
+                  <a:schemeClr val="tx1"/>
+                </a:solidFill>
+                <a:latin typeface="Meiryo UI" panose="020B0604030504040204" pitchFamily="50" charset="-128"/>
+                <a:ea typeface="Meiryo UI" panose="020B0604030504040204" pitchFamily="50" charset="-128"/>
+                <a:cs typeface="+mn-cs"/>
+              </a:defRPr>
+            </a:lvl3pPr>
+            <a:lvl4pPr marL="1600200" indent="-228600" algn="l" defTabSz="914400" rtl="0" eaLnBrk="1" latinLnBrk="0" hangingPunct="1">
+              <a:lnSpc>
+                <a:spcPct val="90000"/>
+              </a:lnSpc>
+              <a:spcBef>
+                <a:spcPts val="500"/>
+              </a:spcBef>
+              <a:buFont typeface="Arial" panose="020B0604020202020204" pitchFamily="34" charset="0"/>
+              <a:buChar char="•"/>
+              <a:defRPr kumimoji="1" sz="1400" kern="1200">
+                <a:solidFill>
+                  <a:schemeClr val="tx1"/>
+                </a:solidFill>
+                <a:latin typeface="Meiryo UI" panose="020B0604030504040204" pitchFamily="50" charset="-128"/>
+                <a:ea typeface="Meiryo UI" panose="020B0604030504040204" pitchFamily="50" charset="-128"/>
+                <a:cs typeface="+mn-cs"/>
+              </a:defRPr>
+            </a:lvl4pPr>
+            <a:lvl5pPr marL="2057400" indent="-228600" algn="l" defTabSz="914400" rtl="0" eaLnBrk="1" latinLnBrk="0" hangingPunct="1">
+              <a:lnSpc>
+                <a:spcPct val="90000"/>
+              </a:lnSpc>
+              <a:spcBef>
+                <a:spcPts val="500"/>
+              </a:spcBef>
+              <a:buFont typeface="Arial" panose="020B0604020202020204" pitchFamily="34" charset="0"/>
+              <a:buChar char="•"/>
+              <a:defRPr kumimoji="1" sz="1200" kern="1200">
+                <a:solidFill>
+                  <a:schemeClr val="tx1"/>
+                </a:solidFill>
+                <a:latin typeface="Meiryo UI" panose="020B0604030504040204" pitchFamily="50" charset="-128"/>
+                <a:ea typeface="Meiryo UI" panose="020B0604030504040204" pitchFamily="50" charset="-128"/>
+                <a:cs typeface="+mn-cs"/>
+              </a:defRPr>
+            </a:lvl5pPr>
+            <a:lvl6pPr marL="2514600" indent="-228600" algn="l" defTabSz="914400" rtl="0" eaLnBrk="1" latinLnBrk="0" hangingPunct="1">
+              <a:lnSpc>
+                <a:spcPct val="90000"/>
+              </a:lnSpc>
+              <a:spcBef>
+                <a:spcPts val="500"/>
+              </a:spcBef>
+              <a:buFont typeface="Arial" panose="020B0604020202020204" pitchFamily="34" charset="0"/>
+              <a:buChar char="•"/>
+              <a:defRPr kumimoji="1" sz="1800" kern="1200">
+                <a:solidFill>
+                  <a:schemeClr val="tx1"/>
+                </a:solidFill>
+                <a:latin typeface="+mn-lt"/>
+                <a:ea typeface="+mn-ea"/>
+                <a:cs typeface="+mn-cs"/>
+              </a:defRPr>
+            </a:lvl6pPr>
+            <a:lvl7pPr marL="2971800" indent="-228600" algn="l" defTabSz="914400" rtl="0" eaLnBrk="1" latinLnBrk="0" hangingPunct="1">
+              <a:lnSpc>
+                <a:spcPct val="90000"/>
+              </a:lnSpc>
+              <a:spcBef>
+                <a:spcPts val="500"/>
+              </a:spcBef>
+              <a:buFont typeface="Arial" panose="020B0604020202020204" pitchFamily="34" charset="0"/>
+              <a:buChar char="•"/>
+              <a:defRPr kumimoji="1" sz="1800" kern="1200">
+                <a:solidFill>
+                  <a:schemeClr val="tx1"/>
+                </a:solidFill>
+                <a:latin typeface="+mn-lt"/>
+                <a:ea typeface="+mn-ea"/>
+                <a:cs typeface="+mn-cs"/>
+              </a:defRPr>
+            </a:lvl7pPr>
+            <a:lvl8pPr marL="3429000" indent="-228600" algn="l" defTabSz="914400" rtl="0" eaLnBrk="1" latinLnBrk="0" hangingPunct="1">
+              <a:lnSpc>
+                <a:spcPct val="90000"/>
+              </a:lnSpc>
+              <a:spcBef>
+                <a:spcPts val="500"/>
+              </a:spcBef>
+              <a:buFont typeface="Arial" panose="020B0604020202020204" pitchFamily="34" charset="0"/>
+              <a:buChar char="•"/>
+              <a:defRPr kumimoji="1" sz="1800" kern="1200">
+                <a:solidFill>
+                  <a:schemeClr val="tx1"/>
+                </a:solidFill>
+                <a:latin typeface="+mn-lt"/>
+                <a:ea typeface="+mn-ea"/>
+                <a:cs typeface="+mn-cs"/>
+              </a:defRPr>
+            </a:lvl8pPr>
+            <a:lvl9pPr marL="3886200" indent="-228600" algn="l" defTabSz="914400" rtl="0" eaLnBrk="1" latinLnBrk="0" hangingPunct="1">
+              <a:lnSpc>
+                <a:spcPct val="90000"/>
+              </a:lnSpc>
+              <a:spcBef>
+                <a:spcPts val="500"/>
+              </a:spcBef>
+              <a:buFont typeface="Arial" panose="020B0604020202020204" pitchFamily="34" charset="0"/>
+              <a:buChar char="•"/>
+              <a:defRPr kumimoji="1" sz="1800" kern="1200">
+                <a:solidFill>
+                  <a:schemeClr val="tx1"/>
+                </a:solidFill>
+                <a:latin typeface="+mn-lt"/>
+                <a:ea typeface="+mn-ea"/>
+                <a:cs typeface="+mn-cs"/>
+              </a:defRPr>
+            </a:lvl9pPr>
+          </a:lstStyle>
+          <a:p>
+            <a:pPr marL="0" indent="0">
+              <a:buFont typeface="Arial" panose="020B0604020202020204" pitchFamily="34" charset="0"/>
+              <a:buNone/>
+            </a:pPr>
+            <a:r>
+              <a:rPr lang="ja-JP" altLang="en-US" sz="1400" dirty="0"/>
+              <a:t>プロジェクトの作成するときに</a:t>
+            </a:r>
+            <a:r>
+              <a:rPr lang="en-US" altLang="ja-JP" sz="1400" dirty="0"/>
+              <a:t>tabs</a:t>
+            </a:r>
+            <a:r>
+              <a:rPr lang="ja-JP" altLang="en-US" sz="1400" dirty="0"/>
+              <a:t>と</a:t>
+            </a:r>
+            <a:r>
+              <a:rPr lang="en-US" altLang="ja-JP" sz="1400" dirty="0"/>
+              <a:t>blank</a:t>
+            </a:r>
+            <a:r>
+              <a:rPr lang="ja-JP" altLang="en-US" sz="1400" dirty="0"/>
+              <a:t>を選択可能です。</a:t>
+            </a:r>
+            <a:endParaRPr lang="en-US" altLang="ja-JP" sz="1400" dirty="0"/>
+          </a:p>
+          <a:p>
+            <a:pPr marL="0" indent="0">
+              <a:buFont typeface="Arial" panose="020B0604020202020204" pitchFamily="34" charset="0"/>
+              <a:buNone/>
+            </a:pPr>
+            <a:r>
+              <a:rPr lang="ja-JP" altLang="en-US" sz="1400" dirty="0"/>
+              <a:t>今回は</a:t>
+            </a:r>
+            <a:r>
+              <a:rPr lang="en-US" altLang="ja-JP" sz="1400" dirty="0"/>
+              <a:t>tabs</a:t>
+            </a:r>
+            <a:r>
+              <a:rPr lang="ja-JP" altLang="en-US" sz="1400" dirty="0"/>
+              <a:t>を選択して、</a:t>
+            </a:r>
+            <a:r>
+              <a:rPr lang="en-US" altLang="ja-JP" sz="1400" dirty="0"/>
+              <a:t>Navigation</a:t>
+            </a:r>
+            <a:r>
+              <a:rPr lang="ja-JP" altLang="en-US" sz="1400" dirty="0"/>
+              <a:t>のサンプルソースを改修しながらアプリを作成してきます。</a:t>
+            </a:r>
+            <a:endParaRPr lang="en-US" altLang="ja-JP" sz="1400" dirty="0"/>
           </a:p>
         </p:txBody>
       </p:sp>
     </p:spTree>
     <p:extLst>
       <p:ext uri="{BB962C8B-B14F-4D97-AF65-F5344CB8AC3E}">
-        <p14:creationId xmlns:p14="http://schemas.microsoft.com/office/powerpoint/2010/main" val="3837347620"/>
+        <p14:creationId xmlns:p14="http://schemas.microsoft.com/office/powerpoint/2010/main" val="1605116490"/>
       </p:ext>
     </p:extLst>
   </p:cSld>
@@ -3899,22 +4607,78 @@
           <a:lstStyle/>
           <a:p>
             <a:r>
-              <a:rPr lang="ja-JP" altLang="en-US" dirty="0" smtClean="0"/>
+              <a:rPr lang="ja-JP" altLang="en-US" dirty="0"/>
               <a:t>１－</a:t>
             </a:r>
             <a:r>
               <a:rPr lang="en-US" altLang="ja-JP" dirty="0"/>
-              <a:t>4</a:t>
-            </a:r>
-            <a:r>
-              <a:rPr lang="ja-JP" altLang="en-US" dirty="0" err="1" smtClean="0"/>
+              <a:t>3</a:t>
+            </a:r>
+            <a:r>
+              <a:rPr lang="ja-JP" altLang="en-US" dirty="0" err="1"/>
               <a:t>．</a:t>
             </a:r>
             <a:r>
-              <a:rPr lang="ja-JP" altLang="en-US" dirty="0" smtClean="0"/>
+              <a:rPr lang="ja-JP" altLang="en-US" dirty="0"/>
               <a:t>プロジェクト作成</a:t>
             </a:r>
             <a:endParaRPr kumimoji="1" lang="ja-JP" altLang="en-US" dirty="0"/>
+          </a:p>
+        </p:txBody>
+      </p:sp>
+      <p:sp>
+        <p:nvSpPr>
+          <p:cNvPr id="3" name="コンテンツ プレースホルダー 2"/>
+          <p:cNvSpPr>
+            <a:spLocks noGrp="1"/>
+          </p:cNvSpPr>
+          <p:nvPr>
+            <p:ph idx="1"/>
+          </p:nvPr>
+        </p:nvSpPr>
+        <p:spPr>
+          <a:xfrm>
+            <a:off x="716612" y="2328265"/>
+            <a:ext cx="11019436" cy="512589"/>
+          </a:xfrm>
+          <a:solidFill>
+            <a:schemeClr val="tx1">
+              <a:lumMod val="75000"/>
+              <a:lumOff val="25000"/>
+            </a:schemeClr>
+          </a:solidFill>
+        </p:spPr>
+        <p:txBody>
+          <a:bodyPr/>
+          <a:lstStyle/>
+          <a:p>
+            <a:pPr marL="0" indent="0">
+              <a:buNone/>
+            </a:pPr>
+            <a:r>
+              <a:rPr lang="en-US" altLang="ja-JP" dirty="0">
+                <a:solidFill>
+                  <a:schemeClr val="bg1"/>
+                </a:solidFill>
+              </a:rPr>
+              <a:t>expo</a:t>
+            </a:r>
+            <a:r>
+              <a:rPr lang="ja-JP" altLang="en-US" dirty="0">
+                <a:solidFill>
+                  <a:schemeClr val="bg1"/>
+                </a:solidFill>
+              </a:rPr>
+              <a:t>　</a:t>
+            </a:r>
+            <a:r>
+              <a:rPr lang="en-US" altLang="ja-JP" dirty="0">
+                <a:solidFill>
+                  <a:schemeClr val="bg1"/>
+                </a:solidFill>
+              </a:rPr>
+              <a:t>start</a:t>
+            </a:r>
           </a:p>
         </p:txBody>
       </p:sp>
@@ -3929,6 +4693,236 @@
         <p:spPr>
           <a:xfrm>
             <a:off x="431799" y="1151432"/>
+            <a:ext cx="11379200" cy="804888"/>
+          </a:xfrm>
+          <a:prstGeom prst="rect">
+            <a:avLst/>
+          </a:prstGeom>
+        </p:spPr>
+        <p:txBody>
+          <a:bodyPr vert="horz" lIns="91440" tIns="45720" rIns="91440" bIns="45720" rtlCol="0">
+            <a:normAutofit/>
+          </a:bodyPr>
+          <a:lstStyle>
+            <a:lvl1pPr marL="228600" indent="-228600" algn="l" defTabSz="914400" rtl="0" eaLnBrk="1" latinLnBrk="0" hangingPunct="1">
+              <a:lnSpc>
+                <a:spcPct val="90000"/>
+              </a:lnSpc>
+              <a:spcBef>
+                <a:spcPts val="1000"/>
+              </a:spcBef>
+              <a:buFont typeface="Arial" panose="020B0604020202020204" pitchFamily="34" charset="0"/>
+              <a:buChar char="•"/>
+              <a:defRPr kumimoji="1" sz="2000" kern="1200">
+                <a:solidFill>
+                  <a:schemeClr val="tx1"/>
+                </a:solidFill>
+                <a:latin typeface="Meiryo UI" panose="020B0604030504040204" pitchFamily="50" charset="-128"/>
+                <a:ea typeface="Meiryo UI" panose="020B0604030504040204" pitchFamily="50" charset="-128"/>
+                <a:cs typeface="+mn-cs"/>
+              </a:defRPr>
+            </a:lvl1pPr>
+            <a:lvl2pPr marL="685800" indent="-228600" algn="l" defTabSz="914400" rtl="0" eaLnBrk="1" latinLnBrk="0" hangingPunct="1">
+              <a:lnSpc>
+                <a:spcPct val="90000"/>
+              </a:lnSpc>
+              <a:spcBef>
+                <a:spcPts val="500"/>
+              </a:spcBef>
+              <a:buFont typeface="Arial" panose="020B0604020202020204" pitchFamily="34" charset="0"/>
+              <a:buChar char="•"/>
+              <a:defRPr kumimoji="1" sz="1800" kern="1200">
+                <a:solidFill>
+                  <a:schemeClr val="tx1"/>
+                </a:solidFill>
+                <a:latin typeface="Meiryo UI" panose="020B0604030504040204" pitchFamily="50" charset="-128"/>
+                <a:ea typeface="Meiryo UI" panose="020B0604030504040204" pitchFamily="50" charset="-128"/>
+                <a:cs typeface="+mn-cs"/>
+              </a:defRPr>
+            </a:lvl2pPr>
+            <a:lvl3pPr marL="1143000" indent="-228600" algn="l" defTabSz="914400" rtl="0" eaLnBrk="1" latinLnBrk="0" hangingPunct="1">
+              <a:lnSpc>
+                <a:spcPct val="90000"/>
+              </a:lnSpc>
+              <a:spcBef>
+                <a:spcPts val="500"/>
+              </a:spcBef>
+              <a:buFont typeface="Arial" panose="020B0604020202020204" pitchFamily="34" charset="0"/>
+              <a:buChar char="•"/>
+              <a:defRPr kumimoji="1" sz="1600" kern="1200">
+                <a:solidFill>
+                  <a:schemeClr val="tx1"/>
+                </a:solidFill>
+                <a:latin typeface="Meiryo UI" panose="020B0604030504040204" pitchFamily="50" charset="-128"/>
+                <a:ea typeface="Meiryo UI" panose="020B0604030504040204" pitchFamily="50" charset="-128"/>
+                <a:cs typeface="+mn-cs"/>
+              </a:defRPr>
+            </a:lvl3pPr>
+            <a:lvl4pPr marL="1600200" indent="-228600" algn="l" defTabSz="914400" rtl="0" eaLnBrk="1" latinLnBrk="0" hangingPunct="1">
+              <a:lnSpc>
+                <a:spcPct val="90000"/>
+              </a:lnSpc>
+              <a:spcBef>
+                <a:spcPts val="500"/>
+              </a:spcBef>
+              <a:buFont typeface="Arial" panose="020B0604020202020204" pitchFamily="34" charset="0"/>
+              <a:buChar char="•"/>
+              <a:defRPr kumimoji="1" sz="1400" kern="1200">
+                <a:solidFill>
+                  <a:schemeClr val="tx1"/>
+                </a:solidFill>
+                <a:latin typeface="Meiryo UI" panose="020B0604030504040204" pitchFamily="50" charset="-128"/>
+                <a:ea typeface="Meiryo UI" panose="020B0604030504040204" pitchFamily="50" charset="-128"/>
+                <a:cs typeface="+mn-cs"/>
+              </a:defRPr>
+            </a:lvl4pPr>
+            <a:lvl5pPr marL="2057400" indent="-228600" algn="l" defTabSz="914400" rtl="0" eaLnBrk="1" latinLnBrk="0" hangingPunct="1">
+              <a:lnSpc>
+                <a:spcPct val="90000"/>
+              </a:lnSpc>
+              <a:spcBef>
+                <a:spcPts val="500"/>
+              </a:spcBef>
+              <a:buFont typeface="Arial" panose="020B0604020202020204" pitchFamily="34" charset="0"/>
+              <a:buChar char="•"/>
+              <a:defRPr kumimoji="1" sz="1200" kern="1200">
+                <a:solidFill>
+                  <a:schemeClr val="tx1"/>
+                </a:solidFill>
+                <a:latin typeface="Meiryo UI" panose="020B0604030504040204" pitchFamily="50" charset="-128"/>
+                <a:ea typeface="Meiryo UI" panose="020B0604030504040204" pitchFamily="50" charset="-128"/>
+                <a:cs typeface="+mn-cs"/>
+              </a:defRPr>
+            </a:lvl5pPr>
+            <a:lvl6pPr marL="2514600" indent="-228600" algn="l" defTabSz="914400" rtl="0" eaLnBrk="1" latinLnBrk="0" hangingPunct="1">
+              <a:lnSpc>
+                <a:spcPct val="90000"/>
+              </a:lnSpc>
+              <a:spcBef>
+                <a:spcPts val="500"/>
+              </a:spcBef>
+              <a:buFont typeface="Arial" panose="020B0604020202020204" pitchFamily="34" charset="0"/>
+              <a:buChar char="•"/>
+              <a:defRPr kumimoji="1" sz="1800" kern="1200">
+                <a:solidFill>
+                  <a:schemeClr val="tx1"/>
+                </a:solidFill>
+                <a:latin typeface="+mn-lt"/>
+                <a:ea typeface="+mn-ea"/>
+                <a:cs typeface="+mn-cs"/>
+              </a:defRPr>
+            </a:lvl6pPr>
+            <a:lvl7pPr marL="2971800" indent="-228600" algn="l" defTabSz="914400" rtl="0" eaLnBrk="1" latinLnBrk="0" hangingPunct="1">
+              <a:lnSpc>
+                <a:spcPct val="90000"/>
+              </a:lnSpc>
+              <a:spcBef>
+                <a:spcPts val="500"/>
+              </a:spcBef>
+              <a:buFont typeface="Arial" panose="020B0604020202020204" pitchFamily="34" charset="0"/>
+              <a:buChar char="•"/>
+              <a:defRPr kumimoji="1" sz="1800" kern="1200">
+                <a:solidFill>
+                  <a:schemeClr val="tx1"/>
+                </a:solidFill>
+                <a:latin typeface="+mn-lt"/>
+                <a:ea typeface="+mn-ea"/>
+                <a:cs typeface="+mn-cs"/>
+              </a:defRPr>
+            </a:lvl7pPr>
+            <a:lvl8pPr marL="3429000" indent="-228600" algn="l" defTabSz="914400" rtl="0" eaLnBrk="1" latinLnBrk="0" hangingPunct="1">
+              <a:lnSpc>
+                <a:spcPct val="90000"/>
+              </a:lnSpc>
+              <a:spcBef>
+                <a:spcPts val="500"/>
+              </a:spcBef>
+              <a:buFont typeface="Arial" panose="020B0604020202020204" pitchFamily="34" charset="0"/>
+              <a:buChar char="•"/>
+              <a:defRPr kumimoji="1" sz="1800" kern="1200">
+                <a:solidFill>
+                  <a:schemeClr val="tx1"/>
+                </a:solidFill>
+                <a:latin typeface="+mn-lt"/>
+                <a:ea typeface="+mn-ea"/>
+                <a:cs typeface="+mn-cs"/>
+              </a:defRPr>
+            </a:lvl8pPr>
+            <a:lvl9pPr marL="3886200" indent="-228600" algn="l" defTabSz="914400" rtl="0" eaLnBrk="1" latinLnBrk="0" hangingPunct="1">
+              <a:lnSpc>
+                <a:spcPct val="90000"/>
+              </a:lnSpc>
+              <a:spcBef>
+                <a:spcPts val="500"/>
+              </a:spcBef>
+              <a:buFont typeface="Arial" panose="020B0604020202020204" pitchFamily="34" charset="0"/>
+              <a:buChar char="•"/>
+              <a:defRPr kumimoji="1" sz="1800" kern="1200">
+                <a:solidFill>
+                  <a:schemeClr val="tx1"/>
+                </a:solidFill>
+                <a:latin typeface="+mn-lt"/>
+                <a:ea typeface="+mn-ea"/>
+                <a:cs typeface="+mn-cs"/>
+              </a:defRPr>
+            </a:lvl9pPr>
+          </a:lstStyle>
+          <a:p>
+            <a:pPr marL="0" indent="0">
+              <a:buFont typeface="Arial" panose="020B0604020202020204" pitchFamily="34" charset="0"/>
+              <a:buNone/>
+            </a:pPr>
+            <a:r>
+              <a:rPr lang="en-US" altLang="ja-JP" dirty="0"/>
+              <a:t>【</a:t>
+            </a:r>
+            <a:r>
+              <a:rPr lang="ja-JP" altLang="en-US" dirty="0"/>
+              <a:t>プロジェクト起動＆初期画面の表示</a:t>
+            </a:r>
+            <a:r>
+              <a:rPr lang="en-US" altLang="ja-JP" dirty="0"/>
+              <a:t>】</a:t>
+            </a:r>
+          </a:p>
+          <a:p>
+            <a:pPr marL="0" indent="0">
+              <a:buFont typeface="Arial" panose="020B0604020202020204" pitchFamily="34" charset="0"/>
+              <a:buNone/>
+            </a:pPr>
+            <a:r>
+              <a:rPr lang="ja-JP" altLang="en-US" dirty="0"/>
+              <a:t>　以下のコマンドでプロジェクトを起動して、</a:t>
+            </a:r>
+            <a:r>
+              <a:rPr lang="en-US" altLang="ja-JP" dirty="0"/>
+              <a:t>QR</a:t>
+            </a:r>
+            <a:r>
+              <a:rPr lang="ja-JP" altLang="en-US" dirty="0"/>
+              <a:t>コードが表示されれば成功です。</a:t>
+            </a:r>
+            <a:endParaRPr lang="en-US" altLang="ja-JP" dirty="0"/>
+          </a:p>
+        </p:txBody>
+      </p:sp>
+      <p:sp>
+        <p:nvSpPr>
+          <p:cNvPr id="5" name="コンテンツ プレースホルダー 5">
+            <a:extLst>
+              <a:ext uri="{FF2B5EF4-FFF2-40B4-BE49-F238E27FC236}">
+                <a16:creationId xmlns:a16="http://schemas.microsoft.com/office/drawing/2014/main" id="{3820A0B8-B463-4D4D-A31B-2A4CCF2E6D20}"/>
+              </a:ext>
+            </a:extLst>
+          </p:cNvPr>
+          <p:cNvSpPr txBox="1">
+            <a:spLocks/>
+          </p:cNvSpPr>
+          <p:nvPr/>
+        </p:nvSpPr>
+        <p:spPr>
+          <a:xfrm>
+            <a:off x="431799" y="3413464"/>
             <a:ext cx="11379200" cy="2251335"/>
           </a:xfrm>
           <a:prstGeom prst="rect">
@@ -4109,15 +5103,15 @@
               <a:buNone/>
             </a:pPr>
             <a:r>
-              <a:rPr lang="en-US" altLang="ja-JP" dirty="0" smtClean="0"/>
+              <a:rPr lang="en-US" altLang="ja-JP" dirty="0"/>
               <a:t>【</a:t>
             </a:r>
             <a:r>
-              <a:rPr lang="ja-JP" altLang="en-US" dirty="0" smtClean="0"/>
+              <a:rPr lang="ja-JP" altLang="en-US" dirty="0"/>
               <a:t>スマートフォンでアプリ起動</a:t>
             </a:r>
             <a:r>
-              <a:rPr lang="en-US" altLang="ja-JP" dirty="0" smtClean="0"/>
+              <a:rPr lang="en-US" altLang="ja-JP" dirty="0"/>
               <a:t>】</a:t>
             </a:r>
           </a:p>
@@ -4127,10 +5121,30 @@
               <a:buNone/>
             </a:pPr>
             <a:r>
-              <a:rPr lang="ja-JP" altLang="en-US" dirty="0" smtClean="0"/>
-              <a:t>　スマートフォンでサンプルアプリを起動するために、以下二つの準備をしましょう。</a:t>
-            </a:r>
-            <a:endParaRPr lang="en-US" altLang="ja-JP" dirty="0" smtClean="0"/>
+              <a:rPr lang="en-US" altLang="ja-JP" dirty="0"/>
+              <a:t>Expo</a:t>
+            </a:r>
+            <a:r>
+              <a:rPr lang="ja-JP" altLang="en-US" dirty="0"/>
+              <a:t>の機能を利用する場合、</a:t>
+            </a:r>
+            <a:r>
+              <a:rPr lang="en-US" altLang="ja-JP" dirty="0"/>
+              <a:t>expo</a:t>
+            </a:r>
+            <a:r>
+              <a:rPr lang="ja-JP" altLang="en-US" dirty="0"/>
+              <a:t>の会員登録と</a:t>
+            </a:r>
+            <a:r>
+              <a:rPr lang="ja-JP" altLang="en-US" dirty="0" err="1"/>
+              <a:t>スマートフォンののアプリインストールが</a:t>
+            </a:r>
+            <a:r>
+              <a:rPr lang="ja-JP" altLang="en-US" dirty="0"/>
+              <a:t>必要です。</a:t>
+            </a:r>
+            <a:endParaRPr lang="en-US" altLang="ja-JP" dirty="0"/>
           </a:p>
           <a:p>
             <a:pPr marL="0" indent="0">
@@ -4145,37 +5159,100 @@
               <a:buNone/>
             </a:pPr>
             <a:r>
-              <a:rPr lang="ja-JP" altLang="en-US" dirty="0" smtClean="0"/>
-              <a:t>　・実機に</a:t>
-            </a:r>
-            <a:r>
-              <a:rPr lang="en-US" altLang="ja-JP" dirty="0" smtClean="0"/>
-              <a:t>Expo</a:t>
-            </a:r>
-            <a:r>
-              <a:rPr lang="ja-JP" altLang="en-US" dirty="0" smtClean="0"/>
-              <a:t>アプリをインストール</a:t>
-            </a:r>
-            <a:endParaRPr lang="en-US" altLang="ja-JP" dirty="0" smtClean="0"/>
+              <a:rPr lang="ja-JP" altLang="en-US" dirty="0"/>
+              <a:t>以下の</a:t>
+            </a:r>
+            <a:r>
+              <a:rPr lang="en-US" altLang="ja-JP" dirty="0"/>
+              <a:t>URL</a:t>
+            </a:r>
+            <a:r>
+              <a:rPr lang="ja-JP" altLang="en-US" dirty="0"/>
+              <a:t>にアクセスして、</a:t>
+            </a:r>
+            <a:r>
+              <a:rPr lang="en-US" altLang="ja-JP" dirty="0"/>
+              <a:t>expo</a:t>
+            </a:r>
+            <a:r>
+              <a:rPr lang="ja-JP" altLang="en-US" dirty="0"/>
+              <a:t>の会員登録をお願いいたします。</a:t>
+            </a:r>
+            <a:endParaRPr lang="en-US" altLang="ja-JP" dirty="0"/>
           </a:p>
           <a:p>
             <a:pPr marL="0" indent="0">
-              <a:buFont typeface="Arial" panose="020B0604020202020204" pitchFamily="34" charset="0"/>
               <a:buNone/>
             </a:pPr>
             <a:r>
-              <a:rPr lang="ja-JP" altLang="en-US" dirty="0" smtClean="0"/>
-              <a:t>　・</a:t>
-            </a:r>
-            <a:r>
-              <a:rPr lang="en-US" altLang="ja-JP" dirty="0" smtClean="0"/>
-              <a:t>Expo</a:t>
-            </a:r>
-            <a:r>
-              <a:rPr lang="ja-JP" altLang="en-US" dirty="0" smtClean="0"/>
-              <a:t>の会員登録</a:t>
-            </a:r>
-            <a:endParaRPr lang="en-US" altLang="ja-JP" dirty="0" smtClean="0"/>
+              <a:rPr lang="en-US" altLang="ja-JP" dirty="0"/>
+              <a:t>https://expo.io/login</a:t>
+            </a:r>
+          </a:p>
+        </p:txBody>
+      </p:sp>
+    </p:spTree>
+    <p:extLst>
+      <p:ext uri="{BB962C8B-B14F-4D97-AF65-F5344CB8AC3E}">
+        <p14:creationId xmlns:p14="http://schemas.microsoft.com/office/powerpoint/2010/main" val="3837347620"/>
+      </p:ext>
+    </p:extLst>
+  </p:cSld>
+  <p:clrMapOvr>
+    <a:masterClrMapping/>
+  </p:clrMapOvr>
+</p:sld>
+</file>
+
+<file path=ppt/slides/slide7.xml><?xml version="1.0" encoding="utf-8"?>
+<p:sld xmlns:a="http://schemas.openxmlformats.org/drawingml/2006/main" xmlns:r="http://schemas.openxmlformats.org/officeDocument/2006/relationships" xmlns:p="http://schemas.openxmlformats.org/presentationml/2006/main">
+  <p:cSld>
+    <p:spTree>
+      <p:nvGrpSpPr>
+        <p:cNvPr id="1" name=""/>
+        <p:cNvGrpSpPr/>
+        <p:nvPr/>
+      </p:nvGrpSpPr>
+      <p:grpSpPr>
+        <a:xfrm>
+          <a:off x="0" y="0"/>
+          <a:ext cx="0" cy="0"/>
+          <a:chOff x="0" y="0"/>
+          <a:chExt cx="0" cy="0"/>
+        </a:xfrm>
+      </p:grpSpPr>
+      <p:sp>
+        <p:nvSpPr>
+          <p:cNvPr id="2" name="タイトル 1"/>
+          <p:cNvSpPr>
+            <a:spLocks noGrp="1"/>
+          </p:cNvSpPr>
+          <p:nvPr>
+            <p:ph type="title"/>
+          </p:nvPr>
+        </p:nvSpPr>
+        <p:spPr/>
+        <p:txBody>
+          <a:bodyPr/>
+          <a:lstStyle/>
+          <a:p>
+            <a:r>
+              <a:rPr lang="ja-JP" altLang="en-US" dirty="0"/>
+              <a:t>１－</a:t>
+            </a:r>
+            <a:r>
+              <a:rPr lang="en-US" altLang="ja-JP" dirty="0"/>
+              <a:t>4</a:t>
+            </a:r>
+            <a:r>
+              <a:rPr lang="ja-JP" altLang="en-US" dirty="0" err="1"/>
+              <a:t>．</a:t>
+            </a:r>
+            <a:r>
+              <a:rPr lang="ja-JP" altLang="en-US" dirty="0"/>
+              <a:t>プロジェクト作成</a:t>
+            </a:r>
+            <a:endParaRPr kumimoji="1" lang="ja-JP" altLang="en-US" dirty="0"/>
           </a:p>
         </p:txBody>
       </p:sp>
@@ -4189,7 +5266,7 @@
         </p:nvSpPr>
         <p:spPr>
           <a:xfrm>
-            <a:off x="431799" y="3402767"/>
+            <a:off x="406400" y="1405291"/>
             <a:ext cx="11379200" cy="3028013"/>
           </a:xfrm>
           <a:prstGeom prst="rect">
@@ -4370,15 +5447,15 @@
               <a:buNone/>
             </a:pPr>
             <a:r>
-              <a:rPr lang="en-US" altLang="ja-JP" dirty="0" smtClean="0"/>
+              <a:rPr lang="en-US" altLang="ja-JP" dirty="0"/>
               <a:t>【Expo</a:t>
             </a:r>
             <a:r>
-              <a:rPr lang="ja-JP" altLang="en-US" dirty="0" smtClean="0"/>
+              <a:rPr lang="ja-JP" altLang="en-US" dirty="0"/>
               <a:t>の利点</a:t>
             </a:r>
             <a:r>
-              <a:rPr lang="en-US" altLang="ja-JP" dirty="0" smtClean="0"/>
+              <a:rPr lang="en-US" altLang="ja-JP" dirty="0"/>
               <a:t>】</a:t>
             </a:r>
           </a:p>
@@ -4388,30 +5465,30 @@
               <a:buNone/>
             </a:pPr>
             <a:r>
-              <a:rPr lang="en-US" altLang="ja-JP" dirty="0" err="1" smtClean="0"/>
+              <a:rPr lang="en-US" altLang="ja-JP" dirty="0" err="1"/>
               <a:t>ReactNative</a:t>
             </a:r>
             <a:r>
-              <a:rPr lang="ja-JP" altLang="en-US" dirty="0" smtClean="0"/>
+              <a:rPr lang="ja-JP" altLang="en-US" dirty="0"/>
               <a:t>のアプリは、</a:t>
             </a:r>
             <a:r>
-              <a:rPr lang="en-US" altLang="ja-JP" dirty="0" smtClean="0"/>
+              <a:rPr lang="en-US" altLang="ja-JP" dirty="0"/>
               <a:t>Expo</a:t>
             </a:r>
             <a:r>
-              <a:rPr lang="ja-JP" altLang="en-US" dirty="0" smtClean="0"/>
+              <a:rPr lang="ja-JP" altLang="en-US" dirty="0"/>
               <a:t>を利用する以外にも方法がありますが、</a:t>
             </a:r>
             <a:r>
-              <a:rPr lang="en-US" altLang="ja-JP" dirty="0" smtClean="0"/>
+              <a:rPr lang="en-US" altLang="ja-JP" dirty="0"/>
               <a:t>Expo</a:t>
             </a:r>
             <a:r>
-              <a:rPr lang="ja-JP" altLang="en-US" dirty="0" smtClean="0"/>
+              <a:rPr lang="ja-JP" altLang="en-US" dirty="0"/>
               <a:t>を使用するメリットは以下になります。</a:t>
             </a:r>
-            <a:endParaRPr lang="en-US" altLang="ja-JP" dirty="0" smtClean="0"/>
+            <a:endParaRPr lang="en-US" altLang="ja-JP" dirty="0"/>
           </a:p>
           <a:p>
             <a:pPr marL="0" indent="0">
@@ -4426,18 +5503,18 @@
               <a:buNone/>
             </a:pPr>
             <a:r>
-              <a:rPr lang="ja-JP" altLang="en-US" dirty="0" smtClean="0"/>
+              <a:rPr lang="ja-JP" altLang="en-US" dirty="0"/>
               <a:t>・実機でのテストが</a:t>
             </a:r>
             <a:r>
-              <a:rPr lang="en-US" altLang="ja-JP" dirty="0" smtClean="0"/>
+              <a:rPr lang="en-US" altLang="ja-JP" dirty="0"/>
               <a:t>QR</a:t>
             </a:r>
             <a:r>
-              <a:rPr lang="ja-JP" altLang="en-US" dirty="0" smtClean="0"/>
+              <a:rPr lang="ja-JP" altLang="en-US" dirty="0"/>
               <a:t>を読み込むことですぐにできる。</a:t>
             </a:r>
-            <a:endParaRPr lang="en-US" altLang="ja-JP" dirty="0" smtClean="0"/>
+            <a:endParaRPr lang="en-US" altLang="ja-JP" dirty="0"/>
           </a:p>
           <a:p>
             <a:pPr marL="0" indent="0">
@@ -4445,25 +5522,25 @@
               <a:buNone/>
             </a:pPr>
             <a:r>
-              <a:rPr lang="ja-JP" altLang="en-US" dirty="0" smtClean="0"/>
+              <a:rPr lang="ja-JP" altLang="en-US" dirty="0"/>
               <a:t>・</a:t>
             </a:r>
             <a:r>
-              <a:rPr lang="en-US" altLang="ja-JP" dirty="0" err="1" smtClean="0"/>
+              <a:rPr lang="en-US" altLang="ja-JP" dirty="0" err="1"/>
               <a:t>SQLLite</a:t>
             </a:r>
             <a:r>
-              <a:rPr lang="ja-JP" altLang="en-US" dirty="0" smtClean="0"/>
+              <a:rPr lang="ja-JP" altLang="en-US" dirty="0"/>
               <a:t>など様々なモジュールが最初からインストールされているため、手間が少ない。</a:t>
             </a:r>
-            <a:endParaRPr lang="en-US" altLang="ja-JP" dirty="0" smtClean="0"/>
+            <a:endParaRPr lang="en-US" altLang="ja-JP" dirty="0"/>
           </a:p>
           <a:p>
             <a:pPr marL="0" indent="0">
               <a:buFont typeface="Arial" panose="020B0604020202020204" pitchFamily="34" charset="0"/>
               <a:buNone/>
             </a:pPr>
-            <a:endParaRPr lang="en-US" altLang="ja-JP" dirty="0" smtClean="0"/>
+            <a:endParaRPr lang="en-US" altLang="ja-JP" dirty="0"/>
           </a:p>
           <a:p>
             <a:pPr marL="0" indent="0">
@@ -4471,10 +5548,10 @@
               <a:buNone/>
             </a:pPr>
             <a:r>
-              <a:rPr lang="ja-JP" altLang="en-US" dirty="0" smtClean="0"/>
+              <a:rPr lang="ja-JP" altLang="en-US" dirty="0"/>
               <a:t>日記アプリのような簡単なアプリは最小の労力で作成可能なため、</a:t>
             </a:r>
-            <a:endParaRPr lang="en-US" altLang="ja-JP" dirty="0" smtClean="0"/>
+            <a:endParaRPr lang="en-US" altLang="ja-JP" dirty="0"/>
           </a:p>
           <a:p>
             <a:pPr marL="0" indent="0">
@@ -4483,21 +5560,17 @@
             </a:pPr>
             <a:r>
               <a:rPr lang="ja-JP" altLang="en-US" dirty="0"/>
-              <a:t>特殊</a:t>
-            </a:r>
-            <a:r>
-              <a:rPr lang="ja-JP" altLang="en-US" dirty="0" smtClean="0"/>
-              <a:t>な要件がなければ</a:t>
-            </a:r>
-            <a:r>
-              <a:rPr lang="en-US" altLang="ja-JP" dirty="0" smtClean="0"/>
+              <a:t>特殊な要件がなければ</a:t>
+            </a:r>
+            <a:r>
+              <a:rPr lang="en-US" altLang="ja-JP" dirty="0"/>
               <a:t>Expo</a:t>
             </a:r>
             <a:r>
-              <a:rPr lang="ja-JP" altLang="en-US" dirty="0" smtClean="0"/>
+              <a:rPr lang="ja-JP" altLang="en-US" dirty="0"/>
               <a:t>で機能を十分に表現できます。</a:t>
             </a:r>
-            <a:endParaRPr lang="en-US" altLang="ja-JP" dirty="0" smtClean="0"/>
+            <a:endParaRPr lang="en-US" altLang="ja-JP" dirty="0"/>
           </a:p>
         </p:txBody>
       </p:sp>
@@ -4505,6 +5578,2412 @@
     <p:extLst>
       <p:ext uri="{BB962C8B-B14F-4D97-AF65-F5344CB8AC3E}">
         <p14:creationId xmlns:p14="http://schemas.microsoft.com/office/powerpoint/2010/main" val="4106177781"/>
+      </p:ext>
+    </p:extLst>
+  </p:cSld>
+  <p:clrMapOvr>
+    <a:masterClrMapping/>
+  </p:clrMapOvr>
+</p:sld>
+</file>
+
+<file path=ppt/slides/slide8.xml><?xml version="1.0" encoding="utf-8"?>
+<p:sld xmlns:a="http://schemas.openxmlformats.org/drawingml/2006/main" xmlns:r="http://schemas.openxmlformats.org/officeDocument/2006/relationships" xmlns:p="http://schemas.openxmlformats.org/presentationml/2006/main">
+  <p:cSld>
+    <p:spTree>
+      <p:nvGrpSpPr>
+        <p:cNvPr id="1" name=""/>
+        <p:cNvGrpSpPr/>
+        <p:nvPr/>
+      </p:nvGrpSpPr>
+      <p:grpSpPr>
+        <a:xfrm>
+          <a:off x="0" y="0"/>
+          <a:ext cx="0" cy="0"/>
+          <a:chOff x="0" y="0"/>
+          <a:chExt cx="0" cy="0"/>
+        </a:xfrm>
+      </p:grpSpPr>
+      <p:sp>
+        <p:nvSpPr>
+          <p:cNvPr id="2" name="タイトル 1"/>
+          <p:cNvSpPr>
+            <a:spLocks noGrp="1"/>
+          </p:cNvSpPr>
+          <p:nvPr>
+            <p:ph type="title"/>
+          </p:nvPr>
+        </p:nvSpPr>
+        <p:spPr/>
+        <p:txBody>
+          <a:bodyPr/>
+          <a:lstStyle/>
+          <a:p>
+            <a:r>
+              <a:rPr lang="ja-JP" altLang="en-US" dirty="0"/>
+              <a:t>２－１．アプリ概要</a:t>
+            </a:r>
+            <a:endParaRPr kumimoji="1" lang="ja-JP" altLang="en-US" dirty="0"/>
+          </a:p>
+        </p:txBody>
+      </p:sp>
+      <p:sp>
+        <p:nvSpPr>
+          <p:cNvPr id="7" name="コンテンツ プレースホルダー 5"/>
+          <p:cNvSpPr txBox="1">
+            <a:spLocks/>
+          </p:cNvSpPr>
+          <p:nvPr/>
+        </p:nvSpPr>
+        <p:spPr>
+          <a:xfrm>
+            <a:off x="406400" y="1138961"/>
+            <a:ext cx="11379200" cy="538919"/>
+          </a:xfrm>
+          <a:prstGeom prst="rect">
+            <a:avLst/>
+          </a:prstGeom>
+        </p:spPr>
+        <p:txBody>
+          <a:bodyPr vert="horz" lIns="91440" tIns="45720" rIns="91440" bIns="45720" rtlCol="0">
+            <a:normAutofit/>
+          </a:bodyPr>
+          <a:lstStyle>
+            <a:lvl1pPr marL="228600" indent="-228600" algn="l" defTabSz="914400" rtl="0" eaLnBrk="1" latinLnBrk="0" hangingPunct="1">
+              <a:lnSpc>
+                <a:spcPct val="90000"/>
+              </a:lnSpc>
+              <a:spcBef>
+                <a:spcPts val="1000"/>
+              </a:spcBef>
+              <a:buFont typeface="Arial" panose="020B0604020202020204" pitchFamily="34" charset="0"/>
+              <a:buChar char="•"/>
+              <a:defRPr kumimoji="1" sz="2000" kern="1200">
+                <a:solidFill>
+                  <a:schemeClr val="tx1"/>
+                </a:solidFill>
+                <a:latin typeface="Meiryo UI" panose="020B0604030504040204" pitchFamily="50" charset="-128"/>
+                <a:ea typeface="Meiryo UI" panose="020B0604030504040204" pitchFamily="50" charset="-128"/>
+                <a:cs typeface="+mn-cs"/>
+              </a:defRPr>
+            </a:lvl1pPr>
+            <a:lvl2pPr marL="685800" indent="-228600" algn="l" defTabSz="914400" rtl="0" eaLnBrk="1" latinLnBrk="0" hangingPunct="1">
+              <a:lnSpc>
+                <a:spcPct val="90000"/>
+              </a:lnSpc>
+              <a:spcBef>
+                <a:spcPts val="500"/>
+              </a:spcBef>
+              <a:buFont typeface="Arial" panose="020B0604020202020204" pitchFamily="34" charset="0"/>
+              <a:buChar char="•"/>
+              <a:defRPr kumimoji="1" sz="1800" kern="1200">
+                <a:solidFill>
+                  <a:schemeClr val="tx1"/>
+                </a:solidFill>
+                <a:latin typeface="Meiryo UI" panose="020B0604030504040204" pitchFamily="50" charset="-128"/>
+                <a:ea typeface="Meiryo UI" panose="020B0604030504040204" pitchFamily="50" charset="-128"/>
+                <a:cs typeface="+mn-cs"/>
+              </a:defRPr>
+            </a:lvl2pPr>
+            <a:lvl3pPr marL="1143000" indent="-228600" algn="l" defTabSz="914400" rtl="0" eaLnBrk="1" latinLnBrk="0" hangingPunct="1">
+              <a:lnSpc>
+                <a:spcPct val="90000"/>
+              </a:lnSpc>
+              <a:spcBef>
+                <a:spcPts val="500"/>
+              </a:spcBef>
+              <a:buFont typeface="Arial" panose="020B0604020202020204" pitchFamily="34" charset="0"/>
+              <a:buChar char="•"/>
+              <a:defRPr kumimoji="1" sz="1600" kern="1200">
+                <a:solidFill>
+                  <a:schemeClr val="tx1"/>
+                </a:solidFill>
+                <a:latin typeface="Meiryo UI" panose="020B0604030504040204" pitchFamily="50" charset="-128"/>
+                <a:ea typeface="Meiryo UI" panose="020B0604030504040204" pitchFamily="50" charset="-128"/>
+                <a:cs typeface="+mn-cs"/>
+              </a:defRPr>
+            </a:lvl3pPr>
+            <a:lvl4pPr marL="1600200" indent="-228600" algn="l" defTabSz="914400" rtl="0" eaLnBrk="1" latinLnBrk="0" hangingPunct="1">
+              <a:lnSpc>
+                <a:spcPct val="90000"/>
+              </a:lnSpc>
+              <a:spcBef>
+                <a:spcPts val="500"/>
+              </a:spcBef>
+              <a:buFont typeface="Arial" panose="020B0604020202020204" pitchFamily="34" charset="0"/>
+              <a:buChar char="•"/>
+              <a:defRPr kumimoji="1" sz="1400" kern="1200">
+                <a:solidFill>
+                  <a:schemeClr val="tx1"/>
+                </a:solidFill>
+                <a:latin typeface="Meiryo UI" panose="020B0604030504040204" pitchFamily="50" charset="-128"/>
+                <a:ea typeface="Meiryo UI" panose="020B0604030504040204" pitchFamily="50" charset="-128"/>
+                <a:cs typeface="+mn-cs"/>
+              </a:defRPr>
+            </a:lvl4pPr>
+            <a:lvl5pPr marL="2057400" indent="-228600" algn="l" defTabSz="914400" rtl="0" eaLnBrk="1" latinLnBrk="0" hangingPunct="1">
+              <a:lnSpc>
+                <a:spcPct val="90000"/>
+              </a:lnSpc>
+              <a:spcBef>
+                <a:spcPts val="500"/>
+              </a:spcBef>
+              <a:buFont typeface="Arial" panose="020B0604020202020204" pitchFamily="34" charset="0"/>
+              <a:buChar char="•"/>
+              <a:defRPr kumimoji="1" sz="1200" kern="1200">
+                <a:solidFill>
+                  <a:schemeClr val="tx1"/>
+                </a:solidFill>
+                <a:latin typeface="Meiryo UI" panose="020B0604030504040204" pitchFamily="50" charset="-128"/>
+                <a:ea typeface="Meiryo UI" panose="020B0604030504040204" pitchFamily="50" charset="-128"/>
+                <a:cs typeface="+mn-cs"/>
+              </a:defRPr>
+            </a:lvl5pPr>
+            <a:lvl6pPr marL="2514600" indent="-228600" algn="l" defTabSz="914400" rtl="0" eaLnBrk="1" latinLnBrk="0" hangingPunct="1">
+              <a:lnSpc>
+                <a:spcPct val="90000"/>
+              </a:lnSpc>
+              <a:spcBef>
+                <a:spcPts val="500"/>
+              </a:spcBef>
+              <a:buFont typeface="Arial" panose="020B0604020202020204" pitchFamily="34" charset="0"/>
+              <a:buChar char="•"/>
+              <a:defRPr kumimoji="1" sz="1800" kern="1200">
+                <a:solidFill>
+                  <a:schemeClr val="tx1"/>
+                </a:solidFill>
+                <a:latin typeface="+mn-lt"/>
+                <a:ea typeface="+mn-ea"/>
+                <a:cs typeface="+mn-cs"/>
+              </a:defRPr>
+            </a:lvl6pPr>
+            <a:lvl7pPr marL="2971800" indent="-228600" algn="l" defTabSz="914400" rtl="0" eaLnBrk="1" latinLnBrk="0" hangingPunct="1">
+              <a:lnSpc>
+                <a:spcPct val="90000"/>
+              </a:lnSpc>
+              <a:spcBef>
+                <a:spcPts val="500"/>
+              </a:spcBef>
+              <a:buFont typeface="Arial" panose="020B0604020202020204" pitchFamily="34" charset="0"/>
+              <a:buChar char="•"/>
+              <a:defRPr kumimoji="1" sz="1800" kern="1200">
+                <a:solidFill>
+                  <a:schemeClr val="tx1"/>
+                </a:solidFill>
+                <a:latin typeface="+mn-lt"/>
+                <a:ea typeface="+mn-ea"/>
+                <a:cs typeface="+mn-cs"/>
+              </a:defRPr>
+            </a:lvl7pPr>
+            <a:lvl8pPr marL="3429000" indent="-228600" algn="l" defTabSz="914400" rtl="0" eaLnBrk="1" latinLnBrk="0" hangingPunct="1">
+              <a:lnSpc>
+                <a:spcPct val="90000"/>
+              </a:lnSpc>
+              <a:spcBef>
+                <a:spcPts val="500"/>
+              </a:spcBef>
+              <a:buFont typeface="Arial" panose="020B0604020202020204" pitchFamily="34" charset="0"/>
+              <a:buChar char="•"/>
+              <a:defRPr kumimoji="1" sz="1800" kern="1200">
+                <a:solidFill>
+                  <a:schemeClr val="tx1"/>
+                </a:solidFill>
+                <a:latin typeface="+mn-lt"/>
+                <a:ea typeface="+mn-ea"/>
+                <a:cs typeface="+mn-cs"/>
+              </a:defRPr>
+            </a:lvl8pPr>
+            <a:lvl9pPr marL="3886200" indent="-228600" algn="l" defTabSz="914400" rtl="0" eaLnBrk="1" latinLnBrk="0" hangingPunct="1">
+              <a:lnSpc>
+                <a:spcPct val="90000"/>
+              </a:lnSpc>
+              <a:spcBef>
+                <a:spcPts val="500"/>
+              </a:spcBef>
+              <a:buFont typeface="Arial" panose="020B0604020202020204" pitchFamily="34" charset="0"/>
+              <a:buChar char="•"/>
+              <a:defRPr kumimoji="1" sz="1800" kern="1200">
+                <a:solidFill>
+                  <a:schemeClr val="tx1"/>
+                </a:solidFill>
+                <a:latin typeface="+mn-lt"/>
+                <a:ea typeface="+mn-ea"/>
+                <a:cs typeface="+mn-cs"/>
+              </a:defRPr>
+            </a:lvl9pPr>
+          </a:lstStyle>
+          <a:p>
+            <a:pPr marL="0" indent="0">
+              <a:buFont typeface="Arial" panose="020B0604020202020204" pitchFamily="34" charset="0"/>
+              <a:buNone/>
+            </a:pPr>
+            <a:r>
+              <a:rPr lang="en-US" altLang="ja-JP" dirty="0"/>
+              <a:t>【</a:t>
+            </a:r>
+            <a:r>
+              <a:rPr lang="ja-JP" altLang="en-US" dirty="0"/>
+              <a:t>日記アプリの画面構成</a:t>
+            </a:r>
+            <a:r>
+              <a:rPr lang="en-US" altLang="ja-JP" dirty="0"/>
+              <a:t>】</a:t>
+            </a:r>
+          </a:p>
+        </p:txBody>
+      </p:sp>
+      <p:sp>
+        <p:nvSpPr>
+          <p:cNvPr id="3" name="正方形/長方形 2">
+            <a:extLst>
+              <a:ext uri="{FF2B5EF4-FFF2-40B4-BE49-F238E27FC236}">
+                <a16:creationId xmlns:a16="http://schemas.microsoft.com/office/drawing/2014/main" id="{46BC49D8-F1AF-45E2-8691-CB4CE338A854}"/>
+              </a:ext>
+            </a:extLst>
+          </p:cNvPr>
+          <p:cNvSpPr/>
+          <p:nvPr/>
+        </p:nvSpPr>
+        <p:spPr>
+          <a:xfrm>
+            <a:off x="1162975" y="1940541"/>
+            <a:ext cx="1447060" cy="1988598"/>
+          </a:xfrm>
+          <a:prstGeom prst="rect">
+            <a:avLst/>
+          </a:prstGeom>
+        </p:spPr>
+        <p:style>
+          <a:lnRef idx="2">
+            <a:schemeClr val="accent1"/>
+          </a:lnRef>
+          <a:fillRef idx="1">
+            <a:schemeClr val="lt1"/>
+          </a:fillRef>
+          <a:effectRef idx="0">
+            <a:schemeClr val="accent1"/>
+          </a:effectRef>
+          <a:fontRef idx="minor">
+            <a:schemeClr val="dk1"/>
+          </a:fontRef>
+        </p:style>
+        <p:txBody>
+          <a:bodyPr rtlCol="0" anchor="ctr"/>
+          <a:lstStyle/>
+          <a:p>
+            <a:pPr algn="ctr"/>
+            <a:endParaRPr kumimoji="1" lang="ja-JP" altLang="en-US" dirty="0"/>
+          </a:p>
+        </p:txBody>
+      </p:sp>
+      <p:sp>
+        <p:nvSpPr>
+          <p:cNvPr id="4" name="正方形/長方形 3">
+            <a:extLst>
+              <a:ext uri="{FF2B5EF4-FFF2-40B4-BE49-F238E27FC236}">
+                <a16:creationId xmlns:a16="http://schemas.microsoft.com/office/drawing/2014/main" id="{EC56236D-19B6-46FB-A170-A53200627E70}"/>
+              </a:ext>
+            </a:extLst>
+          </p:cNvPr>
+          <p:cNvSpPr/>
+          <p:nvPr/>
+        </p:nvSpPr>
+        <p:spPr>
+          <a:xfrm>
+            <a:off x="1162976" y="1940540"/>
+            <a:ext cx="1447060" cy="1601650"/>
+          </a:xfrm>
+          <a:prstGeom prst="rect">
+            <a:avLst/>
+          </a:prstGeom>
+        </p:spPr>
+        <p:style>
+          <a:lnRef idx="2">
+            <a:schemeClr val="accent1"/>
+          </a:lnRef>
+          <a:fillRef idx="1">
+            <a:schemeClr val="lt1"/>
+          </a:fillRef>
+          <a:effectRef idx="0">
+            <a:schemeClr val="accent1"/>
+          </a:effectRef>
+          <a:fontRef idx="minor">
+            <a:schemeClr val="dk1"/>
+          </a:fontRef>
+        </p:style>
+        <p:txBody>
+          <a:bodyPr rtlCol="0" anchor="ctr"/>
+          <a:lstStyle/>
+          <a:p>
+            <a:pPr algn="ctr"/>
+            <a:endParaRPr kumimoji="1" lang="ja-JP" altLang="en-US" dirty="0"/>
+          </a:p>
+        </p:txBody>
+      </p:sp>
+      <p:sp>
+        <p:nvSpPr>
+          <p:cNvPr id="6" name="正方形/長方形 5">
+            <a:extLst>
+              <a:ext uri="{FF2B5EF4-FFF2-40B4-BE49-F238E27FC236}">
+                <a16:creationId xmlns:a16="http://schemas.microsoft.com/office/drawing/2014/main" id="{BD2C3677-487D-48A7-BF13-BBE0B8E9873E}"/>
+              </a:ext>
+            </a:extLst>
+          </p:cNvPr>
+          <p:cNvSpPr/>
+          <p:nvPr/>
+        </p:nvSpPr>
+        <p:spPr>
+          <a:xfrm>
+            <a:off x="1162975" y="3542190"/>
+            <a:ext cx="719091" cy="386949"/>
+          </a:xfrm>
+          <a:prstGeom prst="rect">
+            <a:avLst/>
+          </a:prstGeom>
+        </p:spPr>
+        <p:style>
+          <a:lnRef idx="1">
+            <a:schemeClr val="accent1"/>
+          </a:lnRef>
+          <a:fillRef idx="2">
+            <a:schemeClr val="accent1"/>
+          </a:fillRef>
+          <a:effectRef idx="1">
+            <a:schemeClr val="accent1"/>
+          </a:effectRef>
+          <a:fontRef idx="minor">
+            <a:schemeClr val="dk1"/>
+          </a:fontRef>
+        </p:style>
+        <p:txBody>
+          <a:bodyPr rtlCol="0" anchor="ctr"/>
+          <a:lstStyle/>
+          <a:p>
+            <a:pPr algn="ctr"/>
+            <a:r>
+              <a:rPr kumimoji="1" lang="ja-JP" altLang="en-US" sz="1000" dirty="0"/>
+              <a:t>ホーム</a:t>
+            </a:r>
+          </a:p>
+        </p:txBody>
+      </p:sp>
+      <p:sp>
+        <p:nvSpPr>
+          <p:cNvPr id="8" name="正方形/長方形 7">
+            <a:extLst>
+              <a:ext uri="{FF2B5EF4-FFF2-40B4-BE49-F238E27FC236}">
+                <a16:creationId xmlns:a16="http://schemas.microsoft.com/office/drawing/2014/main" id="{FF4DC7F4-AC1B-4C71-BE89-B05111FE937E}"/>
+              </a:ext>
+            </a:extLst>
+          </p:cNvPr>
+          <p:cNvSpPr/>
+          <p:nvPr/>
+        </p:nvSpPr>
+        <p:spPr>
+          <a:xfrm>
+            <a:off x="1882066" y="3542190"/>
+            <a:ext cx="719091" cy="386949"/>
+          </a:xfrm>
+          <a:prstGeom prst="rect">
+            <a:avLst/>
+          </a:prstGeom>
+        </p:spPr>
+        <p:style>
+          <a:lnRef idx="1">
+            <a:schemeClr val="accent1"/>
+          </a:lnRef>
+          <a:fillRef idx="2">
+            <a:schemeClr val="accent1"/>
+          </a:fillRef>
+          <a:effectRef idx="1">
+            <a:schemeClr val="accent1"/>
+          </a:effectRef>
+          <a:fontRef idx="minor">
+            <a:schemeClr val="dk1"/>
+          </a:fontRef>
+        </p:style>
+        <p:txBody>
+          <a:bodyPr rtlCol="0" anchor="ctr"/>
+          <a:lstStyle/>
+          <a:p>
+            <a:pPr algn="ctr"/>
+            <a:r>
+              <a:rPr lang="ja-JP" altLang="en-US" sz="1000" dirty="0"/>
+              <a:t>登録</a:t>
+            </a:r>
+            <a:endParaRPr kumimoji="1" lang="ja-JP" altLang="en-US" sz="1000" dirty="0"/>
+          </a:p>
+        </p:txBody>
+      </p:sp>
+      <p:sp>
+        <p:nvSpPr>
+          <p:cNvPr id="5" name="正方形/長方形 4">
+            <a:extLst>
+              <a:ext uri="{FF2B5EF4-FFF2-40B4-BE49-F238E27FC236}">
+                <a16:creationId xmlns:a16="http://schemas.microsoft.com/office/drawing/2014/main" id="{E5BB6DB9-99E3-481B-963C-E9237CD9F353}"/>
+              </a:ext>
+            </a:extLst>
+          </p:cNvPr>
+          <p:cNvSpPr/>
+          <p:nvPr/>
+        </p:nvSpPr>
+        <p:spPr>
+          <a:xfrm>
+            <a:off x="1154097" y="1676815"/>
+            <a:ext cx="1447060" cy="257452"/>
+          </a:xfrm>
+          <a:prstGeom prst="rect">
+            <a:avLst/>
+          </a:prstGeom>
+          <a:ln>
+            <a:noFill/>
+          </a:ln>
+        </p:spPr>
+        <p:style>
+          <a:lnRef idx="2">
+            <a:schemeClr val="dk1"/>
+          </a:lnRef>
+          <a:fillRef idx="1">
+            <a:schemeClr val="lt1"/>
+          </a:fillRef>
+          <a:effectRef idx="0">
+            <a:schemeClr val="dk1"/>
+          </a:effectRef>
+          <a:fontRef idx="minor">
+            <a:schemeClr val="dk1"/>
+          </a:fontRef>
+        </p:style>
+        <p:txBody>
+          <a:bodyPr rtlCol="0" anchor="ctr"/>
+          <a:lstStyle/>
+          <a:p>
+            <a:r>
+              <a:rPr kumimoji="1" lang="en-US" altLang="ja-JP" sz="1400" dirty="0"/>
+              <a:t>【</a:t>
+            </a:r>
+            <a:r>
+              <a:rPr kumimoji="1" lang="ja-JP" altLang="en-US" sz="1400" dirty="0"/>
+              <a:t>ホーム画面</a:t>
+            </a:r>
+            <a:r>
+              <a:rPr kumimoji="1" lang="en-US" altLang="ja-JP" sz="1400" dirty="0"/>
+              <a:t>】</a:t>
+            </a:r>
+            <a:endParaRPr kumimoji="1" lang="ja-JP" altLang="en-US" sz="1400" dirty="0"/>
+          </a:p>
+        </p:txBody>
+      </p:sp>
+      <p:sp>
+        <p:nvSpPr>
+          <p:cNvPr id="9" name="正方形/長方形 8">
+            <a:extLst>
+              <a:ext uri="{FF2B5EF4-FFF2-40B4-BE49-F238E27FC236}">
+                <a16:creationId xmlns:a16="http://schemas.microsoft.com/office/drawing/2014/main" id="{37609174-9895-46CE-B2C6-888CB0AE4538}"/>
+              </a:ext>
+            </a:extLst>
+          </p:cNvPr>
+          <p:cNvSpPr/>
+          <p:nvPr/>
+        </p:nvSpPr>
+        <p:spPr>
+          <a:xfrm>
+            <a:off x="1162975" y="1945690"/>
+            <a:ext cx="1447060" cy="257452"/>
+          </a:xfrm>
+          <a:prstGeom prst="rect">
+            <a:avLst/>
+          </a:prstGeom>
+        </p:spPr>
+        <p:style>
+          <a:lnRef idx="2">
+            <a:schemeClr val="dk1"/>
+          </a:lnRef>
+          <a:fillRef idx="1">
+            <a:schemeClr val="lt1"/>
+          </a:fillRef>
+          <a:effectRef idx="0">
+            <a:schemeClr val="dk1"/>
+          </a:effectRef>
+          <a:fontRef idx="minor">
+            <a:schemeClr val="dk1"/>
+          </a:fontRef>
+        </p:style>
+        <p:txBody>
+          <a:bodyPr rtlCol="0" anchor="ctr"/>
+          <a:lstStyle/>
+          <a:p>
+            <a:r>
+              <a:rPr kumimoji="1" lang="ja-JP" altLang="en-US" sz="1400" dirty="0"/>
+              <a:t>日記</a:t>
+            </a:r>
+          </a:p>
+        </p:txBody>
+      </p:sp>
+      <p:sp>
+        <p:nvSpPr>
+          <p:cNvPr id="10" name="正方形/長方形 9">
+            <a:extLst>
+              <a:ext uri="{FF2B5EF4-FFF2-40B4-BE49-F238E27FC236}">
+                <a16:creationId xmlns:a16="http://schemas.microsoft.com/office/drawing/2014/main" id="{4736E22B-CCE3-438A-AF27-A0210A10B2CA}"/>
+              </a:ext>
+            </a:extLst>
+          </p:cNvPr>
+          <p:cNvSpPr/>
+          <p:nvPr/>
+        </p:nvSpPr>
+        <p:spPr>
+          <a:xfrm>
+            <a:off x="1162975" y="2202077"/>
+            <a:ext cx="1447060" cy="257452"/>
+          </a:xfrm>
+          <a:prstGeom prst="rect">
+            <a:avLst/>
+          </a:prstGeom>
+        </p:spPr>
+        <p:style>
+          <a:lnRef idx="2">
+            <a:schemeClr val="dk1"/>
+          </a:lnRef>
+          <a:fillRef idx="1">
+            <a:schemeClr val="lt1"/>
+          </a:fillRef>
+          <a:effectRef idx="0">
+            <a:schemeClr val="dk1"/>
+          </a:effectRef>
+          <a:fontRef idx="minor">
+            <a:schemeClr val="dk1"/>
+          </a:fontRef>
+        </p:style>
+        <p:txBody>
+          <a:bodyPr rtlCol="0" anchor="ctr"/>
+          <a:lstStyle/>
+          <a:p>
+            <a:r>
+              <a:rPr kumimoji="1" lang="ja-JP" altLang="en-US" sz="1400" dirty="0"/>
+              <a:t>日記</a:t>
+            </a:r>
+          </a:p>
+        </p:txBody>
+      </p:sp>
+      <p:sp>
+        <p:nvSpPr>
+          <p:cNvPr id="11" name="正方形/長方形 10">
+            <a:extLst>
+              <a:ext uri="{FF2B5EF4-FFF2-40B4-BE49-F238E27FC236}">
+                <a16:creationId xmlns:a16="http://schemas.microsoft.com/office/drawing/2014/main" id="{626CE986-2068-4868-AA51-C0A881C7976D}"/>
+              </a:ext>
+            </a:extLst>
+          </p:cNvPr>
+          <p:cNvSpPr/>
+          <p:nvPr/>
+        </p:nvSpPr>
+        <p:spPr>
+          <a:xfrm>
+            <a:off x="1162975" y="2458464"/>
+            <a:ext cx="1447060" cy="257452"/>
+          </a:xfrm>
+          <a:prstGeom prst="rect">
+            <a:avLst/>
+          </a:prstGeom>
+        </p:spPr>
+        <p:style>
+          <a:lnRef idx="2">
+            <a:schemeClr val="dk1"/>
+          </a:lnRef>
+          <a:fillRef idx="1">
+            <a:schemeClr val="lt1"/>
+          </a:fillRef>
+          <a:effectRef idx="0">
+            <a:schemeClr val="dk1"/>
+          </a:effectRef>
+          <a:fontRef idx="minor">
+            <a:schemeClr val="dk1"/>
+          </a:fontRef>
+        </p:style>
+        <p:txBody>
+          <a:bodyPr rtlCol="0" anchor="ctr"/>
+          <a:lstStyle/>
+          <a:p>
+            <a:r>
+              <a:rPr kumimoji="1" lang="ja-JP" altLang="en-US" sz="1400" dirty="0"/>
+              <a:t>日記</a:t>
+            </a:r>
+          </a:p>
+        </p:txBody>
+      </p:sp>
+      <p:sp>
+        <p:nvSpPr>
+          <p:cNvPr id="12" name="正方形/長方形 11">
+            <a:extLst>
+              <a:ext uri="{FF2B5EF4-FFF2-40B4-BE49-F238E27FC236}">
+                <a16:creationId xmlns:a16="http://schemas.microsoft.com/office/drawing/2014/main" id="{CDF02CA1-C4C9-4A97-8209-840D9C6432C9}"/>
+              </a:ext>
+            </a:extLst>
+          </p:cNvPr>
+          <p:cNvSpPr/>
+          <p:nvPr/>
+        </p:nvSpPr>
+        <p:spPr>
+          <a:xfrm>
+            <a:off x="5088385" y="1697944"/>
+            <a:ext cx="1447060" cy="257452"/>
+          </a:xfrm>
+          <a:prstGeom prst="rect">
+            <a:avLst/>
+          </a:prstGeom>
+          <a:ln>
+            <a:noFill/>
+          </a:ln>
+        </p:spPr>
+        <p:style>
+          <a:lnRef idx="2">
+            <a:schemeClr val="dk1"/>
+          </a:lnRef>
+          <a:fillRef idx="1">
+            <a:schemeClr val="lt1"/>
+          </a:fillRef>
+          <a:effectRef idx="0">
+            <a:schemeClr val="dk1"/>
+          </a:effectRef>
+          <a:fontRef idx="minor">
+            <a:schemeClr val="dk1"/>
+          </a:fontRef>
+        </p:style>
+        <p:txBody>
+          <a:bodyPr rtlCol="0" anchor="ctr"/>
+          <a:lstStyle/>
+          <a:p>
+            <a:r>
+              <a:rPr kumimoji="1" lang="en-US" altLang="ja-JP" sz="1400" dirty="0"/>
+              <a:t>【</a:t>
+            </a:r>
+            <a:r>
+              <a:rPr kumimoji="1" lang="ja-JP" altLang="en-US" sz="1400" dirty="0"/>
+              <a:t>更新画面</a:t>
+            </a:r>
+            <a:r>
+              <a:rPr kumimoji="1" lang="en-US" altLang="ja-JP" sz="1400" dirty="0"/>
+              <a:t>】</a:t>
+            </a:r>
+            <a:endParaRPr kumimoji="1" lang="ja-JP" altLang="en-US" sz="1400" dirty="0"/>
+          </a:p>
+        </p:txBody>
+      </p:sp>
+      <p:sp>
+        <p:nvSpPr>
+          <p:cNvPr id="13" name="正方形/長方形 12">
+            <a:extLst>
+              <a:ext uri="{FF2B5EF4-FFF2-40B4-BE49-F238E27FC236}">
+                <a16:creationId xmlns:a16="http://schemas.microsoft.com/office/drawing/2014/main" id="{5BD1C8DE-EC55-411C-B613-E1F3C47C576F}"/>
+              </a:ext>
+            </a:extLst>
+          </p:cNvPr>
+          <p:cNvSpPr/>
+          <p:nvPr/>
+        </p:nvSpPr>
+        <p:spPr>
+          <a:xfrm>
+            <a:off x="5203795" y="1940540"/>
+            <a:ext cx="1447060" cy="1600896"/>
+          </a:xfrm>
+          <a:prstGeom prst="rect">
+            <a:avLst/>
+          </a:prstGeom>
+        </p:spPr>
+        <p:style>
+          <a:lnRef idx="2">
+            <a:schemeClr val="accent1"/>
+          </a:lnRef>
+          <a:fillRef idx="1">
+            <a:schemeClr val="lt1"/>
+          </a:fillRef>
+          <a:effectRef idx="0">
+            <a:schemeClr val="accent1"/>
+          </a:effectRef>
+          <a:fontRef idx="minor">
+            <a:schemeClr val="dk1"/>
+          </a:fontRef>
+        </p:style>
+        <p:txBody>
+          <a:bodyPr rtlCol="0" anchor="ctr"/>
+          <a:lstStyle/>
+          <a:p>
+            <a:pPr algn="ctr"/>
+            <a:endParaRPr kumimoji="1" lang="ja-JP" altLang="en-US" dirty="0"/>
+          </a:p>
+        </p:txBody>
+      </p:sp>
+      <p:sp>
+        <p:nvSpPr>
+          <p:cNvPr id="16" name="正方形/長方形 15">
+            <a:extLst>
+              <a:ext uri="{FF2B5EF4-FFF2-40B4-BE49-F238E27FC236}">
+                <a16:creationId xmlns:a16="http://schemas.microsoft.com/office/drawing/2014/main" id="{81476B57-F430-426B-BB73-4E185818B651}"/>
+              </a:ext>
+            </a:extLst>
+          </p:cNvPr>
+          <p:cNvSpPr/>
+          <p:nvPr/>
+        </p:nvSpPr>
+        <p:spPr>
+          <a:xfrm>
+            <a:off x="5208234" y="4343015"/>
+            <a:ext cx="1447060" cy="1601650"/>
+          </a:xfrm>
+          <a:prstGeom prst="rect">
+            <a:avLst/>
+          </a:prstGeom>
+        </p:spPr>
+        <p:style>
+          <a:lnRef idx="2">
+            <a:schemeClr val="accent1"/>
+          </a:lnRef>
+          <a:fillRef idx="1">
+            <a:schemeClr val="lt1"/>
+          </a:fillRef>
+          <a:effectRef idx="0">
+            <a:schemeClr val="accent1"/>
+          </a:effectRef>
+          <a:fontRef idx="minor">
+            <a:schemeClr val="dk1"/>
+          </a:fontRef>
+        </p:style>
+        <p:txBody>
+          <a:bodyPr rtlCol="0" anchor="ctr"/>
+          <a:lstStyle/>
+          <a:p>
+            <a:pPr algn="ctr"/>
+            <a:endParaRPr kumimoji="1" lang="ja-JP" altLang="en-US" dirty="0"/>
+          </a:p>
+        </p:txBody>
+      </p:sp>
+      <p:sp>
+        <p:nvSpPr>
+          <p:cNvPr id="17" name="正方形/長方形 16">
+            <a:extLst>
+              <a:ext uri="{FF2B5EF4-FFF2-40B4-BE49-F238E27FC236}">
+                <a16:creationId xmlns:a16="http://schemas.microsoft.com/office/drawing/2014/main" id="{13F52CF8-4DDD-4EC3-993A-F45C81CB0712}"/>
+              </a:ext>
+            </a:extLst>
+          </p:cNvPr>
+          <p:cNvSpPr/>
+          <p:nvPr/>
+        </p:nvSpPr>
+        <p:spPr>
+          <a:xfrm>
+            <a:off x="5203795" y="4085563"/>
+            <a:ext cx="1447060" cy="257452"/>
+          </a:xfrm>
+          <a:prstGeom prst="rect">
+            <a:avLst/>
+          </a:prstGeom>
+          <a:ln>
+            <a:noFill/>
+          </a:ln>
+        </p:spPr>
+        <p:style>
+          <a:lnRef idx="2">
+            <a:schemeClr val="dk1"/>
+          </a:lnRef>
+          <a:fillRef idx="1">
+            <a:schemeClr val="lt1"/>
+          </a:fillRef>
+          <a:effectRef idx="0">
+            <a:schemeClr val="dk1"/>
+          </a:effectRef>
+          <a:fontRef idx="minor">
+            <a:schemeClr val="dk1"/>
+          </a:fontRef>
+        </p:style>
+        <p:txBody>
+          <a:bodyPr rtlCol="0" anchor="ctr"/>
+          <a:lstStyle/>
+          <a:p>
+            <a:r>
+              <a:rPr kumimoji="1" lang="en-US" altLang="ja-JP" sz="1400" dirty="0"/>
+              <a:t>【</a:t>
+            </a:r>
+            <a:r>
+              <a:rPr lang="ja-JP" altLang="en-US" sz="1400" dirty="0"/>
+              <a:t>登録</a:t>
+            </a:r>
+            <a:r>
+              <a:rPr kumimoji="1" lang="ja-JP" altLang="en-US" sz="1400" dirty="0"/>
+              <a:t>画面</a:t>
+            </a:r>
+            <a:r>
+              <a:rPr kumimoji="1" lang="en-US" altLang="ja-JP" sz="1400" dirty="0"/>
+              <a:t>】</a:t>
+            </a:r>
+            <a:endParaRPr kumimoji="1" lang="ja-JP" altLang="en-US" sz="1400" dirty="0"/>
+          </a:p>
+        </p:txBody>
+      </p:sp>
+      <p:sp>
+        <p:nvSpPr>
+          <p:cNvPr id="18" name="正方形/長方形 17">
+            <a:extLst>
+              <a:ext uri="{FF2B5EF4-FFF2-40B4-BE49-F238E27FC236}">
+                <a16:creationId xmlns:a16="http://schemas.microsoft.com/office/drawing/2014/main" id="{FB490A5F-EC07-4759-A4DC-6F098C6753F5}"/>
+              </a:ext>
+            </a:extLst>
+          </p:cNvPr>
+          <p:cNvSpPr/>
+          <p:nvPr/>
+        </p:nvSpPr>
+        <p:spPr>
+          <a:xfrm>
+            <a:off x="5208234" y="5949281"/>
+            <a:ext cx="719091" cy="386949"/>
+          </a:xfrm>
+          <a:prstGeom prst="rect">
+            <a:avLst/>
+          </a:prstGeom>
+        </p:spPr>
+        <p:style>
+          <a:lnRef idx="1">
+            <a:schemeClr val="accent1"/>
+          </a:lnRef>
+          <a:fillRef idx="2">
+            <a:schemeClr val="accent1"/>
+          </a:fillRef>
+          <a:effectRef idx="1">
+            <a:schemeClr val="accent1"/>
+          </a:effectRef>
+          <a:fontRef idx="minor">
+            <a:schemeClr val="dk1"/>
+          </a:fontRef>
+        </p:style>
+        <p:txBody>
+          <a:bodyPr rtlCol="0" anchor="ctr"/>
+          <a:lstStyle/>
+          <a:p>
+            <a:pPr algn="ctr"/>
+            <a:r>
+              <a:rPr kumimoji="1" lang="ja-JP" altLang="en-US" sz="1000" dirty="0"/>
+              <a:t>ホーム</a:t>
+            </a:r>
+          </a:p>
+        </p:txBody>
+      </p:sp>
+      <p:sp>
+        <p:nvSpPr>
+          <p:cNvPr id="19" name="正方形/長方形 18">
+            <a:extLst>
+              <a:ext uri="{FF2B5EF4-FFF2-40B4-BE49-F238E27FC236}">
+                <a16:creationId xmlns:a16="http://schemas.microsoft.com/office/drawing/2014/main" id="{A80EFADD-1D3B-4873-BC6F-DB640456A338}"/>
+              </a:ext>
+            </a:extLst>
+          </p:cNvPr>
+          <p:cNvSpPr/>
+          <p:nvPr/>
+        </p:nvSpPr>
+        <p:spPr>
+          <a:xfrm>
+            <a:off x="5931764" y="5949281"/>
+            <a:ext cx="719091" cy="386949"/>
+          </a:xfrm>
+          <a:prstGeom prst="rect">
+            <a:avLst/>
+          </a:prstGeom>
+        </p:spPr>
+        <p:style>
+          <a:lnRef idx="1">
+            <a:schemeClr val="accent1"/>
+          </a:lnRef>
+          <a:fillRef idx="2">
+            <a:schemeClr val="accent1"/>
+          </a:fillRef>
+          <a:effectRef idx="1">
+            <a:schemeClr val="accent1"/>
+          </a:effectRef>
+          <a:fontRef idx="minor">
+            <a:schemeClr val="dk1"/>
+          </a:fontRef>
+        </p:style>
+        <p:txBody>
+          <a:bodyPr rtlCol="0" anchor="ctr"/>
+          <a:lstStyle/>
+          <a:p>
+            <a:pPr algn="ctr"/>
+            <a:r>
+              <a:rPr lang="ja-JP" altLang="en-US" sz="1000" dirty="0"/>
+              <a:t>登録</a:t>
+            </a:r>
+            <a:endParaRPr kumimoji="1" lang="ja-JP" altLang="en-US" sz="1000" dirty="0"/>
+          </a:p>
+        </p:txBody>
+      </p:sp>
+      <p:cxnSp>
+        <p:nvCxnSpPr>
+          <p:cNvPr id="21" name="コネクタ: カギ線 20">
+            <a:extLst>
+              <a:ext uri="{FF2B5EF4-FFF2-40B4-BE49-F238E27FC236}">
+                <a16:creationId xmlns:a16="http://schemas.microsoft.com/office/drawing/2014/main" id="{5A427DA2-811C-48A6-9A85-0AFE606969E0}"/>
+              </a:ext>
+            </a:extLst>
+          </p:cNvPr>
+          <p:cNvCxnSpPr>
+            <a:cxnSpLocks/>
+            <a:stCxn id="9" idx="3"/>
+            <a:endCxn id="13" idx="1"/>
+          </p:cNvCxnSpPr>
+          <p:nvPr/>
+        </p:nvCxnSpPr>
+        <p:spPr>
+          <a:xfrm>
+            <a:off x="2610035" y="2074416"/>
+            <a:ext cx="2593760" cy="666572"/>
+          </a:xfrm>
+          <a:prstGeom prst="bentConnector3">
+            <a:avLst/>
+          </a:prstGeom>
+          <a:ln>
+            <a:tailEnd type="triangle"/>
+          </a:ln>
+        </p:spPr>
+        <p:style>
+          <a:lnRef idx="1">
+            <a:schemeClr val="accent1"/>
+          </a:lnRef>
+          <a:fillRef idx="0">
+            <a:schemeClr val="accent1"/>
+          </a:fillRef>
+          <a:effectRef idx="0">
+            <a:schemeClr val="accent1"/>
+          </a:effectRef>
+          <a:fontRef idx="minor">
+            <a:schemeClr val="tx1"/>
+          </a:fontRef>
+        </p:style>
+      </p:cxnSp>
+      <p:cxnSp>
+        <p:nvCxnSpPr>
+          <p:cNvPr id="24" name="コネクタ: カギ線 23">
+            <a:extLst>
+              <a:ext uri="{FF2B5EF4-FFF2-40B4-BE49-F238E27FC236}">
+                <a16:creationId xmlns:a16="http://schemas.microsoft.com/office/drawing/2014/main" id="{D409A645-0F99-4EE8-8A32-CC568BBBE708}"/>
+              </a:ext>
+            </a:extLst>
+          </p:cNvPr>
+          <p:cNvCxnSpPr>
+            <a:cxnSpLocks/>
+            <a:stCxn id="8" idx="2"/>
+            <a:endCxn id="16" idx="1"/>
+          </p:cNvCxnSpPr>
+          <p:nvPr/>
+        </p:nvCxnSpPr>
+        <p:spPr>
+          <a:xfrm rot="16200000" flipH="1">
+            <a:off x="3117573" y="3053178"/>
+            <a:ext cx="1214701" cy="2966622"/>
+          </a:xfrm>
+          <a:prstGeom prst="bentConnector2">
+            <a:avLst/>
+          </a:prstGeom>
+          <a:ln>
+            <a:tailEnd type="triangle"/>
+          </a:ln>
+        </p:spPr>
+        <p:style>
+          <a:lnRef idx="1">
+            <a:schemeClr val="accent1"/>
+          </a:lnRef>
+          <a:fillRef idx="0">
+            <a:schemeClr val="accent1"/>
+          </a:fillRef>
+          <a:effectRef idx="0">
+            <a:schemeClr val="accent1"/>
+          </a:effectRef>
+          <a:fontRef idx="minor">
+            <a:schemeClr val="tx1"/>
+          </a:fontRef>
+        </p:style>
+      </p:cxnSp>
+      <p:cxnSp>
+        <p:nvCxnSpPr>
+          <p:cNvPr id="31" name="コネクタ: カギ線 30">
+            <a:extLst>
+              <a:ext uri="{FF2B5EF4-FFF2-40B4-BE49-F238E27FC236}">
+                <a16:creationId xmlns:a16="http://schemas.microsoft.com/office/drawing/2014/main" id="{610A650E-3EA0-4EF7-BE00-60D231D2B1E2}"/>
+              </a:ext>
+            </a:extLst>
+          </p:cNvPr>
+          <p:cNvCxnSpPr>
+            <a:cxnSpLocks/>
+            <a:stCxn id="6" idx="2"/>
+            <a:endCxn id="11" idx="1"/>
+          </p:cNvCxnSpPr>
+          <p:nvPr/>
+        </p:nvCxnSpPr>
+        <p:spPr>
+          <a:xfrm rot="5400000" flipH="1">
+            <a:off x="671773" y="3078392"/>
+            <a:ext cx="1341949" cy="359546"/>
+          </a:xfrm>
+          <a:prstGeom prst="bentConnector4">
+            <a:avLst>
+              <a:gd name="adj1" fmla="val -17035"/>
+              <a:gd name="adj2" fmla="val 212962"/>
+            </a:avLst>
+          </a:prstGeom>
+          <a:ln>
+            <a:tailEnd type="triangle"/>
+          </a:ln>
+        </p:spPr>
+        <p:style>
+          <a:lnRef idx="1">
+            <a:schemeClr val="accent1"/>
+          </a:lnRef>
+          <a:fillRef idx="0">
+            <a:schemeClr val="accent1"/>
+          </a:fillRef>
+          <a:effectRef idx="0">
+            <a:schemeClr val="accent1"/>
+          </a:effectRef>
+          <a:fontRef idx="minor">
+            <a:schemeClr val="tx1"/>
+          </a:fontRef>
+        </p:style>
+      </p:cxnSp>
+      <p:sp>
+        <p:nvSpPr>
+          <p:cNvPr id="35" name="コンテンツ プレースホルダー 5">
+            <a:extLst>
+              <a:ext uri="{FF2B5EF4-FFF2-40B4-BE49-F238E27FC236}">
+                <a16:creationId xmlns:a16="http://schemas.microsoft.com/office/drawing/2014/main" id="{D6D70D2A-FE97-4446-A039-B933D6112240}"/>
+              </a:ext>
+            </a:extLst>
+          </p:cNvPr>
+          <p:cNvSpPr txBox="1">
+            <a:spLocks/>
+          </p:cNvSpPr>
+          <p:nvPr/>
+        </p:nvSpPr>
+        <p:spPr>
+          <a:xfrm>
+            <a:off x="6803256" y="1697944"/>
+            <a:ext cx="5138265" cy="3042732"/>
+          </a:xfrm>
+          <a:prstGeom prst="rect">
+            <a:avLst/>
+          </a:prstGeom>
+        </p:spPr>
+        <p:txBody>
+          <a:bodyPr vert="horz" lIns="91440" tIns="45720" rIns="91440" bIns="45720" rtlCol="0">
+            <a:normAutofit/>
+          </a:bodyPr>
+          <a:lstStyle>
+            <a:lvl1pPr marL="228600" indent="-228600" algn="l" defTabSz="914400" rtl="0" eaLnBrk="1" latinLnBrk="0" hangingPunct="1">
+              <a:lnSpc>
+                <a:spcPct val="90000"/>
+              </a:lnSpc>
+              <a:spcBef>
+                <a:spcPts val="1000"/>
+              </a:spcBef>
+              <a:buFont typeface="Arial" panose="020B0604020202020204" pitchFamily="34" charset="0"/>
+              <a:buChar char="•"/>
+              <a:defRPr kumimoji="1" sz="2000" kern="1200">
+                <a:solidFill>
+                  <a:schemeClr val="tx1"/>
+                </a:solidFill>
+                <a:latin typeface="Meiryo UI" panose="020B0604030504040204" pitchFamily="50" charset="-128"/>
+                <a:ea typeface="Meiryo UI" panose="020B0604030504040204" pitchFamily="50" charset="-128"/>
+                <a:cs typeface="+mn-cs"/>
+              </a:defRPr>
+            </a:lvl1pPr>
+            <a:lvl2pPr marL="685800" indent="-228600" algn="l" defTabSz="914400" rtl="0" eaLnBrk="1" latinLnBrk="0" hangingPunct="1">
+              <a:lnSpc>
+                <a:spcPct val="90000"/>
+              </a:lnSpc>
+              <a:spcBef>
+                <a:spcPts val="500"/>
+              </a:spcBef>
+              <a:buFont typeface="Arial" panose="020B0604020202020204" pitchFamily="34" charset="0"/>
+              <a:buChar char="•"/>
+              <a:defRPr kumimoji="1" sz="1800" kern="1200">
+                <a:solidFill>
+                  <a:schemeClr val="tx1"/>
+                </a:solidFill>
+                <a:latin typeface="Meiryo UI" panose="020B0604030504040204" pitchFamily="50" charset="-128"/>
+                <a:ea typeface="Meiryo UI" panose="020B0604030504040204" pitchFamily="50" charset="-128"/>
+                <a:cs typeface="+mn-cs"/>
+              </a:defRPr>
+            </a:lvl2pPr>
+            <a:lvl3pPr marL="1143000" indent="-228600" algn="l" defTabSz="914400" rtl="0" eaLnBrk="1" latinLnBrk="0" hangingPunct="1">
+              <a:lnSpc>
+                <a:spcPct val="90000"/>
+              </a:lnSpc>
+              <a:spcBef>
+                <a:spcPts val="500"/>
+              </a:spcBef>
+              <a:buFont typeface="Arial" panose="020B0604020202020204" pitchFamily="34" charset="0"/>
+              <a:buChar char="•"/>
+              <a:defRPr kumimoji="1" sz="1600" kern="1200">
+                <a:solidFill>
+                  <a:schemeClr val="tx1"/>
+                </a:solidFill>
+                <a:latin typeface="Meiryo UI" panose="020B0604030504040204" pitchFamily="50" charset="-128"/>
+                <a:ea typeface="Meiryo UI" panose="020B0604030504040204" pitchFamily="50" charset="-128"/>
+                <a:cs typeface="+mn-cs"/>
+              </a:defRPr>
+            </a:lvl3pPr>
+            <a:lvl4pPr marL="1600200" indent="-228600" algn="l" defTabSz="914400" rtl="0" eaLnBrk="1" latinLnBrk="0" hangingPunct="1">
+              <a:lnSpc>
+                <a:spcPct val="90000"/>
+              </a:lnSpc>
+              <a:spcBef>
+                <a:spcPts val="500"/>
+              </a:spcBef>
+              <a:buFont typeface="Arial" panose="020B0604020202020204" pitchFamily="34" charset="0"/>
+              <a:buChar char="•"/>
+              <a:defRPr kumimoji="1" sz="1400" kern="1200">
+                <a:solidFill>
+                  <a:schemeClr val="tx1"/>
+                </a:solidFill>
+                <a:latin typeface="Meiryo UI" panose="020B0604030504040204" pitchFamily="50" charset="-128"/>
+                <a:ea typeface="Meiryo UI" panose="020B0604030504040204" pitchFamily="50" charset="-128"/>
+                <a:cs typeface="+mn-cs"/>
+              </a:defRPr>
+            </a:lvl4pPr>
+            <a:lvl5pPr marL="2057400" indent="-228600" algn="l" defTabSz="914400" rtl="0" eaLnBrk="1" latinLnBrk="0" hangingPunct="1">
+              <a:lnSpc>
+                <a:spcPct val="90000"/>
+              </a:lnSpc>
+              <a:spcBef>
+                <a:spcPts val="500"/>
+              </a:spcBef>
+              <a:buFont typeface="Arial" panose="020B0604020202020204" pitchFamily="34" charset="0"/>
+              <a:buChar char="•"/>
+              <a:defRPr kumimoji="1" sz="1200" kern="1200">
+                <a:solidFill>
+                  <a:schemeClr val="tx1"/>
+                </a:solidFill>
+                <a:latin typeface="Meiryo UI" panose="020B0604030504040204" pitchFamily="50" charset="-128"/>
+                <a:ea typeface="Meiryo UI" panose="020B0604030504040204" pitchFamily="50" charset="-128"/>
+                <a:cs typeface="+mn-cs"/>
+              </a:defRPr>
+            </a:lvl5pPr>
+            <a:lvl6pPr marL="2514600" indent="-228600" algn="l" defTabSz="914400" rtl="0" eaLnBrk="1" latinLnBrk="0" hangingPunct="1">
+              <a:lnSpc>
+                <a:spcPct val="90000"/>
+              </a:lnSpc>
+              <a:spcBef>
+                <a:spcPts val="500"/>
+              </a:spcBef>
+              <a:buFont typeface="Arial" panose="020B0604020202020204" pitchFamily="34" charset="0"/>
+              <a:buChar char="•"/>
+              <a:defRPr kumimoji="1" sz="1800" kern="1200">
+                <a:solidFill>
+                  <a:schemeClr val="tx1"/>
+                </a:solidFill>
+                <a:latin typeface="+mn-lt"/>
+                <a:ea typeface="+mn-ea"/>
+                <a:cs typeface="+mn-cs"/>
+              </a:defRPr>
+            </a:lvl6pPr>
+            <a:lvl7pPr marL="2971800" indent="-228600" algn="l" defTabSz="914400" rtl="0" eaLnBrk="1" latinLnBrk="0" hangingPunct="1">
+              <a:lnSpc>
+                <a:spcPct val="90000"/>
+              </a:lnSpc>
+              <a:spcBef>
+                <a:spcPts val="500"/>
+              </a:spcBef>
+              <a:buFont typeface="Arial" panose="020B0604020202020204" pitchFamily="34" charset="0"/>
+              <a:buChar char="•"/>
+              <a:defRPr kumimoji="1" sz="1800" kern="1200">
+                <a:solidFill>
+                  <a:schemeClr val="tx1"/>
+                </a:solidFill>
+                <a:latin typeface="+mn-lt"/>
+                <a:ea typeface="+mn-ea"/>
+                <a:cs typeface="+mn-cs"/>
+              </a:defRPr>
+            </a:lvl7pPr>
+            <a:lvl8pPr marL="3429000" indent="-228600" algn="l" defTabSz="914400" rtl="0" eaLnBrk="1" latinLnBrk="0" hangingPunct="1">
+              <a:lnSpc>
+                <a:spcPct val="90000"/>
+              </a:lnSpc>
+              <a:spcBef>
+                <a:spcPts val="500"/>
+              </a:spcBef>
+              <a:buFont typeface="Arial" panose="020B0604020202020204" pitchFamily="34" charset="0"/>
+              <a:buChar char="•"/>
+              <a:defRPr kumimoji="1" sz="1800" kern="1200">
+                <a:solidFill>
+                  <a:schemeClr val="tx1"/>
+                </a:solidFill>
+                <a:latin typeface="+mn-lt"/>
+                <a:ea typeface="+mn-ea"/>
+                <a:cs typeface="+mn-cs"/>
+              </a:defRPr>
+            </a:lvl8pPr>
+            <a:lvl9pPr marL="3886200" indent="-228600" algn="l" defTabSz="914400" rtl="0" eaLnBrk="1" latinLnBrk="0" hangingPunct="1">
+              <a:lnSpc>
+                <a:spcPct val="90000"/>
+              </a:lnSpc>
+              <a:spcBef>
+                <a:spcPts val="500"/>
+              </a:spcBef>
+              <a:buFont typeface="Arial" panose="020B0604020202020204" pitchFamily="34" charset="0"/>
+              <a:buChar char="•"/>
+              <a:defRPr kumimoji="1" sz="1800" kern="1200">
+                <a:solidFill>
+                  <a:schemeClr val="tx1"/>
+                </a:solidFill>
+                <a:latin typeface="+mn-lt"/>
+                <a:ea typeface="+mn-ea"/>
+                <a:cs typeface="+mn-cs"/>
+              </a:defRPr>
+            </a:lvl9pPr>
+          </a:lstStyle>
+          <a:p>
+            <a:pPr marL="0" indent="0">
+              <a:buFont typeface="Arial" panose="020B0604020202020204" pitchFamily="34" charset="0"/>
+              <a:buNone/>
+            </a:pPr>
+            <a:r>
+              <a:rPr lang="en-US" altLang="ja-JP" dirty="0"/>
+              <a:t>【</a:t>
+            </a:r>
+            <a:r>
+              <a:rPr lang="ja-JP" altLang="en-US" dirty="0"/>
+              <a:t>ホーム画面</a:t>
+            </a:r>
+            <a:r>
+              <a:rPr lang="en-US" altLang="ja-JP" dirty="0"/>
+              <a:t>】</a:t>
+            </a:r>
+          </a:p>
+          <a:p>
+            <a:pPr marL="0" indent="0">
+              <a:buFont typeface="Arial" panose="020B0604020202020204" pitchFamily="34" charset="0"/>
+              <a:buNone/>
+            </a:pPr>
+            <a:r>
+              <a:rPr lang="ja-JP" altLang="en-US" dirty="0"/>
+              <a:t>　</a:t>
+            </a:r>
+            <a:r>
+              <a:rPr lang="ja-JP" altLang="en-US" sz="1600" dirty="0"/>
+              <a:t>日記を一覧表示する画面です。</a:t>
+            </a:r>
+            <a:endParaRPr lang="en-US" altLang="ja-JP" sz="1600" dirty="0"/>
+          </a:p>
+          <a:p>
+            <a:pPr marL="0" indent="0">
+              <a:buFont typeface="Arial" panose="020B0604020202020204" pitchFamily="34" charset="0"/>
+              <a:buNone/>
+            </a:pPr>
+            <a:r>
+              <a:rPr lang="en-US" altLang="ja-JP" dirty="0"/>
+              <a:t>【</a:t>
+            </a:r>
+            <a:r>
+              <a:rPr lang="ja-JP" altLang="en-US" dirty="0"/>
+              <a:t>更新画面</a:t>
+            </a:r>
+            <a:r>
+              <a:rPr lang="en-US" altLang="ja-JP" dirty="0"/>
+              <a:t>】</a:t>
+            </a:r>
+            <a:r>
+              <a:rPr lang="ja-JP" altLang="en-US" dirty="0"/>
+              <a:t>　</a:t>
+            </a:r>
+            <a:endParaRPr lang="en-US" altLang="ja-JP" dirty="0"/>
+          </a:p>
+          <a:p>
+            <a:pPr marL="0" indent="0">
+              <a:buFont typeface="Arial" panose="020B0604020202020204" pitchFamily="34" charset="0"/>
+              <a:buNone/>
+            </a:pPr>
+            <a:r>
+              <a:rPr lang="ja-JP" altLang="en-US" dirty="0"/>
+              <a:t>　</a:t>
+            </a:r>
+            <a:r>
+              <a:rPr lang="ja-JP" altLang="en-US" sz="1600" dirty="0"/>
+              <a:t>日記の内容を更新する画面です。</a:t>
+            </a:r>
+            <a:endParaRPr lang="en-US" altLang="ja-JP" sz="1600" dirty="0"/>
+          </a:p>
+          <a:p>
+            <a:pPr marL="0" indent="0">
+              <a:buFont typeface="Arial" panose="020B0604020202020204" pitchFamily="34" charset="0"/>
+              <a:buNone/>
+            </a:pPr>
+            <a:r>
+              <a:rPr lang="en-US" altLang="ja-JP" dirty="0"/>
+              <a:t>【</a:t>
+            </a:r>
+            <a:r>
+              <a:rPr lang="ja-JP" altLang="en-US" dirty="0"/>
+              <a:t>登録画面</a:t>
+            </a:r>
+            <a:r>
+              <a:rPr lang="en-US" altLang="ja-JP" dirty="0"/>
+              <a:t>】</a:t>
+            </a:r>
+          </a:p>
+          <a:p>
+            <a:pPr marL="0" indent="0">
+              <a:buFont typeface="Arial" panose="020B0604020202020204" pitchFamily="34" charset="0"/>
+              <a:buNone/>
+            </a:pPr>
+            <a:r>
+              <a:rPr lang="ja-JP" altLang="en-US" sz="1600" dirty="0"/>
+              <a:t>　日記の内容を新規登録する画面です。</a:t>
+            </a:r>
+            <a:endParaRPr lang="en-US" altLang="ja-JP" sz="1600" dirty="0"/>
+          </a:p>
+          <a:p>
+            <a:pPr marL="0" indent="0">
+              <a:buFont typeface="Arial" panose="020B0604020202020204" pitchFamily="34" charset="0"/>
+              <a:buNone/>
+            </a:pPr>
+            <a:endParaRPr lang="en-US" altLang="ja-JP" sz="1600" dirty="0"/>
+          </a:p>
+          <a:p>
+            <a:pPr marL="0" indent="0">
+              <a:buFont typeface="Arial" panose="020B0604020202020204" pitchFamily="34" charset="0"/>
+              <a:buNone/>
+            </a:pPr>
+            <a:r>
+              <a:rPr lang="ja-JP" altLang="en-US" sz="1600" dirty="0"/>
+              <a:t>以上、３つの画面を作成していきます。</a:t>
+            </a:r>
+            <a:endParaRPr lang="en-US" altLang="ja-JP" sz="1600" dirty="0"/>
+          </a:p>
+        </p:txBody>
+      </p:sp>
+    </p:spTree>
+    <p:extLst>
+      <p:ext uri="{BB962C8B-B14F-4D97-AF65-F5344CB8AC3E}">
+        <p14:creationId xmlns:p14="http://schemas.microsoft.com/office/powerpoint/2010/main" val="3091186033"/>
+      </p:ext>
+    </p:extLst>
+  </p:cSld>
+  <p:clrMapOvr>
+    <a:masterClrMapping/>
+  </p:clrMapOvr>
+</p:sld>
+</file>
+
+<file path=ppt/slides/slide9.xml><?xml version="1.0" encoding="utf-8"?>
+<p:sld xmlns:a="http://schemas.openxmlformats.org/drawingml/2006/main" xmlns:r="http://schemas.openxmlformats.org/officeDocument/2006/relationships" xmlns:p="http://schemas.openxmlformats.org/presentationml/2006/main">
+  <p:cSld>
+    <p:spTree>
+      <p:nvGrpSpPr>
+        <p:cNvPr id="1" name=""/>
+        <p:cNvGrpSpPr/>
+        <p:nvPr/>
+      </p:nvGrpSpPr>
+      <p:grpSpPr>
+        <a:xfrm>
+          <a:off x="0" y="0"/>
+          <a:ext cx="0" cy="0"/>
+          <a:chOff x="0" y="0"/>
+          <a:chExt cx="0" cy="0"/>
+        </a:xfrm>
+      </p:grpSpPr>
+      <p:sp>
+        <p:nvSpPr>
+          <p:cNvPr id="2" name="タイトル 1"/>
+          <p:cNvSpPr>
+            <a:spLocks noGrp="1"/>
+          </p:cNvSpPr>
+          <p:nvPr>
+            <p:ph type="title"/>
+          </p:nvPr>
+        </p:nvSpPr>
+        <p:spPr/>
+        <p:txBody>
+          <a:bodyPr/>
+          <a:lstStyle/>
+          <a:p>
+            <a:r>
+              <a:rPr lang="ja-JP" altLang="en-US" dirty="0"/>
+              <a:t>２－２．アプリ概要</a:t>
+            </a:r>
+            <a:endParaRPr kumimoji="1" lang="ja-JP" altLang="en-US" dirty="0"/>
+          </a:p>
+        </p:txBody>
+      </p:sp>
+      <p:sp>
+        <p:nvSpPr>
+          <p:cNvPr id="7" name="コンテンツ プレースホルダー 5"/>
+          <p:cNvSpPr txBox="1">
+            <a:spLocks/>
+          </p:cNvSpPr>
+          <p:nvPr/>
+        </p:nvSpPr>
+        <p:spPr>
+          <a:xfrm>
+            <a:off x="406400" y="1138961"/>
+            <a:ext cx="11379200" cy="1151478"/>
+          </a:xfrm>
+          <a:prstGeom prst="rect">
+            <a:avLst/>
+          </a:prstGeom>
+        </p:spPr>
+        <p:txBody>
+          <a:bodyPr vert="horz" lIns="91440" tIns="45720" rIns="91440" bIns="45720" rtlCol="0">
+            <a:normAutofit lnSpcReduction="10000"/>
+          </a:bodyPr>
+          <a:lstStyle>
+            <a:lvl1pPr marL="228600" indent="-228600" algn="l" defTabSz="914400" rtl="0" eaLnBrk="1" latinLnBrk="0" hangingPunct="1">
+              <a:lnSpc>
+                <a:spcPct val="90000"/>
+              </a:lnSpc>
+              <a:spcBef>
+                <a:spcPts val="1000"/>
+              </a:spcBef>
+              <a:buFont typeface="Arial" panose="020B0604020202020204" pitchFamily="34" charset="0"/>
+              <a:buChar char="•"/>
+              <a:defRPr kumimoji="1" sz="2000" kern="1200">
+                <a:solidFill>
+                  <a:schemeClr val="tx1"/>
+                </a:solidFill>
+                <a:latin typeface="Meiryo UI" panose="020B0604030504040204" pitchFamily="50" charset="-128"/>
+                <a:ea typeface="Meiryo UI" panose="020B0604030504040204" pitchFamily="50" charset="-128"/>
+                <a:cs typeface="+mn-cs"/>
+              </a:defRPr>
+            </a:lvl1pPr>
+            <a:lvl2pPr marL="685800" indent="-228600" algn="l" defTabSz="914400" rtl="0" eaLnBrk="1" latinLnBrk="0" hangingPunct="1">
+              <a:lnSpc>
+                <a:spcPct val="90000"/>
+              </a:lnSpc>
+              <a:spcBef>
+                <a:spcPts val="500"/>
+              </a:spcBef>
+              <a:buFont typeface="Arial" panose="020B0604020202020204" pitchFamily="34" charset="0"/>
+              <a:buChar char="•"/>
+              <a:defRPr kumimoji="1" sz="1800" kern="1200">
+                <a:solidFill>
+                  <a:schemeClr val="tx1"/>
+                </a:solidFill>
+                <a:latin typeface="Meiryo UI" panose="020B0604030504040204" pitchFamily="50" charset="-128"/>
+                <a:ea typeface="Meiryo UI" panose="020B0604030504040204" pitchFamily="50" charset="-128"/>
+                <a:cs typeface="+mn-cs"/>
+              </a:defRPr>
+            </a:lvl2pPr>
+            <a:lvl3pPr marL="1143000" indent="-228600" algn="l" defTabSz="914400" rtl="0" eaLnBrk="1" latinLnBrk="0" hangingPunct="1">
+              <a:lnSpc>
+                <a:spcPct val="90000"/>
+              </a:lnSpc>
+              <a:spcBef>
+                <a:spcPts val="500"/>
+              </a:spcBef>
+              <a:buFont typeface="Arial" panose="020B0604020202020204" pitchFamily="34" charset="0"/>
+              <a:buChar char="•"/>
+              <a:defRPr kumimoji="1" sz="1600" kern="1200">
+                <a:solidFill>
+                  <a:schemeClr val="tx1"/>
+                </a:solidFill>
+                <a:latin typeface="Meiryo UI" panose="020B0604030504040204" pitchFamily="50" charset="-128"/>
+                <a:ea typeface="Meiryo UI" panose="020B0604030504040204" pitchFamily="50" charset="-128"/>
+                <a:cs typeface="+mn-cs"/>
+              </a:defRPr>
+            </a:lvl3pPr>
+            <a:lvl4pPr marL="1600200" indent="-228600" algn="l" defTabSz="914400" rtl="0" eaLnBrk="1" latinLnBrk="0" hangingPunct="1">
+              <a:lnSpc>
+                <a:spcPct val="90000"/>
+              </a:lnSpc>
+              <a:spcBef>
+                <a:spcPts val="500"/>
+              </a:spcBef>
+              <a:buFont typeface="Arial" panose="020B0604020202020204" pitchFamily="34" charset="0"/>
+              <a:buChar char="•"/>
+              <a:defRPr kumimoji="1" sz="1400" kern="1200">
+                <a:solidFill>
+                  <a:schemeClr val="tx1"/>
+                </a:solidFill>
+                <a:latin typeface="Meiryo UI" panose="020B0604030504040204" pitchFamily="50" charset="-128"/>
+                <a:ea typeface="Meiryo UI" panose="020B0604030504040204" pitchFamily="50" charset="-128"/>
+                <a:cs typeface="+mn-cs"/>
+              </a:defRPr>
+            </a:lvl4pPr>
+            <a:lvl5pPr marL="2057400" indent="-228600" algn="l" defTabSz="914400" rtl="0" eaLnBrk="1" latinLnBrk="0" hangingPunct="1">
+              <a:lnSpc>
+                <a:spcPct val="90000"/>
+              </a:lnSpc>
+              <a:spcBef>
+                <a:spcPts val="500"/>
+              </a:spcBef>
+              <a:buFont typeface="Arial" panose="020B0604020202020204" pitchFamily="34" charset="0"/>
+              <a:buChar char="•"/>
+              <a:defRPr kumimoji="1" sz="1200" kern="1200">
+                <a:solidFill>
+                  <a:schemeClr val="tx1"/>
+                </a:solidFill>
+                <a:latin typeface="Meiryo UI" panose="020B0604030504040204" pitchFamily="50" charset="-128"/>
+                <a:ea typeface="Meiryo UI" panose="020B0604030504040204" pitchFamily="50" charset="-128"/>
+                <a:cs typeface="+mn-cs"/>
+              </a:defRPr>
+            </a:lvl5pPr>
+            <a:lvl6pPr marL="2514600" indent="-228600" algn="l" defTabSz="914400" rtl="0" eaLnBrk="1" latinLnBrk="0" hangingPunct="1">
+              <a:lnSpc>
+                <a:spcPct val="90000"/>
+              </a:lnSpc>
+              <a:spcBef>
+                <a:spcPts val="500"/>
+              </a:spcBef>
+              <a:buFont typeface="Arial" panose="020B0604020202020204" pitchFamily="34" charset="0"/>
+              <a:buChar char="•"/>
+              <a:defRPr kumimoji="1" sz="1800" kern="1200">
+                <a:solidFill>
+                  <a:schemeClr val="tx1"/>
+                </a:solidFill>
+                <a:latin typeface="+mn-lt"/>
+                <a:ea typeface="+mn-ea"/>
+                <a:cs typeface="+mn-cs"/>
+              </a:defRPr>
+            </a:lvl6pPr>
+            <a:lvl7pPr marL="2971800" indent="-228600" algn="l" defTabSz="914400" rtl="0" eaLnBrk="1" latinLnBrk="0" hangingPunct="1">
+              <a:lnSpc>
+                <a:spcPct val="90000"/>
+              </a:lnSpc>
+              <a:spcBef>
+                <a:spcPts val="500"/>
+              </a:spcBef>
+              <a:buFont typeface="Arial" panose="020B0604020202020204" pitchFamily="34" charset="0"/>
+              <a:buChar char="•"/>
+              <a:defRPr kumimoji="1" sz="1800" kern="1200">
+                <a:solidFill>
+                  <a:schemeClr val="tx1"/>
+                </a:solidFill>
+                <a:latin typeface="+mn-lt"/>
+                <a:ea typeface="+mn-ea"/>
+                <a:cs typeface="+mn-cs"/>
+              </a:defRPr>
+            </a:lvl7pPr>
+            <a:lvl8pPr marL="3429000" indent="-228600" algn="l" defTabSz="914400" rtl="0" eaLnBrk="1" latinLnBrk="0" hangingPunct="1">
+              <a:lnSpc>
+                <a:spcPct val="90000"/>
+              </a:lnSpc>
+              <a:spcBef>
+                <a:spcPts val="500"/>
+              </a:spcBef>
+              <a:buFont typeface="Arial" panose="020B0604020202020204" pitchFamily="34" charset="0"/>
+              <a:buChar char="•"/>
+              <a:defRPr kumimoji="1" sz="1800" kern="1200">
+                <a:solidFill>
+                  <a:schemeClr val="tx1"/>
+                </a:solidFill>
+                <a:latin typeface="+mn-lt"/>
+                <a:ea typeface="+mn-ea"/>
+                <a:cs typeface="+mn-cs"/>
+              </a:defRPr>
+            </a:lvl8pPr>
+            <a:lvl9pPr marL="3886200" indent="-228600" algn="l" defTabSz="914400" rtl="0" eaLnBrk="1" latinLnBrk="0" hangingPunct="1">
+              <a:lnSpc>
+                <a:spcPct val="90000"/>
+              </a:lnSpc>
+              <a:spcBef>
+                <a:spcPts val="500"/>
+              </a:spcBef>
+              <a:buFont typeface="Arial" panose="020B0604020202020204" pitchFamily="34" charset="0"/>
+              <a:buChar char="•"/>
+              <a:defRPr kumimoji="1" sz="1800" kern="1200">
+                <a:solidFill>
+                  <a:schemeClr val="tx1"/>
+                </a:solidFill>
+                <a:latin typeface="+mn-lt"/>
+                <a:ea typeface="+mn-ea"/>
+                <a:cs typeface="+mn-cs"/>
+              </a:defRPr>
+            </a:lvl9pPr>
+          </a:lstStyle>
+          <a:p>
+            <a:pPr marL="0" indent="0">
+              <a:buFont typeface="Arial" panose="020B0604020202020204" pitchFamily="34" charset="0"/>
+              <a:buNone/>
+            </a:pPr>
+            <a:r>
+              <a:rPr lang="en-US" altLang="ja-JP" dirty="0"/>
+              <a:t>【</a:t>
+            </a:r>
+            <a:r>
+              <a:rPr lang="ja-JP" altLang="en-US" dirty="0"/>
+              <a:t>画面遷移</a:t>
+            </a:r>
+            <a:r>
+              <a:rPr lang="en-US" altLang="ja-JP" dirty="0"/>
+              <a:t>】</a:t>
+            </a:r>
+          </a:p>
+          <a:p>
+            <a:pPr marL="0" indent="0">
+              <a:buFont typeface="Arial" panose="020B0604020202020204" pitchFamily="34" charset="0"/>
+              <a:buNone/>
+            </a:pPr>
+            <a:r>
+              <a:rPr lang="ja-JP" altLang="en-US" dirty="0"/>
+              <a:t>　このアプリでは画面遷移の制御を</a:t>
+            </a:r>
+            <a:r>
+              <a:rPr lang="en-US" altLang="ja-JP" dirty="0"/>
+              <a:t>expo</a:t>
+            </a:r>
+            <a:r>
+              <a:rPr lang="ja-JP" altLang="en-US" dirty="0"/>
+              <a:t>に最初から同梱されている</a:t>
+            </a:r>
+            <a:r>
+              <a:rPr lang="en-US" altLang="ja-JP" dirty="0"/>
+              <a:t>React Navigation</a:t>
+            </a:r>
+            <a:r>
+              <a:rPr lang="ja-JP" altLang="en-US" dirty="0"/>
+              <a:t>のモジュール</a:t>
+            </a:r>
+            <a:endParaRPr lang="en-US" altLang="ja-JP" dirty="0"/>
+          </a:p>
+          <a:p>
+            <a:pPr marL="0" indent="0">
+              <a:buFont typeface="Arial" panose="020B0604020202020204" pitchFamily="34" charset="0"/>
+              <a:buNone/>
+            </a:pPr>
+            <a:r>
+              <a:rPr lang="ja-JP" altLang="en-US" dirty="0"/>
+              <a:t>　を使用します。</a:t>
+            </a:r>
+            <a:endParaRPr lang="en-US" altLang="ja-JP" dirty="0"/>
+          </a:p>
+          <a:p>
+            <a:pPr marL="0" indent="0">
+              <a:buFont typeface="Arial" panose="020B0604020202020204" pitchFamily="34" charset="0"/>
+              <a:buNone/>
+            </a:pPr>
+            <a:endParaRPr lang="en-US" altLang="ja-JP" dirty="0"/>
+          </a:p>
+        </p:txBody>
+      </p:sp>
+      <p:sp>
+        <p:nvSpPr>
+          <p:cNvPr id="25" name="正方形/長方形 24">
+            <a:extLst>
+              <a:ext uri="{FF2B5EF4-FFF2-40B4-BE49-F238E27FC236}">
+                <a16:creationId xmlns:a16="http://schemas.microsoft.com/office/drawing/2014/main" id="{EF2A35DE-4A91-422E-B51C-679D938D30FD}"/>
+              </a:ext>
+            </a:extLst>
+          </p:cNvPr>
+          <p:cNvSpPr/>
+          <p:nvPr/>
+        </p:nvSpPr>
+        <p:spPr>
+          <a:xfrm>
+            <a:off x="1171853" y="2721775"/>
+            <a:ext cx="1447060" cy="1601650"/>
+          </a:xfrm>
+          <a:prstGeom prst="rect">
+            <a:avLst/>
+          </a:prstGeom>
+        </p:spPr>
+        <p:style>
+          <a:lnRef idx="2">
+            <a:schemeClr val="accent1"/>
+          </a:lnRef>
+          <a:fillRef idx="1">
+            <a:schemeClr val="lt1"/>
+          </a:fillRef>
+          <a:effectRef idx="0">
+            <a:schemeClr val="accent1"/>
+          </a:effectRef>
+          <a:fontRef idx="minor">
+            <a:schemeClr val="dk1"/>
+          </a:fontRef>
+        </p:style>
+        <p:txBody>
+          <a:bodyPr rtlCol="0" anchor="ctr"/>
+          <a:lstStyle/>
+          <a:p>
+            <a:pPr algn="ctr"/>
+            <a:endParaRPr kumimoji="1" lang="ja-JP" altLang="en-US" dirty="0"/>
+          </a:p>
+        </p:txBody>
+      </p:sp>
+      <p:sp>
+        <p:nvSpPr>
+          <p:cNvPr id="26" name="正方形/長方形 25">
+            <a:extLst>
+              <a:ext uri="{FF2B5EF4-FFF2-40B4-BE49-F238E27FC236}">
+                <a16:creationId xmlns:a16="http://schemas.microsoft.com/office/drawing/2014/main" id="{A50C7B1F-001B-42EA-BAA3-1154E21924EE}"/>
+              </a:ext>
+            </a:extLst>
+          </p:cNvPr>
+          <p:cNvSpPr/>
+          <p:nvPr/>
+        </p:nvSpPr>
+        <p:spPr>
+          <a:xfrm>
+            <a:off x="1171852" y="4323425"/>
+            <a:ext cx="719091" cy="386949"/>
+          </a:xfrm>
+          <a:prstGeom prst="rect">
+            <a:avLst/>
+          </a:prstGeom>
+        </p:spPr>
+        <p:style>
+          <a:lnRef idx="1">
+            <a:schemeClr val="accent1"/>
+          </a:lnRef>
+          <a:fillRef idx="2">
+            <a:schemeClr val="accent1"/>
+          </a:fillRef>
+          <a:effectRef idx="1">
+            <a:schemeClr val="accent1"/>
+          </a:effectRef>
+          <a:fontRef idx="minor">
+            <a:schemeClr val="dk1"/>
+          </a:fontRef>
+        </p:style>
+        <p:txBody>
+          <a:bodyPr rtlCol="0" anchor="ctr"/>
+          <a:lstStyle/>
+          <a:p>
+            <a:pPr algn="ctr"/>
+            <a:r>
+              <a:rPr kumimoji="1" lang="ja-JP" altLang="en-US" sz="1000" dirty="0"/>
+              <a:t>ホーム</a:t>
+            </a:r>
+          </a:p>
+        </p:txBody>
+      </p:sp>
+      <p:sp>
+        <p:nvSpPr>
+          <p:cNvPr id="27" name="正方形/長方形 26">
+            <a:extLst>
+              <a:ext uri="{FF2B5EF4-FFF2-40B4-BE49-F238E27FC236}">
+                <a16:creationId xmlns:a16="http://schemas.microsoft.com/office/drawing/2014/main" id="{CA8B330F-0391-45A8-B589-AB9A04222F28}"/>
+              </a:ext>
+            </a:extLst>
+          </p:cNvPr>
+          <p:cNvSpPr/>
+          <p:nvPr/>
+        </p:nvSpPr>
+        <p:spPr>
+          <a:xfrm>
+            <a:off x="1890943" y="4323425"/>
+            <a:ext cx="719091" cy="386949"/>
+          </a:xfrm>
+          <a:prstGeom prst="rect">
+            <a:avLst/>
+          </a:prstGeom>
+        </p:spPr>
+        <p:style>
+          <a:lnRef idx="1">
+            <a:schemeClr val="accent1"/>
+          </a:lnRef>
+          <a:fillRef idx="2">
+            <a:schemeClr val="accent1"/>
+          </a:fillRef>
+          <a:effectRef idx="1">
+            <a:schemeClr val="accent1"/>
+          </a:effectRef>
+          <a:fontRef idx="minor">
+            <a:schemeClr val="dk1"/>
+          </a:fontRef>
+        </p:style>
+        <p:txBody>
+          <a:bodyPr rtlCol="0" anchor="ctr"/>
+          <a:lstStyle/>
+          <a:p>
+            <a:pPr algn="ctr"/>
+            <a:r>
+              <a:rPr lang="ja-JP" altLang="en-US" sz="1000" dirty="0"/>
+              <a:t>登録</a:t>
+            </a:r>
+            <a:endParaRPr kumimoji="1" lang="ja-JP" altLang="en-US" sz="1000" dirty="0"/>
+          </a:p>
+        </p:txBody>
+      </p:sp>
+      <p:sp>
+        <p:nvSpPr>
+          <p:cNvPr id="28" name="正方形/長方形 27">
+            <a:extLst>
+              <a:ext uri="{FF2B5EF4-FFF2-40B4-BE49-F238E27FC236}">
+                <a16:creationId xmlns:a16="http://schemas.microsoft.com/office/drawing/2014/main" id="{A3BA619B-E91F-4B1E-96E7-4CB0ABB28C37}"/>
+              </a:ext>
+            </a:extLst>
+          </p:cNvPr>
+          <p:cNvSpPr/>
+          <p:nvPr/>
+        </p:nvSpPr>
+        <p:spPr>
+          <a:xfrm>
+            <a:off x="1171852" y="2726925"/>
+            <a:ext cx="1447060" cy="257452"/>
+          </a:xfrm>
+          <a:prstGeom prst="rect">
+            <a:avLst/>
+          </a:prstGeom>
+        </p:spPr>
+        <p:style>
+          <a:lnRef idx="2">
+            <a:schemeClr val="dk1"/>
+          </a:lnRef>
+          <a:fillRef idx="1">
+            <a:schemeClr val="lt1"/>
+          </a:fillRef>
+          <a:effectRef idx="0">
+            <a:schemeClr val="dk1"/>
+          </a:effectRef>
+          <a:fontRef idx="minor">
+            <a:schemeClr val="dk1"/>
+          </a:fontRef>
+        </p:style>
+        <p:txBody>
+          <a:bodyPr rtlCol="0" anchor="ctr"/>
+          <a:lstStyle/>
+          <a:p>
+            <a:r>
+              <a:rPr kumimoji="1" lang="ja-JP" altLang="en-US" sz="1400" dirty="0"/>
+              <a:t>日記</a:t>
+            </a:r>
+          </a:p>
+        </p:txBody>
+      </p:sp>
+      <p:sp>
+        <p:nvSpPr>
+          <p:cNvPr id="32" name="正方形/長方形 31">
+            <a:extLst>
+              <a:ext uri="{FF2B5EF4-FFF2-40B4-BE49-F238E27FC236}">
+                <a16:creationId xmlns:a16="http://schemas.microsoft.com/office/drawing/2014/main" id="{1E1A3831-C328-455D-8C3C-7DD5EA7E0CAC}"/>
+              </a:ext>
+            </a:extLst>
+          </p:cNvPr>
+          <p:cNvSpPr/>
+          <p:nvPr/>
+        </p:nvSpPr>
+        <p:spPr>
+          <a:xfrm>
+            <a:off x="1171852" y="2983312"/>
+            <a:ext cx="1447060" cy="257452"/>
+          </a:xfrm>
+          <a:prstGeom prst="rect">
+            <a:avLst/>
+          </a:prstGeom>
+        </p:spPr>
+        <p:style>
+          <a:lnRef idx="2">
+            <a:schemeClr val="dk1"/>
+          </a:lnRef>
+          <a:fillRef idx="1">
+            <a:schemeClr val="lt1"/>
+          </a:fillRef>
+          <a:effectRef idx="0">
+            <a:schemeClr val="dk1"/>
+          </a:effectRef>
+          <a:fontRef idx="minor">
+            <a:schemeClr val="dk1"/>
+          </a:fontRef>
+        </p:style>
+        <p:txBody>
+          <a:bodyPr rtlCol="0" anchor="ctr"/>
+          <a:lstStyle/>
+          <a:p>
+            <a:r>
+              <a:rPr kumimoji="1" lang="ja-JP" altLang="en-US" sz="1400" dirty="0"/>
+              <a:t>日記</a:t>
+            </a:r>
+          </a:p>
+        </p:txBody>
+      </p:sp>
+      <p:sp>
+        <p:nvSpPr>
+          <p:cNvPr id="33" name="正方形/長方形 32">
+            <a:extLst>
+              <a:ext uri="{FF2B5EF4-FFF2-40B4-BE49-F238E27FC236}">
+                <a16:creationId xmlns:a16="http://schemas.microsoft.com/office/drawing/2014/main" id="{B1B817FE-0792-4A2A-B74C-781349E88613}"/>
+              </a:ext>
+            </a:extLst>
+          </p:cNvPr>
+          <p:cNvSpPr/>
+          <p:nvPr/>
+        </p:nvSpPr>
+        <p:spPr>
+          <a:xfrm>
+            <a:off x="1171852" y="3239699"/>
+            <a:ext cx="1447060" cy="257452"/>
+          </a:xfrm>
+          <a:prstGeom prst="rect">
+            <a:avLst/>
+          </a:prstGeom>
+        </p:spPr>
+        <p:style>
+          <a:lnRef idx="2">
+            <a:schemeClr val="dk1"/>
+          </a:lnRef>
+          <a:fillRef idx="1">
+            <a:schemeClr val="lt1"/>
+          </a:fillRef>
+          <a:effectRef idx="0">
+            <a:schemeClr val="dk1"/>
+          </a:effectRef>
+          <a:fontRef idx="minor">
+            <a:schemeClr val="dk1"/>
+          </a:fontRef>
+        </p:style>
+        <p:txBody>
+          <a:bodyPr rtlCol="0" anchor="ctr"/>
+          <a:lstStyle/>
+          <a:p>
+            <a:r>
+              <a:rPr kumimoji="1" lang="ja-JP" altLang="en-US" sz="1400" dirty="0"/>
+              <a:t>日記</a:t>
+            </a:r>
+          </a:p>
+        </p:txBody>
+      </p:sp>
+      <p:sp>
+        <p:nvSpPr>
+          <p:cNvPr id="34" name="正方形/長方形 33">
+            <a:extLst>
+              <a:ext uri="{FF2B5EF4-FFF2-40B4-BE49-F238E27FC236}">
+                <a16:creationId xmlns:a16="http://schemas.microsoft.com/office/drawing/2014/main" id="{D3E4F0A1-E7AF-4BB3-9156-FB692561ACE3}"/>
+              </a:ext>
+            </a:extLst>
+          </p:cNvPr>
+          <p:cNvSpPr/>
+          <p:nvPr/>
+        </p:nvSpPr>
+        <p:spPr>
+          <a:xfrm>
+            <a:off x="5212672" y="2721775"/>
+            <a:ext cx="1447060" cy="1600896"/>
+          </a:xfrm>
+          <a:prstGeom prst="rect">
+            <a:avLst/>
+          </a:prstGeom>
+        </p:spPr>
+        <p:style>
+          <a:lnRef idx="2">
+            <a:schemeClr val="accent1"/>
+          </a:lnRef>
+          <a:fillRef idx="1">
+            <a:schemeClr val="lt1"/>
+          </a:fillRef>
+          <a:effectRef idx="0">
+            <a:schemeClr val="accent1"/>
+          </a:effectRef>
+          <a:fontRef idx="minor">
+            <a:schemeClr val="dk1"/>
+          </a:fontRef>
+        </p:style>
+        <p:txBody>
+          <a:bodyPr rtlCol="0" anchor="ctr"/>
+          <a:lstStyle/>
+          <a:p>
+            <a:pPr algn="ctr"/>
+            <a:endParaRPr kumimoji="1" lang="ja-JP" altLang="en-US" dirty="0"/>
+          </a:p>
+        </p:txBody>
+      </p:sp>
+      <p:cxnSp>
+        <p:nvCxnSpPr>
+          <p:cNvPr id="36" name="コネクタ: カギ線 35">
+            <a:extLst>
+              <a:ext uri="{FF2B5EF4-FFF2-40B4-BE49-F238E27FC236}">
+                <a16:creationId xmlns:a16="http://schemas.microsoft.com/office/drawing/2014/main" id="{0B3FCBB6-93FF-432A-AE27-F7ACC14D3041}"/>
+              </a:ext>
+            </a:extLst>
+          </p:cNvPr>
+          <p:cNvCxnSpPr>
+            <a:cxnSpLocks/>
+            <a:stCxn id="28" idx="3"/>
+            <a:endCxn id="34" idx="1"/>
+          </p:cNvCxnSpPr>
+          <p:nvPr/>
+        </p:nvCxnSpPr>
+        <p:spPr>
+          <a:xfrm>
+            <a:off x="2618912" y="2855651"/>
+            <a:ext cx="2593760" cy="666572"/>
+          </a:xfrm>
+          <a:prstGeom prst="bentConnector3">
+            <a:avLst/>
+          </a:prstGeom>
+          <a:ln>
+            <a:tailEnd type="triangle"/>
+          </a:ln>
+        </p:spPr>
+        <p:style>
+          <a:lnRef idx="1">
+            <a:schemeClr val="accent1"/>
+          </a:lnRef>
+          <a:fillRef idx="0">
+            <a:schemeClr val="accent1"/>
+          </a:fillRef>
+          <a:effectRef idx="0">
+            <a:schemeClr val="accent1"/>
+          </a:effectRef>
+          <a:fontRef idx="minor">
+            <a:schemeClr val="tx1"/>
+          </a:fontRef>
+        </p:style>
+      </p:cxnSp>
+      <p:sp>
+        <p:nvSpPr>
+          <p:cNvPr id="39" name="正方形/長方形 38">
+            <a:extLst>
+              <a:ext uri="{FF2B5EF4-FFF2-40B4-BE49-F238E27FC236}">
+                <a16:creationId xmlns:a16="http://schemas.microsoft.com/office/drawing/2014/main" id="{B1ED8911-AC29-4499-A1DB-D72AB9AE775E}"/>
+              </a:ext>
+            </a:extLst>
+          </p:cNvPr>
+          <p:cNvSpPr/>
+          <p:nvPr/>
+        </p:nvSpPr>
+        <p:spPr>
+          <a:xfrm>
+            <a:off x="1162974" y="2470538"/>
+            <a:ext cx="1447060" cy="257452"/>
+          </a:xfrm>
+          <a:prstGeom prst="rect">
+            <a:avLst/>
+          </a:prstGeom>
+          <a:ln>
+            <a:noFill/>
+          </a:ln>
+        </p:spPr>
+        <p:style>
+          <a:lnRef idx="2">
+            <a:schemeClr val="dk1"/>
+          </a:lnRef>
+          <a:fillRef idx="1">
+            <a:schemeClr val="lt1"/>
+          </a:fillRef>
+          <a:effectRef idx="0">
+            <a:schemeClr val="dk1"/>
+          </a:effectRef>
+          <a:fontRef idx="minor">
+            <a:schemeClr val="dk1"/>
+          </a:fontRef>
+        </p:style>
+        <p:txBody>
+          <a:bodyPr rtlCol="0" anchor="ctr"/>
+          <a:lstStyle/>
+          <a:p>
+            <a:r>
+              <a:rPr kumimoji="1" lang="en-US" altLang="ja-JP" sz="1400" dirty="0"/>
+              <a:t>【</a:t>
+            </a:r>
+            <a:r>
+              <a:rPr kumimoji="1" lang="ja-JP" altLang="en-US" sz="1400" dirty="0"/>
+              <a:t>ホーム画面</a:t>
+            </a:r>
+            <a:r>
+              <a:rPr kumimoji="1" lang="en-US" altLang="ja-JP" sz="1400" dirty="0"/>
+              <a:t>】</a:t>
+            </a:r>
+            <a:endParaRPr kumimoji="1" lang="ja-JP" altLang="en-US" sz="1400" dirty="0"/>
+          </a:p>
+        </p:txBody>
+      </p:sp>
+      <p:sp>
+        <p:nvSpPr>
+          <p:cNvPr id="40" name="正方形/長方形 39">
+            <a:extLst>
+              <a:ext uri="{FF2B5EF4-FFF2-40B4-BE49-F238E27FC236}">
+                <a16:creationId xmlns:a16="http://schemas.microsoft.com/office/drawing/2014/main" id="{66C94A8C-A920-4D71-B3B5-C3C6D17F876C}"/>
+              </a:ext>
+            </a:extLst>
+          </p:cNvPr>
+          <p:cNvSpPr/>
+          <p:nvPr/>
+        </p:nvSpPr>
+        <p:spPr>
+          <a:xfrm>
+            <a:off x="5187518" y="2444319"/>
+            <a:ext cx="1447060" cy="257452"/>
+          </a:xfrm>
+          <a:prstGeom prst="rect">
+            <a:avLst/>
+          </a:prstGeom>
+          <a:ln>
+            <a:noFill/>
+          </a:ln>
+        </p:spPr>
+        <p:style>
+          <a:lnRef idx="2">
+            <a:schemeClr val="dk1"/>
+          </a:lnRef>
+          <a:fillRef idx="1">
+            <a:schemeClr val="lt1"/>
+          </a:fillRef>
+          <a:effectRef idx="0">
+            <a:schemeClr val="dk1"/>
+          </a:effectRef>
+          <a:fontRef idx="minor">
+            <a:schemeClr val="dk1"/>
+          </a:fontRef>
+        </p:style>
+        <p:txBody>
+          <a:bodyPr rtlCol="0" anchor="ctr"/>
+          <a:lstStyle/>
+          <a:p>
+            <a:r>
+              <a:rPr kumimoji="1" lang="en-US" altLang="ja-JP" sz="1400" dirty="0"/>
+              <a:t>【</a:t>
+            </a:r>
+            <a:r>
+              <a:rPr kumimoji="1" lang="ja-JP" altLang="en-US" sz="1400" dirty="0"/>
+              <a:t>更新画面</a:t>
+            </a:r>
+            <a:r>
+              <a:rPr kumimoji="1" lang="en-US" altLang="ja-JP" sz="1400" dirty="0"/>
+              <a:t>】</a:t>
+            </a:r>
+            <a:endParaRPr kumimoji="1" lang="ja-JP" altLang="en-US" sz="1400" dirty="0"/>
+          </a:p>
+        </p:txBody>
+      </p:sp>
+      <p:sp>
+        <p:nvSpPr>
+          <p:cNvPr id="14" name="正方形/長方形 13">
+            <a:extLst>
+              <a:ext uri="{FF2B5EF4-FFF2-40B4-BE49-F238E27FC236}">
+                <a16:creationId xmlns:a16="http://schemas.microsoft.com/office/drawing/2014/main" id="{DD89104C-15FC-4FBE-BED9-2825218D6A04}"/>
+              </a:ext>
+            </a:extLst>
+          </p:cNvPr>
+          <p:cNvSpPr/>
+          <p:nvPr/>
+        </p:nvSpPr>
+        <p:spPr>
+          <a:xfrm>
+            <a:off x="1074197" y="4199137"/>
+            <a:ext cx="1686758" cy="597445"/>
+          </a:xfrm>
+          <a:prstGeom prst="rect">
+            <a:avLst/>
+          </a:prstGeom>
+          <a:noFill/>
+          <a:ln>
+            <a:prstDash val="sysDash"/>
+          </a:ln>
+        </p:spPr>
+        <p:style>
+          <a:lnRef idx="2">
+            <a:schemeClr val="accent2"/>
+          </a:lnRef>
+          <a:fillRef idx="1">
+            <a:schemeClr val="lt1"/>
+          </a:fillRef>
+          <a:effectRef idx="0">
+            <a:schemeClr val="accent2"/>
+          </a:effectRef>
+          <a:fontRef idx="minor">
+            <a:schemeClr val="dk1"/>
+          </a:fontRef>
+        </p:style>
+        <p:txBody>
+          <a:bodyPr rtlCol="0" anchor="ctr"/>
+          <a:lstStyle/>
+          <a:p>
+            <a:pPr algn="ctr"/>
+            <a:endParaRPr kumimoji="1" lang="ja-JP" altLang="en-US" dirty="0"/>
+          </a:p>
+        </p:txBody>
+      </p:sp>
+      <p:sp>
+        <p:nvSpPr>
+          <p:cNvPr id="41" name="正方形/長方形 40">
+            <a:extLst>
+              <a:ext uri="{FF2B5EF4-FFF2-40B4-BE49-F238E27FC236}">
+                <a16:creationId xmlns:a16="http://schemas.microsoft.com/office/drawing/2014/main" id="{C86E66D0-7C68-4E64-B2D7-498B8DF05D04}"/>
+              </a:ext>
+            </a:extLst>
+          </p:cNvPr>
+          <p:cNvSpPr/>
+          <p:nvPr/>
+        </p:nvSpPr>
+        <p:spPr>
+          <a:xfrm>
+            <a:off x="2499062" y="2600251"/>
+            <a:ext cx="2934071" cy="1161335"/>
+          </a:xfrm>
+          <a:prstGeom prst="rect">
+            <a:avLst/>
+          </a:prstGeom>
+          <a:noFill/>
+          <a:ln>
+            <a:prstDash val="sysDash"/>
+          </a:ln>
+        </p:spPr>
+        <p:style>
+          <a:lnRef idx="2">
+            <a:schemeClr val="accent2"/>
+          </a:lnRef>
+          <a:fillRef idx="1">
+            <a:schemeClr val="lt1"/>
+          </a:fillRef>
+          <a:effectRef idx="0">
+            <a:schemeClr val="accent2"/>
+          </a:effectRef>
+          <a:fontRef idx="minor">
+            <a:schemeClr val="dk1"/>
+          </a:fontRef>
+        </p:style>
+        <p:txBody>
+          <a:bodyPr rtlCol="0" anchor="ctr"/>
+          <a:lstStyle/>
+          <a:p>
+            <a:pPr algn="ctr"/>
+            <a:endParaRPr kumimoji="1" lang="ja-JP" altLang="en-US" dirty="0"/>
+          </a:p>
+        </p:txBody>
+      </p:sp>
+      <p:sp>
+        <p:nvSpPr>
+          <p:cNvPr id="15" name="吹き出し: 線 14">
+            <a:extLst>
+              <a:ext uri="{FF2B5EF4-FFF2-40B4-BE49-F238E27FC236}">
+                <a16:creationId xmlns:a16="http://schemas.microsoft.com/office/drawing/2014/main" id="{DE8B0412-EDCB-44D6-A22D-DCA8022B524F}"/>
+              </a:ext>
+            </a:extLst>
+          </p:cNvPr>
+          <p:cNvSpPr/>
+          <p:nvPr/>
+        </p:nvSpPr>
+        <p:spPr>
+          <a:xfrm>
+            <a:off x="1074197" y="5142306"/>
+            <a:ext cx="4767310" cy="1160483"/>
+          </a:xfrm>
+          <a:prstGeom prst="borderCallout1">
+            <a:avLst>
+              <a:gd name="adj1" fmla="val -2670"/>
+              <a:gd name="adj2" fmla="val 14013"/>
+              <a:gd name="adj3" fmla="val -32850"/>
+              <a:gd name="adj4" fmla="val 3194"/>
+            </a:avLst>
+          </a:prstGeom>
+          <a:ln/>
+        </p:spPr>
+        <p:style>
+          <a:lnRef idx="1">
+            <a:schemeClr val="accent1"/>
+          </a:lnRef>
+          <a:fillRef idx="3">
+            <a:schemeClr val="accent1"/>
+          </a:fillRef>
+          <a:effectRef idx="2">
+            <a:schemeClr val="accent1"/>
+          </a:effectRef>
+          <a:fontRef idx="minor">
+            <a:schemeClr val="lt1"/>
+          </a:fontRef>
+        </p:style>
+        <p:txBody>
+          <a:bodyPr rtlCol="0" anchor="ctr"/>
+          <a:lstStyle/>
+          <a:p>
+            <a:r>
+              <a:rPr kumimoji="1" lang="en-US" altLang="ja-JP" sz="1400" dirty="0" err="1"/>
+              <a:t>ReactNavigation</a:t>
+            </a:r>
+            <a:r>
+              <a:rPr lang="ja-JP" altLang="en-US" sz="1400" dirty="0"/>
+              <a:t>の</a:t>
+            </a:r>
+            <a:r>
+              <a:rPr lang="en-US" altLang="ja-JP" sz="1400" dirty="0"/>
+              <a:t>Tab Navigation</a:t>
+            </a:r>
+            <a:r>
+              <a:rPr lang="ja-JP" altLang="en-US" sz="1400" dirty="0"/>
+              <a:t>を利用して実現します。</a:t>
+            </a:r>
+            <a:endParaRPr lang="en-US" altLang="ja-JP" sz="1400" dirty="0"/>
+          </a:p>
+          <a:p>
+            <a:r>
+              <a:rPr lang="ja-JP" altLang="en-US" sz="1400" dirty="0"/>
+              <a:t>画面下部や上部にボタンを表示して画面を遷移させる技術です。</a:t>
+            </a:r>
+            <a:endParaRPr kumimoji="1" lang="ja-JP" altLang="en-US" sz="1400" dirty="0"/>
+          </a:p>
+        </p:txBody>
+      </p:sp>
+      <p:sp>
+        <p:nvSpPr>
+          <p:cNvPr id="43" name="吹き出し: 線 42">
+            <a:extLst>
+              <a:ext uri="{FF2B5EF4-FFF2-40B4-BE49-F238E27FC236}">
+                <a16:creationId xmlns:a16="http://schemas.microsoft.com/office/drawing/2014/main" id="{2B31CADF-AA6E-4ABB-A332-31AC41EF42A9}"/>
+              </a:ext>
+            </a:extLst>
+          </p:cNvPr>
+          <p:cNvSpPr/>
+          <p:nvPr/>
+        </p:nvSpPr>
+        <p:spPr>
+          <a:xfrm>
+            <a:off x="6180090" y="5138797"/>
+            <a:ext cx="4767310" cy="1160483"/>
+          </a:xfrm>
+          <a:prstGeom prst="borderCallout1">
+            <a:avLst>
+              <a:gd name="adj1" fmla="val -1140"/>
+              <a:gd name="adj2" fmla="val 5633"/>
+              <a:gd name="adj3" fmla="val -110880"/>
+              <a:gd name="adj4" fmla="val -19339"/>
+            </a:avLst>
+          </a:prstGeom>
+          <a:ln/>
+        </p:spPr>
+        <p:style>
+          <a:lnRef idx="1">
+            <a:schemeClr val="accent1"/>
+          </a:lnRef>
+          <a:fillRef idx="3">
+            <a:schemeClr val="accent1"/>
+          </a:fillRef>
+          <a:effectRef idx="2">
+            <a:schemeClr val="accent1"/>
+          </a:effectRef>
+          <a:fontRef idx="minor">
+            <a:schemeClr val="lt1"/>
+          </a:fontRef>
+        </p:style>
+        <p:txBody>
+          <a:bodyPr rtlCol="0" anchor="ctr"/>
+          <a:lstStyle/>
+          <a:p>
+            <a:r>
+              <a:rPr kumimoji="1" lang="en-US" altLang="ja-JP" sz="1400" dirty="0" err="1"/>
+              <a:t>ReactNavigation</a:t>
+            </a:r>
+            <a:r>
+              <a:rPr lang="ja-JP" altLang="en-US" sz="1400" dirty="0"/>
+              <a:t>の</a:t>
+            </a:r>
+            <a:r>
+              <a:rPr lang="en-US" altLang="ja-JP" sz="1400" dirty="0"/>
+              <a:t>Drawer</a:t>
+            </a:r>
+            <a:r>
+              <a:rPr lang="ja-JP" altLang="en-US" sz="1400" dirty="0"/>
+              <a:t>を利用して実現します。</a:t>
+            </a:r>
+            <a:endParaRPr lang="en-US" altLang="ja-JP" sz="1400" dirty="0"/>
+          </a:p>
+          <a:p>
+            <a:r>
+              <a:rPr lang="ja-JP" altLang="en-US" sz="1400" dirty="0"/>
+              <a:t>画面をポップアップのように一時的に表示させる技術です。</a:t>
+            </a:r>
+            <a:endParaRPr lang="en-US" altLang="ja-JP" sz="1400" dirty="0"/>
+          </a:p>
+        </p:txBody>
+      </p:sp>
+    </p:spTree>
+    <p:extLst>
+      <p:ext uri="{BB962C8B-B14F-4D97-AF65-F5344CB8AC3E}">
+        <p14:creationId xmlns:p14="http://schemas.microsoft.com/office/powerpoint/2010/main" val="2399623600"/>
       </p:ext>
     </p:extLst>
   </p:cSld>

--- a/doc/02_SlideShare/01.ネタ/4_スマホアプリ開発/dairy.pptx
+++ b/doc/02_SlideShare/01.ネタ/4_スマホアプリ開発/dairy.pptx
@@ -210,7 +210,7 @@
           <a:p>
             <a:fld id="{2FA7D4A1-D6E2-4B97-8DF5-43A2A6E9364B}" type="datetimeFigureOut">
               <a:rPr kumimoji="1" lang="ja-JP" altLang="en-US" smtClean="0"/>
-              <a:t>2019/3/9</a:t>
+              <a:t>2019/3/24</a:t>
             </a:fld>
             <a:endParaRPr kumimoji="1" lang="ja-JP" altLang="en-US"/>
           </a:p>
@@ -661,7 +661,7 @@
           <a:p>
             <a:fld id="{2FA7D4A1-D6E2-4B97-8DF5-43A2A6E9364B}" type="datetimeFigureOut">
               <a:rPr kumimoji="1" lang="ja-JP" altLang="en-US" smtClean="0"/>
-              <a:t>2019/3/9</a:t>
+              <a:t>2019/3/24</a:t>
             </a:fld>
             <a:endParaRPr kumimoji="1" lang="ja-JP" altLang="en-US"/>
           </a:p>
@@ -1090,7 +1090,7 @@
           <a:p>
             <a:fld id="{2FA7D4A1-D6E2-4B97-8DF5-43A2A6E9364B}" type="datetimeFigureOut">
               <a:rPr kumimoji="1" lang="ja-JP" altLang="en-US" smtClean="0"/>
-              <a:t>2019/3/9</a:t>
+              <a:t>2019/3/24</a:t>
             </a:fld>
             <a:endParaRPr kumimoji="1" lang="ja-JP" altLang="en-US"/>
           </a:p>
@@ -1207,7 +1207,7 @@
           <a:p>
             <a:fld id="{2FA7D4A1-D6E2-4B97-8DF5-43A2A6E9364B}" type="datetimeFigureOut">
               <a:rPr kumimoji="1" lang="ja-JP" altLang="en-US" smtClean="0"/>
-              <a:t>2019/3/9</a:t>
+              <a:t>2019/3/24</a:t>
             </a:fld>
             <a:endParaRPr kumimoji="1" lang="ja-JP" altLang="en-US"/>
           </a:p>
@@ -1430,7 +1430,7 @@
           <a:p>
             <a:fld id="{2FA7D4A1-D6E2-4B97-8DF5-43A2A6E9364B}" type="datetimeFigureOut">
               <a:rPr kumimoji="1" lang="ja-JP" altLang="en-US" smtClean="0"/>
-              <a:t>2019/3/9</a:t>
+              <a:t>2019/3/24</a:t>
             </a:fld>
             <a:endParaRPr kumimoji="1" lang="ja-JP" altLang="en-US"/>
           </a:p>
@@ -1799,7 +1799,7 @@
           <a:p>
             <a:fld id="{2FA7D4A1-D6E2-4B97-8DF5-43A2A6E9364B}" type="datetimeFigureOut">
               <a:rPr kumimoji="1" lang="ja-JP" altLang="en-US" smtClean="0"/>
-              <a:t>2019/3/9</a:t>
+              <a:t>2019/3/24</a:t>
             </a:fld>
             <a:endParaRPr kumimoji="1" lang="ja-JP" altLang="en-US"/>
           </a:p>
@@ -2275,7 +2275,7 @@
           <a:p>
             <a:r>
               <a:rPr kumimoji="1" lang="ja-JP" altLang="en-US" dirty="0"/>
-              <a:t>サンプルアプリ（日記アプリ）の作成</a:t>
+              <a:t>日記アプリの作成</a:t>
             </a:r>
           </a:p>
         </p:txBody>
@@ -2356,7 +2356,7 @@
         <p:spPr>
           <a:xfrm>
             <a:off x="406400" y="1138961"/>
-            <a:ext cx="11379200" cy="1151478"/>
+            <a:ext cx="11379200" cy="5181940"/>
           </a:xfrm>
           <a:prstGeom prst="rect">
             <a:avLst/>
@@ -2364,7 +2364,7 @@
         </p:spPr>
         <p:txBody>
           <a:bodyPr vert="horz" lIns="91440" tIns="45720" rIns="91440" bIns="45720" rtlCol="0">
-            <a:normAutofit lnSpcReduction="10000"/>
+            <a:normAutofit/>
           </a:bodyPr>
           <a:lstStyle>
             <a:lvl1pPr marL="228600" indent="-228600" algn="l" defTabSz="914400" rtl="0" eaLnBrk="1" latinLnBrk="0" hangingPunct="1">
@@ -2599,6 +2599,28 @@
               <a:buFont typeface="Arial" panose="020B0604020202020204" pitchFamily="34" charset="0"/>
               <a:buNone/>
             </a:pPr>
+            <a:endParaRPr lang="en-US" altLang="ja-JP" dirty="0"/>
+          </a:p>
+          <a:p>
+            <a:pPr marL="0" indent="0">
+              <a:buFont typeface="Arial" panose="020B0604020202020204" pitchFamily="34" charset="0"/>
+              <a:buNone/>
+            </a:pPr>
+            <a:r>
+              <a:rPr lang="ja-JP" altLang="en-US" dirty="0"/>
+              <a:t>　組み込み型のデータベースとは、アプリケーション内にデータベースを用意するイメージです。</a:t>
+            </a:r>
+            <a:endParaRPr lang="en-US" altLang="ja-JP" dirty="0"/>
+          </a:p>
+          <a:p>
+            <a:pPr marL="0" indent="0">
+              <a:buFont typeface="Arial" panose="020B0604020202020204" pitchFamily="34" charset="0"/>
+              <a:buNone/>
+            </a:pPr>
+            <a:r>
+              <a:rPr lang="ja-JP" altLang="en-US" dirty="0"/>
+              <a:t>　そのため、サーバ等を借りずにデータベースの運用が可能です。</a:t>
+            </a:r>
             <a:endParaRPr lang="en-US" altLang="ja-JP" dirty="0"/>
           </a:p>
         </p:txBody>
